--- a/trunk/Docs/TIU_Tracking_Poster_v5.pptx
+++ b/trunk/Docs/TIU_Tracking_Poster_v5.pptx
@@ -263,19 +263,19 @@
                   <c:v>5.7647366349139375</c:v>
                 </c:pt>
                 <c:pt idx="2">
-                  <c:v>5.650587201505485</c:v>
+                  <c:v>5.6505872015054832</c:v>
                 </c:pt>
                 <c:pt idx="3">
                   <c:v>5.5386980783198174</c:v>
                 </c:pt>
                 <c:pt idx="4">
-                  <c:v>5.4290245082157549</c:v>
+                  <c:v>5.429024508215754</c:v>
                 </c:pt>
                 <c:pt idx="5">
                   <c:v>5.3215226203029449</c:v>
                 </c:pt>
                 <c:pt idx="6">
-                  <c:v>5.2161494123928405</c:v>
+                  <c:v>5.2161494123928422</c:v>
                 </c:pt>
                 <c:pt idx="7">
                   <c:v>5.1128627337972681</c:v>
@@ -284,13 +284,13 @@
                   <c:v>5.011621268467632</c:v>
                 </c:pt>
                 <c:pt idx="9">
-                  <c:v>4.9123845184678867</c:v>
+                  <c:v>4.9123845184678858</c:v>
                 </c:pt>
                 <c:pt idx="10">
                   <c:v>4.8151127877748712</c:v>
                 </c:pt>
                 <c:pt idx="11">
-                  <c:v>4.7197671663993237</c:v>
+                  <c:v>4.7197671663993246</c:v>
                 </c:pt>
                 <c:pt idx="12">
                   <c:v>4.6263095148213971</c:v>
@@ -308,10 +308,10 @@
                   <c:v>4.2706219365756581</c:v>
                 </c:pt>
                 <c:pt idx="17">
-                  <c:v>4.1860579564261835</c:v>
+                  <c:v>4.1860579564261826</c:v>
                 </c:pt>
                 <c:pt idx="18">
-                  <c:v>4.1031684552741403</c:v>
+                  <c:v>4.1031684552741412</c:v>
                 </c:pt>
                 <c:pt idx="19">
                   <c:v>4.0219202762138355</c:v>
@@ -320,10 +320,10 @@
                   <c:v>3.9422809188903405</c:v>
                 </c:pt>
                 <c:pt idx="21">
-                  <c:v>3.8642185264988465</c:v>
+                  <c:v>3.864218526498846</c:v>
                 </c:pt>
                 <c:pt idx="22">
-                  <c:v>3.7877018730415584</c:v>
+                  <c:v>3.7877018730415593</c:v>
                 </c:pt>
                 <c:pt idx="23">
                   <c:v>3.7127003508368448</c:v>
@@ -332,13 +332,13 @@
                   <c:v>3.6391839582758005</c:v>
                 </c:pt>
                 <c:pt idx="25">
-                  <c:v>3.5671232878211692</c:v>
+                  <c:v>3.5671232878211696</c:v>
                 </c:pt>
                 <c:pt idx="26">
                   <c:v>3.4964895142439367</c:v>
                 </c:pt>
                 <c:pt idx="27">
-                  <c:v>3.4272543830928881</c:v>
+                  <c:v>3.4272543830928877</c:v>
                 </c:pt>
                 <c:pt idx="28">
                   <c:v>3.3593901993924122</c:v>
@@ -351,11 +351,11 @@
           </c:yVal>
           <c:smooth val="1"/>
         </c:ser>
-        <c:axId val="49644288"/>
-        <c:axId val="50036736"/>
+        <c:axId val="59202560"/>
+        <c:axId val="59225216"/>
       </c:scatterChart>
       <c:valAx>
-        <c:axId val="49644288"/>
+        <c:axId val="59202560"/>
         <c:scaling>
           <c:orientation val="minMax"/>
         </c:scaling>
@@ -385,12 +385,12 @@
         </c:title>
         <c:numFmt formatCode="General" sourceLinked="1"/>
         <c:tickLblPos val="nextTo"/>
-        <c:crossAx val="50036736"/>
+        <c:crossAx val="59225216"/>
         <c:crosses val="autoZero"/>
         <c:crossBetween val="midCat"/>
       </c:valAx>
       <c:valAx>
-        <c:axId val="50036736"/>
+        <c:axId val="59225216"/>
         <c:scaling>
           <c:orientation val="minMax"/>
         </c:scaling>
@@ -417,7 +417,7 @@
         </c:title>
         <c:numFmt formatCode="General" sourceLinked="1"/>
         <c:tickLblPos val="nextTo"/>
-        <c:crossAx val="49644288"/>
+        <c:crossAx val="59202560"/>
         <c:crosses val="autoZero"/>
         <c:crossBetween val="midCat"/>
       </c:valAx>
@@ -3492,18 +3492,7 @@
                 <a:ea typeface="Ebrima" pitchFamily="2" charset="0"/>
                 <a:cs typeface="Ebrima" pitchFamily="2" charset="0"/>
               </a:rPr>
-              <a:t>TIU </a:t>
-            </a:r>
-            <a:r>
-              <a:rPr lang="en-US" sz="16600" b="1" dirty="0" smtClean="0">
-                <a:solidFill>
-                  <a:srgbClr val="0660A8"/>
-                </a:solidFill>
-                <a:latin typeface="+mj-lt"/>
-                <a:ea typeface="Ebrima" pitchFamily="2" charset="0"/>
-                <a:cs typeface="Ebrima" pitchFamily="2" charset="0"/>
-              </a:rPr>
-              <a:t>Tracking System</a:t>
+              <a:t>TIU Tracking System</a:t>
             </a:r>
             <a:endParaRPr lang="en-US" sz="16600" b="1" dirty="0">
               <a:solidFill>
@@ -3586,9 +3575,9 @@
         <p:grpSpPr>
           <a:xfrm>
             <a:off x="1280160" y="11201400"/>
-            <a:ext cx="10515600" cy="5484138"/>
+            <a:ext cx="10515600" cy="4622363"/>
             <a:chOff x="1280160" y="11201400"/>
-            <a:chExt cx="10515600" cy="5484138"/>
+            <a:chExt cx="10515600" cy="4622363"/>
           </a:xfrm>
         </p:grpSpPr>
         <p:sp>
@@ -3657,7 +3646,7 @@
           <p:spPr>
             <a:xfrm>
               <a:off x="1280160" y="12192000"/>
-              <a:ext cx="10515600" cy="4493538"/>
+              <a:ext cx="10515600" cy="3631763"/>
             </a:xfrm>
             <a:prstGeom prst="rect">
               <a:avLst/>
@@ -3675,7 +3664,7 @@
                 <a:buChar char="•"/>
               </a:pPr>
               <a:r>
-                <a:rPr lang="en-US" sz="4000" dirty="0" smtClean="0">
+                <a:rPr lang="en-US" sz="3200" dirty="0" smtClean="0">
                   <a:ea typeface="Ebrima" pitchFamily="2" charset="0"/>
                   <a:cs typeface="Ebrima" pitchFamily="2" charset="0"/>
                 </a:rPr>
@@ -3688,18 +3677,11 @@
                 <a:buChar char="•"/>
               </a:pPr>
               <a:r>
-                <a:rPr lang="en-US" sz="4000" dirty="0" smtClean="0">
+                <a:rPr lang="en-US" sz="3200" dirty="0" smtClean="0">
                   <a:ea typeface="Ebrima" pitchFamily="2" charset="0"/>
                   <a:cs typeface="Ebrima" pitchFamily="2" charset="0"/>
                 </a:rPr>
-                <a:t>Low </a:t>
-              </a:r>
-              <a:r>
-                <a:rPr lang="en-US" sz="4000" dirty="0" smtClean="0">
-                  <a:ea typeface="Ebrima" pitchFamily="2" charset="0"/>
-                  <a:cs typeface="Ebrima" pitchFamily="2" charset="0"/>
-                </a:rPr>
-                <a:t>power consumption</a:t>
+                <a:t>Low power consumption</a:t>
               </a:r>
             </a:p>
             <a:p>
@@ -3708,66 +3690,11 @@
                 <a:buChar char="•"/>
               </a:pPr>
               <a:r>
-                <a:rPr lang="en-US" sz="4000" dirty="0" smtClean="0">
+                <a:rPr lang="en-US" sz="3200" dirty="0" smtClean="0">
                   <a:ea typeface="Ebrima" pitchFamily="2" charset="0"/>
                   <a:cs typeface="Ebrima" pitchFamily="2" charset="0"/>
                 </a:rPr>
                 <a:t>Accurate</a:t>
-              </a:r>
-              <a:endParaRPr lang="en-US" sz="4000" dirty="0" smtClean="0">
-                <a:ea typeface="Ebrima" pitchFamily="2" charset="0"/>
-                <a:cs typeface="Ebrima" pitchFamily="2" charset="0"/>
-              </a:endParaRPr>
-            </a:p>
-            <a:p>
-              <a:pPr marL="228600" lvl="0" indent="-228600" algn="just">
-                <a:buFont typeface="Arial" pitchFamily="34" charset="0"/>
-                <a:buChar char="•"/>
-              </a:pPr>
-              <a:r>
-                <a:rPr lang="en-US" sz="4000" dirty="0" smtClean="0">
-                  <a:ea typeface="Ebrima" pitchFamily="2" charset="0"/>
-                  <a:cs typeface="Ebrima" pitchFamily="2" charset="0"/>
-                </a:rPr>
-                <a:t>Web </a:t>
-              </a:r>
-              <a:r>
-                <a:rPr lang="en-US" sz="4000" dirty="0" smtClean="0">
-                  <a:ea typeface="Ebrima" pitchFamily="2" charset="0"/>
-                  <a:cs typeface="Ebrima" pitchFamily="2" charset="0"/>
-                </a:rPr>
-                <a:t>application as user </a:t>
-              </a:r>
-              <a:r>
-                <a:rPr lang="en-US" sz="4000" dirty="0" smtClean="0">
-                  <a:ea typeface="Ebrima" pitchFamily="2" charset="0"/>
-                  <a:cs typeface="Ebrima" pitchFamily="2" charset="0"/>
-                </a:rPr>
-                <a:t>interface</a:t>
-              </a:r>
-              <a:endParaRPr lang="en-US" sz="4000" dirty="0" smtClean="0">
-                <a:ea typeface="Ebrima" pitchFamily="2" charset="0"/>
-                <a:cs typeface="Ebrima" pitchFamily="2" charset="0"/>
-              </a:endParaRPr>
-            </a:p>
-            <a:p>
-              <a:pPr marL="228600" lvl="0" indent="-228600" algn="just">
-                <a:buFont typeface="Arial" pitchFamily="34" charset="0"/>
-                <a:buChar char="•"/>
-              </a:pPr>
-              <a:r>
-                <a:rPr lang="en-US" sz="4000" dirty="0" smtClean="0">
-                  <a:ea typeface="Ebrima" pitchFamily="2" charset="0"/>
-                  <a:cs typeface="Ebrima" pitchFamily="2" charset="0"/>
-                </a:rPr>
-                <a:t>2D </a:t>
-              </a:r>
-              <a:r>
-                <a:rPr lang="en-US" sz="4000" dirty="0" smtClean="0">
-                  <a:ea typeface="Ebrima" pitchFamily="2" charset="0"/>
-                  <a:cs typeface="Ebrima" pitchFamily="2" charset="0"/>
-                </a:rPr>
-                <a:t>map display</a:t>
               </a:r>
             </a:p>
             <a:p>
@@ -3776,18 +3703,37 @@
                 <a:buChar char="•"/>
               </a:pPr>
               <a:r>
-                <a:rPr lang="en-US" sz="4000" dirty="0" smtClean="0">
+                <a:rPr lang="en-US" sz="3200" dirty="0" smtClean="0">
                   <a:ea typeface="Ebrima" pitchFamily="2" charset="0"/>
                   <a:cs typeface="Ebrima" pitchFamily="2" charset="0"/>
                 </a:rPr>
-                <a:t>Scalable </a:t>
+                <a:t>Web application as user interface</a:t>
               </a:r>
+            </a:p>
+            <a:p>
+              <a:pPr marL="228600" lvl="0" indent="-228600" algn="just">
+                <a:buFont typeface="Arial" pitchFamily="34" charset="0"/>
+                <a:buChar char="•"/>
+              </a:pPr>
               <a:r>
-                <a:rPr lang="en-US" sz="4000" dirty="0" smtClean="0">
+                <a:rPr lang="en-US" sz="3200" dirty="0" smtClean="0">
                   <a:ea typeface="Ebrima" pitchFamily="2" charset="0"/>
                   <a:cs typeface="Ebrima" pitchFamily="2" charset="0"/>
                 </a:rPr>
-                <a:t>tracking area</a:t>
+                <a:t>2D map display</a:t>
+              </a:r>
+            </a:p>
+            <a:p>
+              <a:pPr marL="228600" lvl="0" indent="-228600" algn="just">
+                <a:buFont typeface="Arial" pitchFamily="34" charset="0"/>
+                <a:buChar char="•"/>
+              </a:pPr>
+              <a:r>
+                <a:rPr lang="en-US" sz="3200" dirty="0" smtClean="0">
+                  <a:ea typeface="Ebrima" pitchFamily="2" charset="0"/>
+                  <a:cs typeface="Ebrima" pitchFamily="2" charset="0"/>
+                </a:rPr>
+                <a:t>Scalable tracking area</a:t>
               </a:r>
             </a:p>
             <a:p>
@@ -3796,30 +3742,12 @@
                 <a:buChar char="•"/>
               </a:pPr>
               <a:r>
-                <a:rPr lang="en-US" sz="4000" dirty="0" smtClean="0">
+                <a:rPr lang="en-US" sz="3200" dirty="0" smtClean="0">
                   <a:ea typeface="Ebrima" pitchFamily="2" charset="0"/>
                   <a:cs typeface="Ebrima" pitchFamily="2" charset="0"/>
                 </a:rPr>
-                <a:t>Low </a:t>
+                <a:t>Low cost solution</a:t>
               </a:r>
-              <a:r>
-                <a:rPr lang="en-US" sz="4000" dirty="0" smtClean="0">
-                  <a:ea typeface="Ebrima" pitchFamily="2" charset="0"/>
-                  <a:cs typeface="Ebrima" pitchFamily="2" charset="0"/>
-                </a:rPr>
-                <a:t>cost </a:t>
-              </a:r>
-              <a:r>
-                <a:rPr lang="en-US" sz="4000" dirty="0" smtClean="0">
-                  <a:ea typeface="Ebrima" pitchFamily="2" charset="0"/>
-                  <a:cs typeface="Ebrima" pitchFamily="2" charset="0"/>
-                </a:rPr>
-                <a:t>solution</a:t>
-              </a:r>
-              <a:endParaRPr lang="en-US" sz="4000" dirty="0" smtClean="0">
-                <a:ea typeface="Ebrima" pitchFamily="2" charset="0"/>
-                <a:cs typeface="Ebrima" pitchFamily="2" charset="0"/>
-              </a:endParaRPr>
             </a:p>
           </p:txBody>
         </p:sp>
@@ -3832,10 +3760,10 @@
         </p:nvGrpSpPr>
         <p:grpSpPr>
           <a:xfrm>
-            <a:off x="1280160" y="5257800"/>
-            <a:ext cx="10515600" cy="5560338"/>
+            <a:off x="1280160" y="5029200"/>
+            <a:ext cx="10515600" cy="4206121"/>
             <a:chOff x="1280160" y="5257800"/>
-            <a:chExt cx="10515600" cy="5560338"/>
+            <a:chExt cx="10515600" cy="4206121"/>
           </a:xfrm>
         </p:grpSpPr>
         <p:sp>
@@ -3847,7 +3775,7 @@
           <p:spPr>
             <a:xfrm>
               <a:off x="1280160" y="5257800"/>
-              <a:ext cx="9448800" cy="990600"/>
+              <a:ext cx="9448800" cy="1005840"/>
             </a:xfrm>
             <a:prstGeom prst="rect">
               <a:avLst/>
@@ -3904,7 +3832,7 @@
           <p:spPr>
             <a:xfrm>
               <a:off x="1280160" y="6324600"/>
-              <a:ext cx="10515600" cy="4493538"/>
+              <a:ext cx="10515600" cy="3139321"/>
             </a:xfrm>
             <a:prstGeom prst="rect">
               <a:avLst/>
@@ -3919,23 +3847,12 @@
             <a:p>
               <a:pPr lvl="0"/>
               <a:r>
-                <a:rPr lang="en-US" sz="4000" dirty="0" smtClean="0">
+                <a:rPr lang="en-US" sz="3200" dirty="0" smtClean="0">
                   <a:ea typeface="Ebrima" pitchFamily="2" charset="0"/>
                   <a:cs typeface="Ebrima" pitchFamily="2" charset="0"/>
                 </a:rPr>
-                <a:t>This system uses an RF transceiver network to track mobile assets indoors, where more obvious solutions, such as GPS, are unable to function. The system determines an asset’s current location by matching the RF fingerprint of its periodic broadcasts with previously collected fingerprints stored in a database</a:t>
+                <a:t>This system uses an RF transceiver network to track mobile assets indoors, where more obvious solutions, such as GPS, are unable to function. The system determines an asset’s current location by matching the RF fingerprint of its periodic broadcasts with previously collected fingerprints stored in a database.</a:t>
               </a:r>
-              <a:r>
-                <a:rPr lang="en-US" sz="4000" dirty="0" smtClean="0">
-                  <a:ea typeface="Ebrima" pitchFamily="2" charset="0"/>
-                  <a:cs typeface="Ebrima" pitchFamily="2" charset="0"/>
-                </a:rPr>
-                <a:t>.</a:t>
-              </a:r>
-              <a:endParaRPr lang="en-US" sz="4000" dirty="0" smtClean="0">
-                <a:ea typeface="Ebrima" pitchFamily="2" charset="0"/>
-                <a:cs typeface="Ebrima" pitchFamily="2" charset="0"/>
-              </a:endParaRPr>
             </a:p>
           </p:txBody>
         </p:sp>
@@ -3948,7 +3865,64 @@
         </p:nvSpPr>
         <p:spPr>
           <a:xfrm>
-            <a:off x="30175200" y="5638800"/>
+            <a:off x="30175200" y="5029200"/>
+            <a:ext cx="9448800" cy="1005840"/>
+          </a:xfrm>
+          <a:prstGeom prst="rect">
+            <a:avLst/>
+          </a:prstGeom>
+          <a:noFill/>
+          <a:ln>
+            <a:noFill/>
+          </a:ln>
+        </p:spPr>
+        <p:style>
+          <a:lnRef idx="2">
+            <a:schemeClr val="accent1">
+              <a:shade val="50000"/>
+            </a:schemeClr>
+          </a:lnRef>
+          <a:fillRef idx="1">
+            <a:schemeClr val="accent1"/>
+          </a:fillRef>
+          <a:effectRef idx="0">
+            <a:schemeClr val="accent1"/>
+          </a:effectRef>
+          <a:fontRef idx="minor">
+            <a:schemeClr val="lt1"/>
+          </a:fontRef>
+        </p:style>
+        <p:txBody>
+          <a:bodyPr lIns="0" tIns="91440" bIns="91440" rtlCol="0" anchor="ctr"/>
+          <a:lstStyle/>
+          <a:p>
+            <a:r>
+              <a:rPr lang="en-US" sz="5400" b="1" dirty="0" smtClean="0">
+                <a:solidFill>
+                  <a:schemeClr val="tx2"/>
+                </a:solidFill>
+                <a:latin typeface="Cambria" pitchFamily="18" charset="0"/>
+              </a:rPr>
+              <a:t>Products</a:t>
+            </a:r>
+            <a:endParaRPr lang="en-US" sz="5400" b="1" dirty="0">
+              <a:solidFill>
+                <a:schemeClr val="tx2"/>
+              </a:solidFill>
+              <a:latin typeface="Cambria" pitchFamily="18" charset="0"/>
+            </a:endParaRPr>
+          </a:p>
+        </p:txBody>
+      </p:sp>
+      <p:sp>
+        <p:nvSpPr>
+          <p:cNvPr id="57" name="Rectangle 56"/>
+          <p:cNvSpPr/>
+          <p:nvPr/>
+        </p:nvSpPr>
+        <p:spPr>
+          <a:xfrm>
+            <a:off x="30175200" y="19415759"/>
             <a:ext cx="9448800" cy="990600"/>
           </a:xfrm>
           <a:prstGeom prst="rect">
@@ -3986,7 +3960,7 @@
                 </a:solidFill>
                 <a:latin typeface="Cambria" pitchFamily="18" charset="0"/>
               </a:rPr>
-              <a:t>Products</a:t>
+              <a:t>Test Results</a:t>
             </a:r>
             <a:endParaRPr lang="en-US" sz="5400" b="1" dirty="0">
               <a:solidFill>
@@ -3999,13 +3973,13 @@
       </p:sp>
       <p:sp>
         <p:nvSpPr>
-          <p:cNvPr id="57" name="Rectangle 56"/>
+          <p:cNvPr id="58" name="Rectangle 57"/>
           <p:cNvSpPr/>
           <p:nvPr/>
         </p:nvSpPr>
         <p:spPr>
           <a:xfrm>
-            <a:off x="30175200" y="18897600"/>
+            <a:off x="30175200" y="25860017"/>
             <a:ext cx="9448800" cy="990600"/>
           </a:xfrm>
           <a:prstGeom prst="rect">
@@ -4043,63 +4017,6 @@
                 </a:solidFill>
                 <a:latin typeface="Cambria" pitchFamily="18" charset="0"/>
               </a:rPr>
-              <a:t>Test Results</a:t>
-            </a:r>
-            <a:endParaRPr lang="en-US" sz="5400" b="1" dirty="0">
-              <a:solidFill>
-                <a:schemeClr val="tx2"/>
-              </a:solidFill>
-              <a:latin typeface="Cambria" pitchFamily="18" charset="0"/>
-            </a:endParaRPr>
-          </a:p>
-        </p:txBody>
-      </p:sp>
-      <p:sp>
-        <p:nvSpPr>
-          <p:cNvPr id="58" name="Rectangle 57"/>
-          <p:cNvSpPr/>
-          <p:nvPr/>
-        </p:nvSpPr>
-        <p:spPr>
-          <a:xfrm>
-            <a:off x="30175200" y="25341858"/>
-            <a:ext cx="9448800" cy="990600"/>
-          </a:xfrm>
-          <a:prstGeom prst="rect">
-            <a:avLst/>
-          </a:prstGeom>
-          <a:noFill/>
-          <a:ln>
-            <a:noFill/>
-          </a:ln>
-        </p:spPr>
-        <p:style>
-          <a:lnRef idx="2">
-            <a:schemeClr val="accent1">
-              <a:shade val="50000"/>
-            </a:schemeClr>
-          </a:lnRef>
-          <a:fillRef idx="1">
-            <a:schemeClr val="accent1"/>
-          </a:fillRef>
-          <a:effectRef idx="0">
-            <a:schemeClr val="accent1"/>
-          </a:effectRef>
-          <a:fontRef idx="minor">
-            <a:schemeClr val="lt1"/>
-          </a:fontRef>
-        </p:style>
-        <p:txBody>
-          <a:bodyPr lIns="0" tIns="91440" bIns="91440" rtlCol="0" anchor="ctr"/>
-          <a:lstStyle/>
-          <a:p>
-            <a:r>
-              <a:rPr lang="en-US" sz="5400" b="1" dirty="0" smtClean="0">
-                <a:solidFill>
-                  <a:schemeClr val="tx2"/>
-                </a:solidFill>
-                <a:latin typeface="Cambria" pitchFamily="18" charset="0"/>
-              </a:rPr>
               <a:t>Conclusions</a:t>
             </a:r>
             <a:endParaRPr lang="en-US" sz="5400" b="1" dirty="0">
@@ -4128,7 +4045,7 @@
         </p:blipFill>
         <p:spPr bwMode="auto">
           <a:xfrm>
-            <a:off x="29931048" y="20116800"/>
+            <a:off x="29931048" y="20634959"/>
             <a:ext cx="6408757" cy="4114800"/>
           </a:xfrm>
           <a:prstGeom prst="rect">
@@ -4148,7 +4065,7 @@
         </p:nvSpPr>
         <p:spPr>
           <a:xfrm>
-            <a:off x="30175200" y="26180058"/>
+            <a:off x="30175200" y="26698217"/>
             <a:ext cx="11353800" cy="2154436"/>
           </a:xfrm>
           <a:prstGeom prst="rect">
@@ -4168,14 +4085,21 @@
                 <a:ea typeface="Ebrima" pitchFamily="2" charset="0"/>
                 <a:cs typeface="Ebrima" pitchFamily="2" charset="0"/>
               </a:rPr>
-              <a:t>The accuracy of the tracking system needs to be enhanced  by considering antenna design and advanced locating algorithm. Noise filter can be implemented on both hardware and software to achieve desired performance</a:t>
+              <a:t>The accuracy of the tracking system needs to be enhanced  by considering antenna design and advanced locating algorithm. Noise filter can be implemented on both hardware and software to achieve </a:t>
             </a:r>
             <a:r>
               <a:rPr lang="en-US" sz="3200" dirty="0" smtClean="0">
                 <a:ea typeface="Ebrima" pitchFamily="2" charset="0"/>
                 <a:cs typeface="Ebrima" pitchFamily="2" charset="0"/>
               </a:rPr>
-              <a:t>.</a:t>
+              <a:t>desired </a:t>
+            </a:r>
+            <a:r>
+              <a:rPr lang="en-US" sz="3200" dirty="0" smtClean="0">
+                <a:ea typeface="Ebrima" pitchFamily="2" charset="0"/>
+                <a:cs typeface="Ebrima" pitchFamily="2" charset="0"/>
+              </a:rPr>
+              <a:t>performance.</a:t>
             </a:r>
             <a:endParaRPr lang="en-US" dirty="0"/>
           </a:p>
@@ -4189,8 +4113,8 @@
         </p:nvSpPr>
         <p:spPr>
           <a:xfrm>
-            <a:off x="37017648" y="8755320"/>
-            <a:ext cx="5257800" cy="2000548"/>
+            <a:off x="37017648" y="8526720"/>
+            <a:ext cx="6187752" cy="2677656"/>
           </a:xfrm>
           <a:prstGeom prst="rect">
             <a:avLst/>
@@ -4204,7 +4128,7 @@
           <a:lstStyle/>
           <a:p>
             <a:r>
-              <a:rPr lang="en-US" sz="2800" b="1" dirty="0" smtClean="0">
+              <a:rPr lang="en-US" sz="4000" b="1" dirty="0" smtClean="0">
                 <a:solidFill>
                   <a:schemeClr val="accent1"/>
                 </a:solidFill>
@@ -4220,7 +4144,7 @@
               <a:buChar char="•"/>
             </a:pPr>
             <a:r>
-              <a:rPr lang="en-US" sz="2400" dirty="0" smtClean="0">
+              <a:rPr lang="en-US" sz="3200" dirty="0" smtClean="0">
                 <a:ea typeface="Ebrima" pitchFamily="2" charset="0"/>
                 <a:cs typeface="Ebrima" pitchFamily="2" charset="0"/>
               </a:rPr>
@@ -4233,30 +4157,12 @@
               <a:buChar char="•"/>
             </a:pPr>
             <a:r>
-              <a:rPr lang="en-US" sz="2400" dirty="0" smtClean="0">
+              <a:rPr lang="en-US" sz="3200" dirty="0" smtClean="0">
                 <a:ea typeface="Ebrima" pitchFamily="2" charset="0"/>
                 <a:cs typeface="Ebrima" pitchFamily="2" charset="0"/>
               </a:rPr>
-              <a:t> </a:t>
-            </a:r>
-            <a:r>
-              <a:rPr lang="en-US" sz="2400" dirty="0" smtClean="0">
-                <a:ea typeface="Ebrima" pitchFamily="2" charset="0"/>
-                <a:cs typeface="Ebrima" pitchFamily="2" charset="0"/>
-              </a:rPr>
-              <a:t>Use </a:t>
-            </a:r>
-            <a:r>
-              <a:rPr lang="en-US" sz="2400" dirty="0" smtClean="0">
-                <a:ea typeface="Ebrima" pitchFamily="2" charset="0"/>
-                <a:cs typeface="Ebrima" pitchFamily="2" charset="0"/>
-              </a:rPr>
-              <a:t>ATMega328p MCU </a:t>
-            </a:r>
-            <a:endParaRPr lang="en-US" sz="2400" dirty="0" smtClean="0">
-              <a:ea typeface="Ebrima" pitchFamily="2" charset="0"/>
-              <a:cs typeface="Ebrima" pitchFamily="2" charset="0"/>
-            </a:endParaRPr>
+              <a:t> Use ATMega328p MCU </a:t>
+            </a:r>
           </a:p>
           <a:p>
             <a:pPr>
@@ -4264,7 +4170,7 @@
               <a:buChar char="•"/>
             </a:pPr>
             <a:r>
-              <a:rPr lang="en-US" sz="2400" dirty="0" smtClean="0">
+              <a:rPr lang="en-US" sz="3200" dirty="0" smtClean="0">
                 <a:ea typeface="Ebrima" pitchFamily="2" charset="0"/>
                 <a:cs typeface="Ebrima" pitchFamily="2" charset="0"/>
               </a:rPr>
@@ -4277,16 +4183,12 @@
               <a:buChar char="•"/>
             </a:pPr>
             <a:r>
-              <a:rPr lang="en-US" sz="2400" dirty="0" smtClean="0">
+              <a:rPr lang="en-US" sz="3200" dirty="0" smtClean="0">
                 <a:ea typeface="Ebrima" pitchFamily="2" charset="0"/>
                 <a:cs typeface="Ebrima" pitchFamily="2" charset="0"/>
               </a:rPr>
               <a:t> Use RF12B transceiver at 434MHz</a:t>
             </a:r>
-            <a:endParaRPr lang="en-US" sz="2400" dirty="0" smtClean="0">
-              <a:ea typeface="Ebrima" pitchFamily="2" charset="0"/>
-              <a:cs typeface="Ebrima" pitchFamily="2" charset="0"/>
-            </a:endParaRPr>
           </a:p>
         </p:txBody>
       </p:sp>
@@ -4298,8 +4200,8 @@
         </p:nvSpPr>
         <p:spPr>
           <a:xfrm>
-            <a:off x="30845448" y="8839200"/>
-            <a:ext cx="5562600" cy="2369880"/>
+            <a:off x="30845448" y="8610600"/>
+            <a:ext cx="6111552" cy="3231654"/>
           </a:xfrm>
           <a:prstGeom prst="rect">
             <a:avLst/>
@@ -4313,14 +4215,24 @@
           <a:lstStyle/>
           <a:p>
             <a:r>
-              <a:rPr lang="en-US" sz="2800" b="1" dirty="0" smtClean="0">
+              <a:rPr lang="en-US" sz="4400" b="1" dirty="0" smtClean="0">
                 <a:solidFill>
                   <a:schemeClr val="accent1"/>
                 </a:solidFill>
                 <a:ea typeface="Ebrima" pitchFamily="2" charset="0"/>
                 <a:cs typeface="Ebrima" pitchFamily="2" charset="0"/>
               </a:rPr>
-              <a:t>Asset Tag</a:t>
+              <a:t>Asset</a:t>
+            </a:r>
+            <a:r>
+              <a:rPr lang="en-US" sz="4000" b="1" dirty="0" smtClean="0">
+                <a:solidFill>
+                  <a:schemeClr val="accent1"/>
+                </a:solidFill>
+                <a:ea typeface="Ebrima" pitchFamily="2" charset="0"/>
+                <a:cs typeface="Ebrima" pitchFamily="2" charset="0"/>
+              </a:rPr>
+              <a:t> Tag</a:t>
             </a:r>
           </a:p>
           <a:p>
@@ -4329,7 +4241,7 @@
               <a:buChar char="•"/>
             </a:pPr>
             <a:r>
-              <a:rPr lang="en-US" sz="2400" dirty="0" smtClean="0">
+              <a:rPr lang="en-US" sz="3200" dirty="0" smtClean="0">
                 <a:ea typeface="Ebrima" pitchFamily="2" charset="0"/>
                 <a:cs typeface="Ebrima" pitchFamily="2" charset="0"/>
               </a:rPr>
@@ -4342,30 +4254,12 @@
               <a:buChar char="•"/>
             </a:pPr>
             <a:r>
-              <a:rPr lang="en-US" sz="2400" dirty="0" smtClean="0">
+              <a:rPr lang="en-US" sz="3200" dirty="0" smtClean="0">
                 <a:ea typeface="Ebrima" pitchFamily="2" charset="0"/>
                 <a:cs typeface="Ebrima" pitchFamily="2" charset="0"/>
               </a:rPr>
-              <a:t> </a:t>
-            </a:r>
-            <a:r>
-              <a:rPr lang="en-US" sz="2400" dirty="0" smtClean="0">
-                <a:ea typeface="Ebrima" pitchFamily="2" charset="0"/>
-                <a:cs typeface="Ebrima" pitchFamily="2" charset="0"/>
-              </a:rPr>
-              <a:t>Use </a:t>
-            </a:r>
-            <a:r>
-              <a:rPr lang="en-US" sz="2400" dirty="0" smtClean="0">
-                <a:ea typeface="Ebrima" pitchFamily="2" charset="0"/>
-                <a:cs typeface="Ebrima" pitchFamily="2" charset="0"/>
-              </a:rPr>
-              <a:t>ATMega328p MCU</a:t>
-            </a:r>
-            <a:endParaRPr lang="en-US" sz="2400" dirty="0" smtClean="0">
-              <a:ea typeface="Ebrima" pitchFamily="2" charset="0"/>
-              <a:cs typeface="Ebrima" pitchFamily="2" charset="0"/>
-            </a:endParaRPr>
+              <a:t> Use ATMega328p MCU</a:t>
+            </a:r>
           </a:p>
           <a:p>
             <a:pPr>
@@ -4373,37 +4267,12 @@
               <a:buChar char="•"/>
             </a:pPr>
             <a:r>
-              <a:rPr lang="en-US" sz="2400" dirty="0" smtClean="0">
+              <a:rPr lang="en-US" sz="3200" dirty="0" smtClean="0">
                 <a:ea typeface="Ebrima" pitchFamily="2" charset="0"/>
                 <a:cs typeface="Ebrima" pitchFamily="2" charset="0"/>
               </a:rPr>
-              <a:t> Use </a:t>
-            </a:r>
-            <a:r>
-              <a:rPr lang="en-US" sz="2400" dirty="0" smtClean="0">
-                <a:ea typeface="Ebrima" pitchFamily="2" charset="0"/>
-                <a:cs typeface="Ebrima" pitchFamily="2" charset="0"/>
-              </a:rPr>
-              <a:t>20mm coin </a:t>
-            </a:r>
-            <a:r>
-              <a:rPr lang="en-US" sz="2400" dirty="0" smtClean="0">
-                <a:ea typeface="Ebrima" pitchFamily="2" charset="0"/>
-                <a:cs typeface="Ebrima" pitchFamily="2" charset="0"/>
-              </a:rPr>
-              <a:t>cell </a:t>
-            </a:r>
-            <a:r>
-              <a:rPr lang="en-US" sz="2400" dirty="0" smtClean="0">
-                <a:ea typeface="Ebrima" pitchFamily="2" charset="0"/>
-                <a:cs typeface="Ebrima" pitchFamily="2" charset="0"/>
-              </a:rPr>
-              <a:t>battery</a:t>
-            </a:r>
-            <a:endParaRPr lang="en-US" sz="2400" dirty="0" smtClean="0">
-              <a:ea typeface="Ebrima" pitchFamily="2" charset="0"/>
-              <a:cs typeface="Ebrima" pitchFamily="2" charset="0"/>
-            </a:endParaRPr>
+              <a:t> Use 20mm coin cell battery</a:t>
+            </a:r>
           </a:p>
           <a:p>
             <a:pPr>
@@ -4411,23 +4280,12 @@
               <a:buChar char="•"/>
             </a:pPr>
             <a:r>
-              <a:rPr lang="en-US" sz="2400" dirty="0" smtClean="0">
+              <a:rPr lang="en-US" sz="3200" dirty="0" smtClean="0">
                 <a:ea typeface="Ebrima" pitchFamily="2" charset="0"/>
                 <a:cs typeface="Ebrima" pitchFamily="2" charset="0"/>
               </a:rPr>
-              <a:t> Battery life: more than </a:t>
-            </a:r>
-            <a:r>
-              <a:rPr lang="en-US" sz="2400" dirty="0" smtClean="0">
-                <a:ea typeface="Ebrima" pitchFamily="2" charset="0"/>
-                <a:cs typeface="Ebrima" pitchFamily="2" charset="0"/>
-              </a:rPr>
-              <a:t>3 months  </a:t>
-            </a:r>
-            <a:endParaRPr lang="en-US" sz="2400" dirty="0" smtClean="0">
-              <a:ea typeface="Ebrima" pitchFamily="2" charset="0"/>
-              <a:cs typeface="Ebrima" pitchFamily="2" charset="0"/>
-            </a:endParaRPr>
+              <a:t> Battery life: more than 3 months  </a:t>
+            </a:r>
           </a:p>
           <a:p>
             <a:pPr>
@@ -4435,16 +4293,12 @@
               <a:buChar char="•"/>
             </a:pPr>
             <a:r>
-              <a:rPr lang="en-US" sz="2400" dirty="0" smtClean="0">
+              <a:rPr lang="en-US" sz="3200" dirty="0" smtClean="0">
                 <a:ea typeface="Ebrima" pitchFamily="2" charset="0"/>
                 <a:cs typeface="Ebrima" pitchFamily="2" charset="0"/>
               </a:rPr>
               <a:t> Use RF12B transceiver at 434MHz</a:t>
             </a:r>
-            <a:endParaRPr lang="en-US" sz="2400" dirty="0" smtClean="0">
-              <a:ea typeface="Ebrima" pitchFamily="2" charset="0"/>
-              <a:cs typeface="Ebrima" pitchFamily="2" charset="0"/>
-            </a:endParaRPr>
           </a:p>
         </p:txBody>
       </p:sp>
@@ -4476,7 +4330,7 @@
         </p:blipFill>
         <p:spPr bwMode="auto">
           <a:xfrm rot="20948527">
-            <a:off x="31310172" y="6739992"/>
+            <a:off x="31310172" y="6511392"/>
             <a:ext cx="2980532" cy="1981200"/>
           </a:xfrm>
           <a:prstGeom prst="rect">
@@ -4512,7 +4366,7 @@
         </p:blipFill>
         <p:spPr bwMode="auto">
           <a:xfrm>
-            <a:off x="37017648" y="6781800"/>
+            <a:off x="37017648" y="6553200"/>
             <a:ext cx="4505702" cy="1454010"/>
           </a:xfrm>
           <a:prstGeom prst="rect">
@@ -4528,7 +4382,7 @@
           <p:nvPr/>
         </p:nvGraphicFramePr>
         <p:xfrm>
-          <a:off x="36331848" y="20345399"/>
+          <a:off x="36331848" y="20863558"/>
           <a:ext cx="6263952" cy="4038600"/>
         </p:xfrm>
         <a:graphic>
@@ -4554,7 +4408,7 @@
         </p:blipFill>
         <p:spPr bwMode="auto">
           <a:xfrm>
-            <a:off x="30540648" y="11811000"/>
+            <a:off x="30540648" y="12329159"/>
             <a:ext cx="9240838" cy="4972050"/>
           </a:xfrm>
           <a:prstGeom prst="rect">
@@ -4587,7 +4441,7 @@
         </p:blipFill>
         <p:spPr bwMode="auto">
           <a:xfrm>
-            <a:off x="33588648" y="13258800"/>
+            <a:off x="33588648" y="13776959"/>
             <a:ext cx="8266717" cy="4648200"/>
           </a:xfrm>
           <a:prstGeom prst="rect">
@@ -4637,72 +4491,30 @@
                 <a:ea typeface="Ebrima" pitchFamily="2" charset="0"/>
                 <a:cs typeface="Ebrima" pitchFamily="2" charset="0"/>
               </a:rPr>
-              <a:t>Capstone </a:t>
-            </a:r>
+              <a:t>Capstone 2011</a:t>
+            </a:r>
+          </a:p>
+          <a:p>
+            <a:pPr lvl="0" algn="r"/>
             <a:r>
               <a:rPr lang="en-US" sz="2400" b="1" dirty="0" smtClean="0">
                 <a:latin typeface="Ebrima" pitchFamily="2" charset="0"/>
                 <a:ea typeface="Ebrima" pitchFamily="2" charset="0"/>
                 <a:cs typeface="Ebrima" pitchFamily="2" charset="0"/>
               </a:rPr>
-              <a:t>2011</a:t>
-            </a:r>
-            <a:endParaRPr lang="en-US" sz="2400" b="1" dirty="0" smtClean="0">
-              <a:latin typeface="Ebrima" pitchFamily="2" charset="0"/>
-              <a:ea typeface="Ebrima" pitchFamily="2" charset="0"/>
-              <a:cs typeface="Ebrima" pitchFamily="2" charset="0"/>
-            </a:endParaRPr>
-          </a:p>
-          <a:p>
-            <a:pPr lvl="0" algn="r"/>
+              <a:t>Sponsored by Intel</a:t>
+            </a:r>
+          </a:p>
+          <a:p>
+            <a:pPr algn="r"/>
             <a:r>
               <a:rPr lang="en-US" sz="2400" b="1" dirty="0" smtClean="0">
                 <a:latin typeface="Ebrima" pitchFamily="2" charset="0"/>
                 <a:ea typeface="Ebrima" pitchFamily="2" charset="0"/>
                 <a:cs typeface="Ebrima" pitchFamily="2" charset="0"/>
               </a:rPr>
-              <a:t>Sponsored </a:t>
-            </a:r>
-            <a:r>
-              <a:rPr lang="en-US" sz="2400" b="1" dirty="0" smtClean="0">
-                <a:latin typeface="Ebrima" pitchFamily="2" charset="0"/>
-                <a:ea typeface="Ebrima" pitchFamily="2" charset="0"/>
-                <a:cs typeface="Ebrima" pitchFamily="2" charset="0"/>
-              </a:rPr>
-              <a:t>by </a:t>
-            </a:r>
-            <a:r>
-              <a:rPr lang="en-US" sz="2400" b="1" dirty="0" smtClean="0">
-                <a:latin typeface="Ebrima" pitchFamily="2" charset="0"/>
-                <a:ea typeface="Ebrima" pitchFamily="2" charset="0"/>
-                <a:cs typeface="Ebrima" pitchFamily="2" charset="0"/>
-              </a:rPr>
-              <a:t>Intel</a:t>
-            </a:r>
-          </a:p>
-          <a:p>
-            <a:pPr algn="r"/>
-            <a:r>
-              <a:rPr lang="en-US" sz="2400" b="1" dirty="0" smtClean="0">
-                <a:latin typeface="Ebrima" pitchFamily="2" charset="0"/>
-                <a:ea typeface="Ebrima" pitchFamily="2" charset="0"/>
-                <a:cs typeface="Ebrima" pitchFamily="2" charset="0"/>
-              </a:rPr>
-              <a:t>Advisor: Prof. Robert </a:t>
-            </a:r>
-            <a:r>
-              <a:rPr lang="en-US" sz="2400" b="1" dirty="0" smtClean="0">
-                <a:latin typeface="Ebrima" pitchFamily="2" charset="0"/>
-                <a:ea typeface="Ebrima" pitchFamily="2" charset="0"/>
-                <a:cs typeface="Ebrima" pitchFamily="2" charset="0"/>
-              </a:rPr>
-              <a:t>Daasch</a:t>
-            </a:r>
-            <a:endParaRPr lang="en-US" sz="2400" b="1" dirty="0" smtClean="0">
-              <a:latin typeface="Ebrima" pitchFamily="2" charset="0"/>
-              <a:ea typeface="Ebrima" pitchFamily="2" charset="0"/>
-              <a:cs typeface="Ebrima" pitchFamily="2" charset="0"/>
-            </a:endParaRPr>
+              <a:t>Advisor: Prof. Robert Daasch</a:t>
+            </a:r>
           </a:p>
         </p:txBody>
       </p:sp>
@@ -4735,90 +4547,29 @@
                 <a:ea typeface="Ebrima" pitchFamily="2" charset="0"/>
                 <a:cs typeface="Ebrima" pitchFamily="2" charset="0"/>
               </a:rPr>
-              <a:t>Team </a:t>
-            </a:r>
+              <a:t>Team Members:</a:t>
+            </a:r>
+          </a:p>
+          <a:p>
+            <a:pPr lvl="0"/>
             <a:r>
               <a:rPr lang="en-US" sz="2400" b="1" dirty="0" smtClean="0">
                 <a:latin typeface="Ebrima" pitchFamily="2" charset="0"/>
                 <a:ea typeface="Ebrima" pitchFamily="2" charset="0"/>
                 <a:cs typeface="Ebrima" pitchFamily="2" charset="0"/>
               </a:rPr>
-              <a:t>Members</a:t>
-            </a:r>
+              <a:t>Daniel Ferguson – Dung Le</a:t>
+            </a:r>
+          </a:p>
+          <a:p>
+            <a:pPr lvl="0"/>
             <a:r>
               <a:rPr lang="en-US" sz="2400" b="1" dirty="0" smtClean="0">
                 <a:latin typeface="Ebrima" pitchFamily="2" charset="0"/>
                 <a:ea typeface="Ebrima" pitchFamily="2" charset="0"/>
                 <a:cs typeface="Ebrima" pitchFamily="2" charset="0"/>
               </a:rPr>
-              <a:t>:</a:t>
-            </a:r>
-          </a:p>
-          <a:p>
-            <a:pPr lvl="0"/>
-            <a:r>
-              <a:rPr lang="en-US" sz="2400" b="1" dirty="0" smtClean="0">
-                <a:latin typeface="Ebrima" pitchFamily="2" charset="0"/>
-                <a:ea typeface="Ebrima" pitchFamily="2" charset="0"/>
-                <a:cs typeface="Ebrima" pitchFamily="2" charset="0"/>
-              </a:rPr>
-              <a:t>Daniel </a:t>
-            </a:r>
-            <a:r>
-              <a:rPr lang="en-US" sz="2400" b="1" dirty="0" smtClean="0">
-                <a:latin typeface="Ebrima" pitchFamily="2" charset="0"/>
-                <a:ea typeface="Ebrima" pitchFamily="2" charset="0"/>
-                <a:cs typeface="Ebrima" pitchFamily="2" charset="0"/>
-              </a:rPr>
-              <a:t>Ferguson – </a:t>
-            </a:r>
-            <a:r>
-              <a:rPr lang="en-US" sz="2400" b="1" dirty="0" smtClean="0">
-                <a:latin typeface="Ebrima" pitchFamily="2" charset="0"/>
-                <a:ea typeface="Ebrima" pitchFamily="2" charset="0"/>
-                <a:cs typeface="Ebrima" pitchFamily="2" charset="0"/>
-              </a:rPr>
-              <a:t>Dung Le</a:t>
-            </a:r>
-            <a:endParaRPr lang="en-US" sz="2400" b="1" dirty="0" smtClean="0">
-              <a:latin typeface="Ebrima" pitchFamily="2" charset="0"/>
-              <a:ea typeface="Ebrima" pitchFamily="2" charset="0"/>
-              <a:cs typeface="Ebrima" pitchFamily="2" charset="0"/>
-            </a:endParaRPr>
-          </a:p>
-          <a:p>
-            <a:pPr lvl="0"/>
-            <a:r>
-              <a:rPr lang="en-US" sz="2400" b="1" dirty="0" smtClean="0">
-                <a:latin typeface="Ebrima" pitchFamily="2" charset="0"/>
-                <a:ea typeface="Ebrima" pitchFamily="2" charset="0"/>
-                <a:cs typeface="Ebrima" pitchFamily="2" charset="0"/>
-              </a:rPr>
-              <a:t>Lynh </a:t>
-            </a:r>
-            <a:r>
-              <a:rPr lang="en-US" sz="2400" b="1" dirty="0" smtClean="0">
-                <a:latin typeface="Ebrima" pitchFamily="2" charset="0"/>
-                <a:ea typeface="Ebrima" pitchFamily="2" charset="0"/>
-                <a:cs typeface="Ebrima" pitchFamily="2" charset="0"/>
-              </a:rPr>
-              <a:t>Pham</a:t>
-            </a:r>
-            <a:r>
-              <a:rPr lang="en-US" sz="2400" b="1" dirty="0" smtClean="0">
-                <a:latin typeface="Ebrima" pitchFamily="2" charset="0"/>
-                <a:ea typeface="Ebrima" pitchFamily="2" charset="0"/>
-                <a:cs typeface="Ebrima" pitchFamily="2" charset="0"/>
-              </a:rPr>
-              <a:t> </a:t>
-            </a:r>
-            <a:r>
-              <a:rPr lang="en-US" sz="2400" b="1" dirty="0" smtClean="0">
-                <a:latin typeface="Ebrima" pitchFamily="2" charset="0"/>
-                <a:ea typeface="Ebrima" pitchFamily="2" charset="0"/>
-                <a:cs typeface="Ebrima" pitchFamily="2" charset="0"/>
-              </a:rPr>
-              <a:t>– Man Hoang – Tri Truong</a:t>
+              <a:t>Lynh Pham – Man Hoang – Tri Truong</a:t>
             </a:r>
           </a:p>
         </p:txBody>
@@ -4832,9 +4583,9 @@
         <p:grpSpPr>
           <a:xfrm>
             <a:off x="21214080" y="16454259"/>
-            <a:ext cx="7315200" cy="12025432"/>
+            <a:ext cx="7315200" cy="11040547"/>
             <a:chOff x="21214080" y="16454259"/>
-            <a:chExt cx="7315200" cy="12025432"/>
+            <a:chExt cx="7315200" cy="11040547"/>
           </a:xfrm>
         </p:grpSpPr>
         <p:sp>
@@ -4846,7 +4597,7 @@
           <p:spPr>
             <a:xfrm>
               <a:off x="21214080" y="20950059"/>
-              <a:ext cx="7315200" cy="3754874"/>
+              <a:ext cx="7315200" cy="4739759"/>
             </a:xfrm>
             <a:prstGeom prst="rect">
               <a:avLst/>
@@ -4880,14 +4631,31 @@
                   <a:ea typeface="Ebrima" pitchFamily="2" charset="0"/>
                   <a:cs typeface="Ebrima" pitchFamily="2" charset="0"/>
                 </a:rPr>
-                <a:t>User </a:t>
+                <a:t>Primary user </a:t>
               </a:r>
               <a:r>
                 <a:rPr lang="en-US" sz="3200" dirty="0" smtClean="0">
                   <a:ea typeface="Ebrima" pitchFamily="2" charset="0"/>
                   <a:cs typeface="Ebrima" pitchFamily="2" charset="0"/>
                 </a:rPr>
-                <a:t>and Admin interface</a:t>
+                <a:t>interface</a:t>
+              </a:r>
+              <a:endParaRPr lang="en-US" sz="3200" dirty="0" smtClean="0">
+                <a:ea typeface="Ebrima" pitchFamily="2" charset="0"/>
+                <a:cs typeface="Ebrima" pitchFamily="2" charset="0"/>
+              </a:endParaRPr>
+            </a:p>
+            <a:p>
+              <a:pPr marL="225425" indent="-225425">
+                <a:buFont typeface="Arial" pitchFamily="34" charset="0"/>
+                <a:buChar char="•"/>
+              </a:pPr>
+              <a:r>
+                <a:rPr lang="en-US" sz="3200" dirty="0" smtClean="0">
+                  <a:ea typeface="Ebrima" pitchFamily="2" charset="0"/>
+                  <a:cs typeface="Ebrima" pitchFamily="2" charset="0"/>
+                </a:rPr>
+                <a:t>Interactive 2D map</a:t>
               </a:r>
             </a:p>
             <a:p>
@@ -4900,14 +4668,7 @@
                   <a:ea typeface="Ebrima" pitchFamily="2" charset="0"/>
                   <a:cs typeface="Ebrima" pitchFamily="2" charset="0"/>
                 </a:rPr>
-                <a:t>Interactive </a:t>
-              </a:r>
-              <a:r>
-                <a:rPr lang="en-US" sz="3200" dirty="0" smtClean="0">
-                  <a:ea typeface="Ebrima" pitchFamily="2" charset="0"/>
-                  <a:cs typeface="Ebrima" pitchFamily="2" charset="0"/>
-                </a:rPr>
-                <a:t>2D map</a:t>
+                <a:t>Search TIU and detector via ID</a:t>
               </a:r>
             </a:p>
             <a:p>
@@ -4920,14 +4681,31 @@
                   <a:ea typeface="Ebrima" pitchFamily="2" charset="0"/>
                   <a:cs typeface="Ebrima" pitchFamily="2" charset="0"/>
                 </a:rPr>
-                <a:t>Search </a:t>
+                <a:t>Show battery level of all elements in the mesh </a:t>
               </a:r>
               <a:r>
                 <a:rPr lang="en-US" sz="3200" dirty="0" smtClean="0">
                   <a:ea typeface="Ebrima" pitchFamily="2" charset="0"/>
                   <a:cs typeface="Ebrima" pitchFamily="2" charset="0"/>
                 </a:rPr>
-                <a:t>TIU and detector via ID</a:t>
+                <a:t>network</a:t>
+              </a:r>
+              <a:endParaRPr lang="en-US" sz="3200" dirty="0" smtClean="0">
+                <a:ea typeface="Ebrima" pitchFamily="2" charset="0"/>
+                <a:cs typeface="Ebrima" pitchFamily="2" charset="0"/>
+              </a:endParaRPr>
+            </a:p>
+            <a:p>
+              <a:pPr marL="225425" indent="-225425">
+                <a:buFont typeface="Arial" pitchFamily="34" charset="0"/>
+                <a:buChar char="•"/>
+              </a:pPr>
+              <a:r>
+                <a:rPr lang="en-US" sz="3200" dirty="0" smtClean="0">
+                  <a:ea typeface="Ebrima" pitchFamily="2" charset="0"/>
+                  <a:cs typeface="Ebrima" pitchFamily="2" charset="0"/>
+                </a:rPr>
+                <a:t>Configure tag</a:t>
               </a:r>
             </a:p>
             <a:p>
@@ -4940,14 +4718,14 @@
                   <a:ea typeface="Ebrima" pitchFamily="2" charset="0"/>
                   <a:cs typeface="Ebrima" pitchFamily="2" charset="0"/>
                 </a:rPr>
-                <a:t>Show </a:t>
+                <a:t>Configure detector </a:t>
               </a:r>
               <a:r>
                 <a:rPr lang="en-US" sz="3200" dirty="0" smtClean="0">
                   <a:ea typeface="Ebrima" pitchFamily="2" charset="0"/>
                   <a:cs typeface="Ebrima" pitchFamily="2" charset="0"/>
                 </a:rPr>
-                <a:t>battery level</a:t>
+                <a:t>placement</a:t>
               </a:r>
             </a:p>
             <a:p>
@@ -4960,46 +4738,8 @@
                   <a:ea typeface="Ebrima" pitchFamily="2" charset="0"/>
                   <a:cs typeface="Ebrima" pitchFamily="2" charset="0"/>
                 </a:rPr>
-                <a:t>Add </a:t>
+                <a:t>Configure geometry of tracking area</a:t>
               </a:r>
-              <a:r>
-                <a:rPr lang="en-US" sz="3200" dirty="0" smtClean="0">
-                  <a:ea typeface="Ebrima" pitchFamily="2" charset="0"/>
-                  <a:cs typeface="Ebrima" pitchFamily="2" charset="0"/>
-                </a:rPr>
-                <a:t>and remove tag/detector</a:t>
-              </a:r>
-            </a:p>
-            <a:p>
-              <a:pPr marL="225425" indent="-225425">
-                <a:buFont typeface="Arial" pitchFamily="34" charset="0"/>
-                <a:buChar char="•"/>
-              </a:pPr>
-              <a:r>
-                <a:rPr lang="en-US" sz="3200" dirty="0" smtClean="0">
-                  <a:ea typeface="Ebrima" pitchFamily="2" charset="0"/>
-                  <a:cs typeface="Ebrima" pitchFamily="2" charset="0"/>
-                </a:rPr>
-                <a:t>Change  </a:t>
-              </a:r>
-              <a:r>
-                <a:rPr lang="en-US" sz="3200" dirty="0" smtClean="0">
-                  <a:ea typeface="Ebrima" pitchFamily="2" charset="0"/>
-                  <a:cs typeface="Ebrima" pitchFamily="2" charset="0"/>
-                </a:rPr>
-                <a:t>geometry of tracking </a:t>
-              </a:r>
-              <a:r>
-                <a:rPr lang="en-US" sz="3200" dirty="0" smtClean="0">
-                  <a:ea typeface="Ebrima" pitchFamily="2" charset="0"/>
-                  <a:cs typeface="Ebrima" pitchFamily="2" charset="0"/>
-                </a:rPr>
-                <a:t>area</a:t>
-              </a:r>
-              <a:endParaRPr lang="en-US" sz="2400" dirty="0">
-                <a:ea typeface="Ebrima" pitchFamily="2" charset="0"/>
-                <a:cs typeface="Ebrima" pitchFamily="2" charset="0"/>
-              </a:endParaRPr>
             </a:p>
           </p:txBody>
         </p:sp>
@@ -5012,7 +4752,7 @@
           <p:spPr>
             <a:xfrm>
               <a:off x="21214080" y="25217259"/>
-              <a:ext cx="7010400" cy="3262432"/>
+              <a:ext cx="7010400" cy="2277547"/>
             </a:xfrm>
             <a:prstGeom prst="rect">
               <a:avLst/>
@@ -5046,14 +4786,7 @@
                   <a:ea typeface="Ebrima" pitchFamily="2" charset="0"/>
                   <a:cs typeface="Ebrima" pitchFamily="2" charset="0"/>
                 </a:rPr>
-                <a:t>RSSI-distance </a:t>
-              </a:r>
-              <a:r>
-                <a:rPr lang="en-US" sz="3200" dirty="0" smtClean="0">
-                  <a:ea typeface="Ebrima" pitchFamily="2" charset="0"/>
-                  <a:cs typeface="Ebrima" pitchFamily="2" charset="0"/>
-                </a:rPr>
-                <a:t>model or RF fingerprinting</a:t>
+                <a:t>Stores locations and battery information of all tags and detectors</a:t>
               </a:r>
             </a:p>
             <a:p>
@@ -5066,54 +4799,7 @@
                   <a:ea typeface="Ebrima" pitchFamily="2" charset="0"/>
                   <a:cs typeface="Ebrima" pitchFamily="2" charset="0"/>
                 </a:rPr>
-                <a:t>Location </a:t>
-              </a:r>
-              <a:r>
-                <a:rPr lang="en-US" sz="3200" dirty="0" smtClean="0">
-                  <a:ea typeface="Ebrima" pitchFamily="2" charset="0"/>
-                  <a:cs typeface="Ebrima" pitchFamily="2" charset="0"/>
-                </a:rPr>
-                <a:t>update interval</a:t>
-              </a:r>
-            </a:p>
-            <a:p>
-              <a:pPr marL="225425" indent="-225425">
-                <a:buFont typeface="Arial" pitchFamily="34" charset="0"/>
-                <a:buChar char="•"/>
-              </a:pPr>
-              <a:r>
-                <a:rPr lang="en-US" sz="3200" dirty="0" smtClean="0">
-                  <a:ea typeface="Ebrima" pitchFamily="2" charset="0"/>
-                  <a:cs typeface="Ebrima" pitchFamily="2" charset="0"/>
-                </a:rPr>
-                <a:t>Geometry </a:t>
-              </a:r>
-              <a:r>
-                <a:rPr lang="en-US" sz="3200" dirty="0" smtClean="0">
-                  <a:ea typeface="Ebrima" pitchFamily="2" charset="0"/>
-                  <a:cs typeface="Ebrima" pitchFamily="2" charset="0"/>
-                </a:rPr>
-                <a:t>of the tracking area</a:t>
-              </a:r>
-            </a:p>
-            <a:p>
-              <a:pPr marL="225425" indent="-225425">
-                <a:buFont typeface="Arial" pitchFamily="34" charset="0"/>
-                <a:buChar char="•"/>
-              </a:pPr>
-              <a:r>
-                <a:rPr lang="en-US" sz="3200" dirty="0" smtClean="0">
-                  <a:ea typeface="Ebrima" pitchFamily="2" charset="0"/>
-                  <a:cs typeface="Ebrima" pitchFamily="2" charset="0"/>
-                </a:rPr>
-                <a:t>Identifications</a:t>
-              </a:r>
-              <a:r>
-                <a:rPr lang="en-US" sz="3200" dirty="0" smtClean="0">
-                  <a:ea typeface="Ebrima" pitchFamily="2" charset="0"/>
-                  <a:cs typeface="Ebrima" pitchFamily="2" charset="0"/>
-                </a:rPr>
-                <a:t>, locations, and battery levels of the TIUs </a:t>
+                <a:t>Stores user accounts</a:t>
               </a:r>
               <a:endParaRPr lang="en-US" sz="3200" dirty="0">
                 <a:ea typeface="Ebrima" pitchFamily="2" charset="0"/>
@@ -5131,7 +4817,7 @@
           <p:spPr>
             <a:xfrm>
               <a:off x="21214080" y="16454259"/>
-              <a:ext cx="7239000" cy="3754874"/>
+              <a:ext cx="7239000" cy="3262432"/>
             </a:xfrm>
             <a:prstGeom prst="rect">
               <a:avLst/>
@@ -5165,14 +4851,31 @@
                   <a:ea typeface="Ebrima" pitchFamily="2" charset="0"/>
                   <a:cs typeface="Ebrima" pitchFamily="2" charset="0"/>
                 </a:rPr>
-                <a:t>Provide </a:t>
+                <a:t>Primary link between the mesh network and the back end </a:t>
               </a:r>
               <a:r>
                 <a:rPr lang="en-US" sz="3200" dirty="0" smtClean="0">
                   <a:ea typeface="Ebrima" pitchFamily="2" charset="0"/>
                   <a:cs typeface="Ebrima" pitchFamily="2" charset="0"/>
                 </a:rPr>
-                <a:t>utilities to set up the system</a:t>
+                <a:t>infrastructure</a:t>
+              </a:r>
+              <a:endParaRPr lang="en-US" sz="3200" dirty="0" smtClean="0">
+                <a:ea typeface="Ebrima" pitchFamily="2" charset="0"/>
+                <a:cs typeface="Ebrima" pitchFamily="2" charset="0"/>
+              </a:endParaRPr>
+            </a:p>
+            <a:p>
+              <a:pPr marL="225425" indent="-225425">
+                <a:buFont typeface="Arial" pitchFamily="34" charset="0"/>
+                <a:buChar char="•"/>
+              </a:pPr>
+              <a:r>
+                <a:rPr lang="en-US" sz="3200" dirty="0" smtClean="0">
+                  <a:ea typeface="Ebrima" pitchFamily="2" charset="0"/>
+                  <a:cs typeface="Ebrima" pitchFamily="2" charset="0"/>
+                </a:rPr>
+                <a:t>Communicates with mesh network</a:t>
               </a:r>
             </a:p>
             <a:p>
@@ -5185,14 +4888,7 @@
                   <a:ea typeface="Ebrima" pitchFamily="2" charset="0"/>
                   <a:cs typeface="Ebrima" pitchFamily="2" charset="0"/>
                 </a:rPr>
-                <a:t>Written </a:t>
-              </a:r>
-              <a:r>
-                <a:rPr lang="en-US" sz="3200" dirty="0" smtClean="0">
-                  <a:ea typeface="Ebrima" pitchFamily="2" charset="0"/>
-                  <a:cs typeface="Ebrima" pitchFamily="2" charset="0"/>
-                </a:rPr>
-                <a:t>in Java</a:t>
+                <a:t>Executes the locating algorithm</a:t>
               </a:r>
             </a:p>
             <a:p>
@@ -5205,56 +4901,16 @@
                   <a:ea typeface="Ebrima" pitchFamily="2" charset="0"/>
                   <a:cs typeface="Ebrima" pitchFamily="2" charset="0"/>
                 </a:rPr>
-                <a:t>Cross </a:t>
+                <a:t>Communicates with the </a:t>
               </a:r>
               <a:r>
                 <a:rPr lang="en-US" sz="3200" dirty="0" smtClean="0">
                   <a:ea typeface="Ebrima" pitchFamily="2" charset="0"/>
                   <a:cs typeface="Ebrima" pitchFamily="2" charset="0"/>
                 </a:rPr>
-                <a:t>platform</a:t>
+                <a:t>Database</a:t>
               </a:r>
-            </a:p>
-            <a:p>
-              <a:pPr marL="225425" indent="-225425">
-                <a:buFont typeface="Arial" pitchFamily="34" charset="0"/>
-                <a:buChar char="•"/>
-              </a:pPr>
-              <a:r>
-                <a:rPr lang="en-US" sz="3200" dirty="0" smtClean="0">
-                  <a:ea typeface="Ebrima" pitchFamily="2" charset="0"/>
-                  <a:cs typeface="Ebrima" pitchFamily="2" charset="0"/>
-                </a:rPr>
-                <a:t>Easy </a:t>
-              </a:r>
-              <a:r>
-                <a:rPr lang="en-US" sz="3200" dirty="0" smtClean="0">
-                  <a:ea typeface="Ebrima" pitchFamily="2" charset="0"/>
-                  <a:cs typeface="Ebrima" pitchFamily="2" charset="0"/>
-                </a:rPr>
-                <a:t>to use</a:t>
-              </a:r>
-            </a:p>
-            <a:p>
-              <a:pPr marL="225425" indent="-225425">
-                <a:buFont typeface="Arial" pitchFamily="34" charset="0"/>
-                <a:buChar char="•"/>
-              </a:pPr>
-              <a:r>
-                <a:rPr lang="en-US" sz="3200" dirty="0" smtClean="0">
-                  <a:ea typeface="Ebrima" pitchFamily="2" charset="0"/>
-                  <a:cs typeface="Ebrima" pitchFamily="2" charset="0"/>
-                </a:rPr>
-                <a:t>Process </a:t>
-              </a:r>
-              <a:r>
-                <a:rPr lang="en-US" sz="3200" dirty="0" smtClean="0">
-                  <a:ea typeface="Ebrima" pitchFamily="2" charset="0"/>
-                  <a:cs typeface="Ebrima" pitchFamily="2" charset="0"/>
-                </a:rPr>
-                <a:t>data and calculate assets’ location</a:t>
-              </a:r>
-              <a:endParaRPr lang="en-US" sz="3200" dirty="0">
+              <a:endParaRPr lang="en-US" sz="3200" dirty="0" smtClean="0">
                 <a:ea typeface="Ebrima" pitchFamily="2" charset="0"/>
                 <a:cs typeface="Ebrima" pitchFamily="2" charset="0"/>
               </a:endParaRPr>
@@ -5271,9 +4927,9 @@
         <p:grpSpPr>
           <a:xfrm>
             <a:off x="13990320" y="15235059"/>
-            <a:ext cx="9448800" cy="13121521"/>
+            <a:ext cx="9448800" cy="13737074"/>
             <a:chOff x="13990320" y="15235059"/>
-            <a:chExt cx="9448800" cy="13121521"/>
+            <a:chExt cx="9448800" cy="13737074"/>
           </a:xfrm>
         </p:grpSpPr>
         <p:sp>
@@ -5342,7 +4998,7 @@
           <p:spPr>
             <a:xfrm>
               <a:off x="13990320" y="16530459"/>
-              <a:ext cx="7239000" cy="3754874"/>
+              <a:ext cx="7239000" cy="5232202"/>
             </a:xfrm>
             <a:prstGeom prst="rect">
               <a:avLst/>
@@ -5376,14 +5032,55 @@
                   <a:ea typeface="Ebrima" pitchFamily="2" charset="0"/>
                   <a:cs typeface="Ebrima" pitchFamily="2" charset="0"/>
                 </a:rPr>
-                <a:t>User </a:t>
+                <a:t>Composed of small, inexpensive </a:t>
               </a:r>
               <a:r>
                 <a:rPr lang="en-US" sz="3200" dirty="0" smtClean="0">
                   <a:ea typeface="Ebrima" pitchFamily="2" charset="0"/>
                   <a:cs typeface="Ebrima" pitchFamily="2" charset="0"/>
                 </a:rPr>
-                <a:t>and Admin interface</a:t>
+                <a:t>hardware</a:t>
+              </a:r>
+              <a:endParaRPr lang="en-US" sz="3200" dirty="0" smtClean="0">
+                <a:ea typeface="Ebrima" pitchFamily="2" charset="0"/>
+                <a:cs typeface="Ebrima" pitchFamily="2" charset="0"/>
+              </a:endParaRPr>
+            </a:p>
+            <a:p>
+              <a:pPr marL="225425" indent="-225425">
+                <a:buFont typeface="Arial" pitchFamily="34" charset="0"/>
+                <a:buChar char="•"/>
+              </a:pPr>
+              <a:r>
+                <a:rPr lang="en-US" sz="3200" dirty="0" smtClean="0">
+                  <a:ea typeface="Ebrima" pitchFamily="2" charset="0"/>
+                  <a:cs typeface="Ebrima" pitchFamily="2" charset="0"/>
+                </a:rPr>
+                <a:t>Relay messages to proxy via a controlled flooding </a:t>
+              </a:r>
+              <a:r>
+                <a:rPr lang="en-US" sz="3200" dirty="0" smtClean="0">
+                  <a:ea typeface="Ebrima" pitchFamily="2" charset="0"/>
+                  <a:cs typeface="Ebrima" pitchFamily="2" charset="0"/>
+                </a:rPr>
+                <a:t>mechanism</a:t>
+              </a:r>
+              <a:endParaRPr lang="en-US" sz="3200" dirty="0" smtClean="0">
+                <a:ea typeface="Ebrima" pitchFamily="2" charset="0"/>
+                <a:cs typeface="Ebrima" pitchFamily="2" charset="0"/>
+              </a:endParaRPr>
+            </a:p>
+            <a:p>
+              <a:pPr marL="225425" indent="-225425">
+                <a:buFont typeface="Arial" pitchFamily="34" charset="0"/>
+                <a:buChar char="•"/>
+              </a:pPr>
+              <a:r>
+                <a:rPr lang="en-US" sz="3200" dirty="0" smtClean="0">
+                  <a:ea typeface="Ebrima" pitchFamily="2" charset="0"/>
+                  <a:cs typeface="Ebrima" pitchFamily="2" charset="0"/>
+                </a:rPr>
+                <a:t>Collision avoidance using time division</a:t>
               </a:r>
             </a:p>
             <a:p>
@@ -5396,14 +5093,7 @@
                   <a:ea typeface="Ebrima" pitchFamily="2" charset="0"/>
                   <a:cs typeface="Ebrima" pitchFamily="2" charset="0"/>
                 </a:rPr>
-                <a:t>Interactive </a:t>
-              </a:r>
-              <a:r>
-                <a:rPr lang="en-US" sz="3200" dirty="0" smtClean="0">
-                  <a:ea typeface="Ebrima" pitchFamily="2" charset="0"/>
-                  <a:cs typeface="Ebrima" pitchFamily="2" charset="0"/>
-                </a:rPr>
-                <a:t>2D map</a:t>
+                <a:t>Tags broadcast periodically</a:t>
               </a:r>
             </a:p>
             <a:p>
@@ -5416,15 +5106,19 @@
                   <a:ea typeface="Ebrima" pitchFamily="2" charset="0"/>
                   <a:cs typeface="Ebrima" pitchFamily="2" charset="0"/>
                 </a:rPr>
-                <a:t>Search </a:t>
+                <a:t>Detectors pick up broadcast, determine RSSI, and send </a:t>
               </a:r>
               <a:r>
                 <a:rPr lang="en-US" sz="3200" dirty="0" smtClean="0">
                   <a:ea typeface="Ebrima" pitchFamily="2" charset="0"/>
                   <a:cs typeface="Ebrima" pitchFamily="2" charset="0"/>
                 </a:rPr>
-                <a:t>TIU and detector via ID</a:t>
+                <a:t>results</a:t>
               </a:r>
+              <a:endParaRPr lang="en-US" sz="3200" dirty="0" smtClean="0">
+                <a:ea typeface="Ebrima" pitchFamily="2" charset="0"/>
+                <a:cs typeface="Ebrima" pitchFamily="2" charset="0"/>
+              </a:endParaRPr>
             </a:p>
             <a:p>
               <a:pPr marL="225425" indent="-225425">
@@ -5436,160 +5130,16 @@
                   <a:ea typeface="Ebrima" pitchFamily="2" charset="0"/>
                   <a:cs typeface="Ebrima" pitchFamily="2" charset="0"/>
                 </a:rPr>
-                <a:t>Show </a:t>
+                <a:t>Detectors also act as </a:t>
               </a:r>
               <a:r>
                 <a:rPr lang="en-US" sz="3200" dirty="0" smtClean="0">
                   <a:ea typeface="Ebrima" pitchFamily="2" charset="0"/>
                   <a:cs typeface="Ebrima" pitchFamily="2" charset="0"/>
                 </a:rPr>
-                <a:t>battery level</a:t>
-              </a:r>
-            </a:p>
-            <a:p>
-              <a:pPr marL="225425" indent="-225425">
-                <a:buFont typeface="Arial" pitchFamily="34" charset="0"/>
-                <a:buChar char="•"/>
-              </a:pPr>
-              <a:r>
-                <a:rPr lang="en-US" sz="3200" dirty="0" smtClean="0">
-                  <a:ea typeface="Ebrima" pitchFamily="2" charset="0"/>
-                  <a:cs typeface="Ebrima" pitchFamily="2" charset="0"/>
-                </a:rPr>
-                <a:t>Add </a:t>
-              </a:r>
-              <a:r>
-                <a:rPr lang="en-US" sz="3200" dirty="0" smtClean="0">
-                  <a:ea typeface="Ebrima" pitchFamily="2" charset="0"/>
-                  <a:cs typeface="Ebrima" pitchFamily="2" charset="0"/>
-                </a:rPr>
-                <a:t>and remove tag/detector</a:t>
-              </a:r>
-            </a:p>
-            <a:p>
-              <a:pPr marL="225425" indent="-225425">
-                <a:buFont typeface="Arial" pitchFamily="34" charset="0"/>
-                <a:buChar char="•"/>
-              </a:pPr>
-              <a:r>
-                <a:rPr lang="en-US" sz="3200" dirty="0" smtClean="0">
-                  <a:ea typeface="Ebrima" pitchFamily="2" charset="0"/>
-                  <a:cs typeface="Ebrima" pitchFamily="2" charset="0"/>
-                </a:rPr>
-                <a:t>Change  </a:t>
-              </a:r>
-              <a:r>
-                <a:rPr lang="en-US" sz="3200" dirty="0" smtClean="0">
-                  <a:ea typeface="Ebrima" pitchFamily="2" charset="0"/>
-                  <a:cs typeface="Ebrima" pitchFamily="2" charset="0"/>
-                </a:rPr>
-                <a:t>geometry of tracking </a:t>
-              </a:r>
-              <a:r>
-                <a:rPr lang="en-US" sz="3200" dirty="0" smtClean="0">
-                  <a:ea typeface="Ebrima" pitchFamily="2" charset="0"/>
-                  <a:cs typeface="Ebrima" pitchFamily="2" charset="0"/>
-                </a:rPr>
-                <a:t>area</a:t>
+                <a:t>relays</a:t>
               </a:r>
               <a:endParaRPr lang="en-US" sz="3200" dirty="0" smtClean="0">
-                <a:ea typeface="Ebrima" pitchFamily="2" charset="0"/>
-                <a:cs typeface="Ebrima" pitchFamily="2" charset="0"/>
-              </a:endParaRPr>
-            </a:p>
-          </p:txBody>
-        </p:sp>
-        <p:sp>
-          <p:nvSpPr>
-            <p:cNvPr id="73" name="TextBox 72"/>
-            <p:cNvSpPr txBox="1"/>
-            <p:nvPr/>
-          </p:nvSpPr>
-          <p:spPr>
-            <a:xfrm>
-              <a:off x="13990320" y="20873859"/>
-              <a:ext cx="6705600" cy="3139321"/>
-            </a:xfrm>
-            <a:prstGeom prst="rect">
-              <a:avLst/>
-            </a:prstGeom>
-            <a:noFill/>
-          </p:spPr>
-          <p:txBody>
-            <a:bodyPr wrap="square" lIns="0" tIns="91440" bIns="91440" rtlCol="0">
-              <a:spAutoFit/>
-            </a:bodyPr>
-            <a:lstStyle/>
-            <a:p>
-              <a:r>
-                <a:rPr lang="en-US" sz="4000" b="1" dirty="0" smtClean="0">
-                  <a:solidFill>
-                    <a:schemeClr val="accent1"/>
-                  </a:solidFill>
-                  <a:ea typeface="Ebrima" pitchFamily="2" charset="0"/>
-                  <a:cs typeface="Ebrima" pitchFamily="2" charset="0"/>
-                </a:rPr>
-                <a:t>Wi-Fi Proxy</a:t>
-              </a:r>
-            </a:p>
-            <a:p>
-              <a:pPr>
-                <a:buFont typeface="Arial" pitchFamily="34" charset="0"/>
-                <a:buChar char="•"/>
-              </a:pPr>
-              <a:r>
-                <a:rPr lang="en-US" sz="3200" dirty="0" smtClean="0">
-                  <a:ea typeface="Ebrima" pitchFamily="2" charset="0"/>
-                  <a:cs typeface="Ebrima" pitchFamily="2" charset="0"/>
-                </a:rPr>
-                <a:t> WiFly 802.11b/g at 2.4GHz </a:t>
-              </a:r>
-            </a:p>
-            <a:p>
-              <a:pPr>
-                <a:buFont typeface="Arial" pitchFamily="34" charset="0"/>
-                <a:buChar char="•"/>
-              </a:pPr>
-              <a:r>
-                <a:rPr lang="en-US" sz="3200" dirty="0" smtClean="0">
-                  <a:ea typeface="Ebrima" pitchFamily="2" charset="0"/>
-                  <a:cs typeface="Ebrima" pitchFamily="2" charset="0"/>
-                </a:rPr>
-                <a:t> RF12B transceiver at 434MHz</a:t>
-              </a:r>
-            </a:p>
-            <a:p>
-              <a:pPr>
-                <a:buFont typeface="Arial" pitchFamily="34" charset="0"/>
-                <a:buChar char="•"/>
-              </a:pPr>
-              <a:r>
-                <a:rPr lang="en-US" sz="3200" dirty="0" smtClean="0">
-                  <a:ea typeface="Ebrima" pitchFamily="2" charset="0"/>
-                  <a:cs typeface="Ebrima" pitchFamily="2" charset="0"/>
-                </a:rPr>
-                <a:t> MCU ATMega328p</a:t>
-              </a:r>
-            </a:p>
-            <a:p>
-              <a:pPr>
-                <a:buFont typeface="Arial" pitchFamily="34" charset="0"/>
-                <a:buChar char="•"/>
-              </a:pPr>
-              <a:r>
-                <a:rPr lang="en-US" sz="3200" dirty="0" smtClean="0">
-                  <a:ea typeface="Ebrima" pitchFamily="2" charset="0"/>
-                  <a:cs typeface="Ebrima" pitchFamily="2" charset="0"/>
-                </a:rPr>
-                <a:t> Use 9V battery/adaptor   </a:t>
-              </a:r>
-            </a:p>
-            <a:p>
-              <a:pPr>
-                <a:buFont typeface="Arial" pitchFamily="34" charset="0"/>
-                <a:buChar char="•"/>
-              </a:pPr>
-              <a:endParaRPr lang="en-US" sz="2400" dirty="0">
                 <a:ea typeface="Ebrima" pitchFamily="2" charset="0"/>
                 <a:cs typeface="Ebrima" pitchFamily="2" charset="0"/>
               </a:endParaRPr>
@@ -5605,7 +5155,7 @@
           <p:spPr>
             <a:xfrm>
               <a:off x="13990320" y="25217259"/>
-              <a:ext cx="6659880" cy="3139321"/>
+              <a:ext cx="6659880" cy="3754874"/>
             </a:xfrm>
             <a:prstGeom prst="rect">
               <a:avLst/>
@@ -5639,18 +5189,64 @@
                   <a:ea typeface="Ebrima" pitchFamily="2" charset="0"/>
                   <a:cs typeface="Ebrima" pitchFamily="2" charset="0"/>
                 </a:rPr>
-                <a:t>Calibrate </a:t>
+                <a:t>A progressively constrained, nearest neighbor algorithm, using </a:t>
               </a:r>
               <a:r>
                 <a:rPr lang="en-US" sz="3200" dirty="0" smtClean="0">
                   <a:ea typeface="Ebrima" pitchFamily="2" charset="0"/>
                   <a:cs typeface="Ebrima" pitchFamily="2" charset="0"/>
                 </a:rPr>
-                <a:t>and create a database of signal signature.</a:t>
+                <a:t>Euclidean </a:t>
+              </a:r>
+              <a:r>
+                <a:rPr lang="en-US" sz="3200" dirty="0" smtClean="0">
+                  <a:ea typeface="Ebrima" pitchFamily="2" charset="0"/>
+                  <a:cs typeface="Ebrima" pitchFamily="2" charset="0"/>
+                </a:rPr>
+                <a:t>distance as the matching metric. Also, several heuristics are employed that further enhance the accuracy and reliability of the locating process</a:t>
+              </a:r>
+              <a:endParaRPr lang="en-US" sz="3200" dirty="0" smtClean="0">
+                <a:ea typeface="Ebrima" pitchFamily="2" charset="0"/>
+                <a:cs typeface="Ebrima" pitchFamily="2" charset="0"/>
+              </a:endParaRPr>
+            </a:p>
+          </p:txBody>
+        </p:sp>
+        <p:sp>
+          <p:nvSpPr>
+            <p:cNvPr id="73" name="TextBox 72"/>
+            <p:cNvSpPr txBox="1"/>
+            <p:nvPr/>
+          </p:nvSpPr>
+          <p:spPr>
+            <a:xfrm>
+              <a:off x="13990320" y="22071211"/>
+              <a:ext cx="6705600" cy="2769989"/>
+            </a:xfrm>
+            <a:prstGeom prst="rect">
+              <a:avLst/>
+            </a:prstGeom>
+            <a:noFill/>
+          </p:spPr>
+          <p:txBody>
+            <a:bodyPr wrap="square" lIns="0" tIns="91440" bIns="91440" rtlCol="0">
+              <a:spAutoFit/>
+            </a:bodyPr>
+            <a:lstStyle/>
+            <a:p>
+              <a:r>
+                <a:rPr lang="en-US" sz="4000" b="1" dirty="0" smtClean="0">
+                  <a:solidFill>
+                    <a:schemeClr val="accent1"/>
+                  </a:solidFill>
+                  <a:ea typeface="Ebrima" pitchFamily="2" charset="0"/>
+                  <a:cs typeface="Ebrima" pitchFamily="2" charset="0"/>
+                </a:rPr>
+                <a:t>Wi-Fi Proxy</a:t>
               </a:r>
             </a:p>
             <a:p>
-              <a:pPr indent="225425">
+              <a:pPr marL="228600" indent="-228600">
                 <a:buFont typeface="Arial" pitchFamily="34" charset="0"/>
                 <a:buChar char="•"/>
               </a:pPr>
@@ -5659,18 +5255,39 @@
                   <a:ea typeface="Ebrima" pitchFamily="2" charset="0"/>
                   <a:cs typeface="Ebrima" pitchFamily="2" charset="0"/>
                 </a:rPr>
-                <a:t>Locate </a:t>
+                <a:t>RFM12 </a:t>
               </a:r>
               <a:r>
                 <a:rPr lang="en-US" sz="3200" dirty="0" smtClean="0">
                   <a:ea typeface="Ebrima" pitchFamily="2" charset="0"/>
                   <a:cs typeface="Ebrima" pitchFamily="2" charset="0"/>
                 </a:rPr>
-                <a:t>by matching signal pattern</a:t>
+                <a:t>module receives </a:t>
+              </a:r>
+              <a:r>
+                <a:rPr lang="en-US" sz="3200" dirty="0" smtClean="0">
+                  <a:ea typeface="Ebrima" pitchFamily="2" charset="0"/>
+                  <a:cs typeface="Ebrima" pitchFamily="2" charset="0"/>
+                </a:rPr>
+                <a:t>data from </a:t>
+              </a:r>
+              <a:r>
+                <a:rPr lang="en-US" sz="3200" dirty="0" smtClean="0">
+                  <a:ea typeface="Ebrima" pitchFamily="2" charset="0"/>
+                  <a:cs typeface="Ebrima" pitchFamily="2" charset="0"/>
+                </a:rPr>
+                <a:t>the mesh </a:t>
+              </a:r>
+              <a:r>
+                <a:rPr lang="en-US" sz="3200" dirty="0" smtClean="0">
+                  <a:ea typeface="Ebrima" pitchFamily="2" charset="0"/>
+                  <a:cs typeface="Ebrima" pitchFamily="2" charset="0"/>
+                </a:rPr>
+                <a:t>network</a:t>
               </a:r>
             </a:p>
             <a:p>
-              <a:pPr indent="225425">
+              <a:pPr marL="228600" indent="-228600">
                 <a:buFont typeface="Arial" pitchFamily="34" charset="0"/>
                 <a:buChar char="•"/>
               </a:pPr>
@@ -5679,21 +5296,8 @@
                   <a:ea typeface="Ebrima" pitchFamily="2" charset="0"/>
                   <a:cs typeface="Ebrima" pitchFamily="2" charset="0"/>
                 </a:rPr>
-                <a:t>Interpolate </a:t>
+                <a:t>Wi-Fi module sends data to the controller</a:t>
               </a:r>
-              <a:r>
-                <a:rPr lang="en-US" sz="3200" dirty="0" smtClean="0">
-                  <a:ea typeface="Ebrima" pitchFamily="2" charset="0"/>
-                  <a:cs typeface="Ebrima" pitchFamily="2" charset="0"/>
-                </a:rPr>
-                <a:t>calculated results</a:t>
-              </a:r>
-            </a:p>
-            <a:p>
-              <a:pPr>
-                <a:buFont typeface="Arial" pitchFamily="34" charset="0"/>
-                <a:buChar char="•"/>
-              </a:pPr>
               <a:endParaRPr lang="en-US" sz="2400" dirty="0">
                 <a:ea typeface="Ebrima" pitchFamily="2" charset="0"/>
                 <a:cs typeface="Ebrima" pitchFamily="2" charset="0"/>
@@ -5710,10 +5314,10 @@
         </p:nvGrpSpPr>
         <p:grpSpPr>
           <a:xfrm>
-            <a:off x="13990320" y="5486400"/>
-            <a:ext cx="14401800" cy="4176832"/>
+            <a:off x="13990320" y="5029200"/>
+            <a:ext cx="14401800" cy="5531048"/>
             <a:chOff x="13990320" y="5486400"/>
-            <a:chExt cx="14401800" cy="4176832"/>
+            <a:chExt cx="14401800" cy="5531048"/>
           </a:xfrm>
         </p:grpSpPr>
         <p:sp>
@@ -5725,7 +5329,7 @@
           <p:spPr>
             <a:xfrm>
               <a:off x="13990320" y="6400800"/>
-              <a:ext cx="14401800" cy="3262432"/>
+              <a:ext cx="14401800" cy="4616648"/>
             </a:xfrm>
             <a:prstGeom prst="rect">
               <a:avLst/>
@@ -5738,22 +5342,48 @@
             </a:bodyPr>
             <a:lstStyle/>
             <a:p>
-              <a:pPr lvl="0"/>
+              <a:pPr lvl="0" hangingPunct="0">
+                <a:defRPr sz="1800"/>
+              </a:pPr>
               <a:r>
-                <a:rPr lang="en-US" sz="4000" dirty="0" smtClean="0">
-                  <a:ea typeface="Ebrima" pitchFamily="2" charset="0"/>
-                  <a:cs typeface="Ebrima" pitchFamily="2" charset="0"/>
+                <a:rPr lang="en-US" sz="3200" dirty="0" smtClean="0">
+                  <a:ea typeface="Ebrima" pitchFamily="2"/>
+                  <a:cs typeface="Ebrima" pitchFamily="2"/>
                 </a:rPr>
-                <a:t>This system uses an RF transceiver network to track mobile assets indoors, where more obvious solutions, such as GPS, are unable to function. The system determines an asset’s current location by matching the RF fingerprint of its periodic broadcasts with previously collected fingerprints stored in a database</a:t>
+                <a:t>Tags are placed onto Test Interface </a:t>
               </a:r>
               <a:r>
-                <a:rPr lang="en-US" sz="4000" dirty="0" smtClean="0">
-                  <a:ea typeface="Ebrima" pitchFamily="2" charset="0"/>
-                  <a:cs typeface="Ebrima" pitchFamily="2" charset="0"/>
+                <a:rPr lang="en-US" sz="3200" dirty="0" smtClean="0">
+                  <a:ea typeface="Ebrima" pitchFamily="2"/>
+                  <a:cs typeface="Ebrima" pitchFamily="2"/>
                 </a:rPr>
-                <a:t>.</a:t>
+                <a:t>Units (</a:t>
               </a:r>
-              <a:endParaRPr lang="en-US" dirty="0"/>
+              <a:r>
+                <a:rPr lang="en-US" sz="3200" dirty="0" smtClean="0">
+                  <a:ea typeface="Ebrima" pitchFamily="2"/>
+                  <a:cs typeface="Ebrima" pitchFamily="2"/>
+                </a:rPr>
+                <a:t>TIUs). The tags broadcast a signal periodically, which is picked up by detectors that are placed in various fixed locations within the tracking area. The detectors determine the signal strength of the tags, form a message and relay it, via a mesh network of other detectors until the message reaches the proxy. The proxy then retransmits the message via </a:t>
+              </a:r>
+              <a:r>
+                <a:rPr lang="en-US" sz="3200" dirty="0" smtClean="0">
+                  <a:ea typeface="Ebrima" pitchFamily="2"/>
+                  <a:cs typeface="Ebrima" pitchFamily="2"/>
+                </a:rPr>
+                <a:t>Wi-Fi </a:t>
+              </a:r>
+              <a:r>
+                <a:rPr lang="en-US" sz="3200" dirty="0" smtClean="0">
+                  <a:ea typeface="Ebrima" pitchFamily="2"/>
+                  <a:cs typeface="Ebrima" pitchFamily="2"/>
+                </a:rPr>
+                <a:t>to the controller. The controller gives the signal strength data to a locating algorithm which calculates its approximate location via statistical analysis. The results are placed into a database where the web app periodically retrieves the results and displays them on an interactive 2D map.</a:t>
+              </a:r>
+              <a:endParaRPr lang="en-US" sz="3200" dirty="0">
+                <a:ea typeface="Ebrima" pitchFamily="2"/>
+                <a:cs typeface="Ebrima" pitchFamily="2"/>
+              </a:endParaRPr>
             </a:p>
           </p:txBody>
         </p:sp>
@@ -5766,7 +5396,7 @@
           <p:spPr>
             <a:xfrm>
               <a:off x="13990320" y="5486400"/>
-              <a:ext cx="9448800" cy="990600"/>
+              <a:ext cx="9448800" cy="1005840"/>
             </a:xfrm>
             <a:prstGeom prst="rect">
               <a:avLst/>
@@ -5823,7 +5453,7 @@
         </p:nvCxnSpPr>
         <p:spPr>
           <a:xfrm rot="10800000">
-            <a:off x="6842448" y="10972800"/>
+            <a:off x="6842448" y="10744200"/>
             <a:ext cx="5105400" cy="0"/>
           </a:xfrm>
           <a:prstGeom prst="line">
@@ -5975,7 +5605,7 @@
         </p:nvCxnSpPr>
         <p:spPr>
           <a:xfrm rot="5400000">
-            <a:off x="10591489" y="8290560"/>
+            <a:off x="10591489" y="8061960"/>
             <a:ext cx="4389120" cy="0"/>
           </a:xfrm>
           <a:prstGeom prst="line">
@@ -6089,7 +5719,7 @@
         </p:nvCxnSpPr>
         <p:spPr>
           <a:xfrm rot="16200000" flipH="1">
-            <a:off x="26197247" y="26837640"/>
+            <a:off x="26197247" y="26822400"/>
             <a:ext cx="5943600" cy="1"/>
           </a:xfrm>
           <a:prstGeom prst="line">
@@ -6165,7 +5795,7 @@
         </p:nvCxnSpPr>
         <p:spPr>
           <a:xfrm rot="10800000">
-            <a:off x="29931048" y="24993600"/>
+            <a:off x="29931048" y="25511759"/>
             <a:ext cx="5105400" cy="0"/>
           </a:xfrm>
           <a:prstGeom prst="line">
@@ -6203,7 +5833,7 @@
         </p:nvCxnSpPr>
         <p:spPr>
           <a:xfrm rot="10800000">
-            <a:off x="30312048" y="24765000"/>
+            <a:off x="30312048" y="25283159"/>
             <a:ext cx="9296400" cy="0"/>
           </a:xfrm>
           <a:prstGeom prst="line">
@@ -6241,7 +5871,7 @@
         </p:nvCxnSpPr>
         <p:spPr>
           <a:xfrm rot="16200000" flipH="1">
-            <a:off x="40690801" y="7315200"/>
+            <a:off x="40690801" y="6629400"/>
             <a:ext cx="4114800" cy="1"/>
           </a:xfrm>
           <a:prstGeom prst="line">
@@ -6279,7 +5909,7 @@
         </p:nvCxnSpPr>
         <p:spPr>
           <a:xfrm rot="10800000">
-            <a:off x="23622000" y="5486401"/>
+            <a:off x="23622000" y="4876801"/>
             <a:ext cx="5105400" cy="0"/>
           </a:xfrm>
           <a:prstGeom prst="line">
@@ -6317,7 +5947,7 @@
         </p:nvCxnSpPr>
         <p:spPr>
           <a:xfrm rot="16200000" flipH="1">
-            <a:off x="27035447" y="17221200"/>
+            <a:off x="27035447" y="18211799"/>
             <a:ext cx="4114800" cy="1"/>
           </a:xfrm>
           <a:prstGeom prst="line">
@@ -6355,7 +5985,7 @@
         </p:nvCxnSpPr>
         <p:spPr>
           <a:xfrm rot="10800000">
-            <a:off x="28635648" y="18440400"/>
+            <a:off x="28635648" y="19126200"/>
             <a:ext cx="5105400" cy="0"/>
           </a:xfrm>
           <a:prstGeom prst="line">
@@ -6534,7 +6164,7 @@
         </p:nvCxnSpPr>
         <p:spPr>
           <a:xfrm rot="10800000">
-            <a:off x="25984200" y="5715000"/>
+            <a:off x="25984200" y="5105400"/>
             <a:ext cx="2286000" cy="0"/>
           </a:xfrm>
           <a:prstGeom prst="line">
@@ -6572,7 +6202,7 @@
         </p:nvCxnSpPr>
         <p:spPr>
           <a:xfrm rot="10800000">
-            <a:off x="38023800" y="5638800"/>
+            <a:off x="38023800" y="4953000"/>
             <a:ext cx="5105400" cy="0"/>
           </a:xfrm>
           <a:prstGeom prst="line">
@@ -6610,7 +6240,7 @@
         </p:nvCxnSpPr>
         <p:spPr>
           <a:xfrm rot="10800000">
-            <a:off x="21259800" y="5715001"/>
+            <a:off x="21259800" y="5105401"/>
             <a:ext cx="3657600" cy="0"/>
           </a:xfrm>
           <a:prstGeom prst="line">
@@ -6648,7 +6278,7 @@
         </p:nvCxnSpPr>
         <p:spPr>
           <a:xfrm rot="5400000">
-            <a:off x="28155900" y="16802100"/>
+            <a:off x="28155900" y="17411700"/>
             <a:ext cx="2362200" cy="0"/>
           </a:xfrm>
           <a:prstGeom prst="line">
@@ -6686,7 +6316,7 @@
         </p:nvCxnSpPr>
         <p:spPr>
           <a:xfrm rot="10800000">
-            <a:off x="29626248" y="18211799"/>
+            <a:off x="29626248" y="18897600"/>
             <a:ext cx="3673152" cy="0"/>
           </a:xfrm>
           <a:prstGeom prst="line">
@@ -6724,7 +6354,7 @@
         </p:nvCxnSpPr>
         <p:spPr>
           <a:xfrm rot="5400000">
-            <a:off x="41262300" y="7810500"/>
+            <a:off x="41262300" y="7124700"/>
             <a:ext cx="2362200" cy="0"/>
           </a:xfrm>
           <a:prstGeom prst="line">
@@ -6762,7 +6392,7 @@
         </p:nvCxnSpPr>
         <p:spPr>
           <a:xfrm rot="10800000">
-            <a:off x="38541648" y="5867399"/>
+            <a:off x="38541648" y="5181599"/>
             <a:ext cx="3673152" cy="0"/>
           </a:xfrm>
           <a:prstGeom prst="line">
@@ -6792,11 +6422,168 @@
           </a:fontRef>
         </p:style>
       </p:cxnSp>
+      <p:sp>
+        <p:nvSpPr>
+          <p:cNvPr id="17" name="TextBox 16"/>
+          <p:cNvSpPr txBox="1"/>
+          <p:nvPr/>
+        </p:nvSpPr>
+        <p:spPr>
+          <a:xfrm>
+            <a:off x="1280160" y="19360263"/>
+            <a:ext cx="10515600" cy="4355038"/>
+          </a:xfrm>
+          <a:prstGeom prst="rect">
+            <a:avLst/>
+          </a:prstGeom>
+          <a:noFill/>
+        </p:spPr>
+        <p:txBody>
+          <a:bodyPr wrap="square" lIns="0" tIns="91440" bIns="91440" rtlCol="0">
+            <a:spAutoFit/>
+          </a:bodyPr>
+          <a:lstStyle/>
+          <a:p>
+            <a:pPr lvl="0"/>
+            <a:r>
+              <a:rPr lang="en-US" sz="3200" dirty="0" smtClean="0">
+                <a:ea typeface="Ebrima" pitchFamily="2" charset="0"/>
+                <a:cs typeface="Ebrima" pitchFamily="2" charset="0"/>
+              </a:rPr>
+              <a:t>By collecting RF signatures and storing them in a database. The RF signature created by a tag's broadcast can be compared to those stored in the database and the closest match roughly identifies the location of the </a:t>
+            </a:r>
+            <a:r>
+              <a:rPr lang="en-US" sz="3200" dirty="0" smtClean="0">
+                <a:ea typeface="Ebrima" pitchFamily="2" charset="0"/>
+                <a:cs typeface="Ebrima" pitchFamily="2" charset="0"/>
+              </a:rPr>
+              <a:t>tag.</a:t>
+            </a:r>
+          </a:p>
+          <a:p>
+            <a:pPr lvl="0">
+              <a:spcBef>
+                <a:spcPts val="1800"/>
+              </a:spcBef>
+            </a:pPr>
+            <a:r>
+              <a:rPr lang="en-US" sz="3200" dirty="0" smtClean="0">
+                <a:ea typeface="Ebrima" pitchFamily="2" charset="0"/>
+                <a:cs typeface="Ebrima" pitchFamily="2" charset="0"/>
+              </a:rPr>
+              <a:t>The </a:t>
+            </a:r>
+            <a:r>
+              <a:rPr lang="en-US" sz="3200" dirty="0" smtClean="0">
+                <a:ea typeface="Ebrima" pitchFamily="2" charset="0"/>
+                <a:cs typeface="Ebrima" pitchFamily="2" charset="0"/>
+              </a:rPr>
+              <a:t>processing is done in a java application that has a direct TCP/IP connection to the proxy. Likewise, the proxy is connected to the controller and the mesh network via the onboard </a:t>
+            </a:r>
+            <a:r>
+              <a:rPr lang="en-US" sz="3200" dirty="0" smtClean="0">
+                <a:ea typeface="Ebrima" pitchFamily="2" charset="0"/>
+                <a:cs typeface="Ebrima" pitchFamily="2" charset="0"/>
+              </a:rPr>
+              <a:t>Wi-Fi </a:t>
+            </a:r>
+            <a:r>
+              <a:rPr lang="en-US" sz="3200" dirty="0" smtClean="0">
+                <a:ea typeface="Ebrima" pitchFamily="2" charset="0"/>
+                <a:cs typeface="Ebrima" pitchFamily="2" charset="0"/>
+              </a:rPr>
+              <a:t>module, and </a:t>
+            </a:r>
+            <a:r>
+              <a:rPr lang="en-US" sz="3200" dirty="0" smtClean="0">
+                <a:ea typeface="Ebrima" pitchFamily="2" charset="0"/>
+                <a:cs typeface="Ebrima" pitchFamily="2" charset="0"/>
+              </a:rPr>
+              <a:t>RF12 </a:t>
+            </a:r>
+            <a:r>
+              <a:rPr lang="en-US" sz="3200" dirty="0" smtClean="0">
+                <a:ea typeface="Ebrima" pitchFamily="2" charset="0"/>
+                <a:cs typeface="Ebrima" pitchFamily="2" charset="0"/>
+              </a:rPr>
+              <a:t>module</a:t>
+            </a:r>
+            <a:r>
+              <a:rPr lang="en-US" sz="3200" dirty="0" smtClean="0">
+                <a:ea typeface="Ebrima" pitchFamily="2" charset="0"/>
+                <a:cs typeface="Ebrima" pitchFamily="2" charset="0"/>
+              </a:rPr>
+              <a:t>.</a:t>
+            </a:r>
+            <a:endParaRPr lang="en-US" sz="3200" dirty="0" smtClean="0">
+              <a:ea typeface="Ebrima" pitchFamily="2" charset="0"/>
+              <a:cs typeface="Ebrima" pitchFamily="2" charset="0"/>
+            </a:endParaRPr>
+          </a:p>
+        </p:txBody>
+      </p:sp>
+      <p:sp>
+        <p:nvSpPr>
+          <p:cNvPr id="18" name="Rectangle 17"/>
+          <p:cNvSpPr/>
+          <p:nvPr/>
+        </p:nvSpPr>
+        <p:spPr>
+          <a:xfrm>
+            <a:off x="1280160" y="18293463"/>
+            <a:ext cx="9448800" cy="990600"/>
+          </a:xfrm>
+          <a:prstGeom prst="rect">
+            <a:avLst/>
+          </a:prstGeom>
+          <a:noFill/>
+          <a:ln>
+            <a:noFill/>
+          </a:ln>
+        </p:spPr>
+        <p:style>
+          <a:lnRef idx="2">
+            <a:schemeClr val="accent1">
+              <a:shade val="50000"/>
+            </a:schemeClr>
+          </a:lnRef>
+          <a:fillRef idx="1">
+            <a:schemeClr val="accent1"/>
+          </a:fillRef>
+          <a:effectRef idx="0">
+            <a:schemeClr val="accent1"/>
+          </a:effectRef>
+          <a:fontRef idx="minor">
+            <a:schemeClr val="lt1"/>
+          </a:fontRef>
+        </p:style>
+        <p:txBody>
+          <a:bodyPr lIns="0" tIns="91440" bIns="91440" rtlCol="0" anchor="ctr"/>
+          <a:lstStyle/>
+          <a:p>
+            <a:r>
+              <a:rPr lang="en-US" sz="5400" b="1" dirty="0" smtClean="0">
+                <a:solidFill>
+                  <a:schemeClr val="tx2"/>
+                </a:solidFill>
+                <a:latin typeface="Cambria" pitchFamily="18" charset="0"/>
+              </a:rPr>
+              <a:t>Approach</a:t>
+            </a:r>
+            <a:endParaRPr lang="en-US" sz="5400" b="1" dirty="0">
+              <a:solidFill>
+                <a:schemeClr val="tx2"/>
+              </a:solidFill>
+              <a:latin typeface="Cambria" pitchFamily="18" charset="0"/>
+            </a:endParaRPr>
+          </a:p>
+        </p:txBody>
+      </p:sp>
       <p:pic>
         <p:nvPicPr>
-          <p:cNvPr id="115" name="Picture 114" descr="1209193.png"/>
+          <p:cNvPr id="156" name="Picture 4" descr="C:\Users\WOODY\Desktop\sensor_network_big.gif"/>
           <p:cNvPicPr>
-            <a:picLocks noChangeAspect="1"/>
+            <a:picLocks noChangeAspect="1" noChangeArrowheads="1"/>
           </p:cNvPicPr>
           <p:nvPr/>
         </p:nvPicPr>
@@ -6806,33 +6593,96 @@
             <a:fillRect/>
           </a:stretch>
         </p:blipFill>
-        <p:spPr>
+        <p:spPr bwMode="auto">
           <a:xfrm>
-            <a:off x="26185323" y="13106400"/>
-            <a:ext cx="713277" cy="713277"/>
+            <a:off x="1447800" y="24079200"/>
+            <a:ext cx="9605486" cy="4753451"/>
           </a:xfrm>
           <a:prstGeom prst="rect">
             <a:avLst/>
           </a:prstGeom>
+          <a:noFill/>
         </p:spPr>
       </p:pic>
+      <p:sp>
+        <p:nvSpPr>
+          <p:cNvPr id="157" name="Rectangle 156"/>
+          <p:cNvSpPr/>
+          <p:nvPr/>
+        </p:nvSpPr>
+        <p:spPr>
+          <a:xfrm>
+            <a:off x="3657912" y="28651200"/>
+            <a:ext cx="5105400" cy="990600"/>
+          </a:xfrm>
+          <a:prstGeom prst="rect">
+            <a:avLst/>
+          </a:prstGeom>
+          <a:noFill/>
+          <a:ln>
+            <a:noFill/>
+          </a:ln>
+        </p:spPr>
+        <p:style>
+          <a:lnRef idx="2">
+            <a:schemeClr val="accent1">
+              <a:shade val="50000"/>
+            </a:schemeClr>
+          </a:lnRef>
+          <a:fillRef idx="1">
+            <a:schemeClr val="accent1"/>
+          </a:fillRef>
+          <a:effectRef idx="0">
+            <a:schemeClr val="accent1"/>
+          </a:effectRef>
+          <a:fontRef idx="minor">
+            <a:schemeClr val="lt1"/>
+          </a:fontRef>
+        </p:style>
+        <p:txBody>
+          <a:bodyPr lIns="0" tIns="91440" bIns="91440" rtlCol="0" anchor="ctr"/>
+          <a:lstStyle/>
+          <a:p>
+            <a:pPr algn="ctr"/>
+            <a:r>
+              <a:rPr lang="en-US" sz="3200" b="1" dirty="0" smtClean="0">
+                <a:solidFill>
+                  <a:schemeClr val="tx2">
+                    <a:lumMod val="60000"/>
+                    <a:lumOff val="40000"/>
+                  </a:schemeClr>
+                </a:solidFill>
+              </a:rPr>
+              <a:t>Mesh Network Concept</a:t>
+            </a:r>
+            <a:endParaRPr lang="en-US" sz="3200" b="1" dirty="0">
+              <a:solidFill>
+                <a:schemeClr val="tx2">
+                  <a:lumMod val="60000"/>
+                  <a:lumOff val="40000"/>
+                </a:schemeClr>
+              </a:solidFill>
+            </a:endParaRPr>
+          </a:p>
+        </p:txBody>
+      </p:sp>
       <p:grpSp>
         <p:nvGrpSpPr>
-          <p:cNvPr id="116" name="Group 203"/>
+          <p:cNvPr id="114" name="Group 113"/>
           <p:cNvGrpSpPr/>
           <p:nvPr/>
         </p:nvGrpSpPr>
         <p:grpSpPr>
           <a:xfrm>
-            <a:off x="20775118" y="12218316"/>
-            <a:ext cx="1600198" cy="1497684"/>
-            <a:chOff x="15982752" y="17595109"/>
-            <a:chExt cx="2458552" cy="2354181"/>
+            <a:off x="15212523" y="10801259"/>
+            <a:ext cx="11865954" cy="3981541"/>
+            <a:chOff x="15212523" y="10210800"/>
+            <a:chExt cx="11865954" cy="3981541"/>
           </a:xfrm>
         </p:grpSpPr>
         <p:pic>
           <p:nvPicPr>
-            <p:cNvPr id="154" name="Picture 153" descr="wifi_router.png"/>
+            <p:cNvPr id="115" name="Picture 114" descr="1209193.png"/>
             <p:cNvPicPr>
               <a:picLocks noChangeAspect="1"/>
             </p:cNvPicPr>
@@ -6846,8 +6696,283 @@
           </p:blipFill>
           <p:spPr>
             <a:xfrm>
-              <a:off x="15982752" y="17595109"/>
-              <a:ext cx="1951441" cy="1996502"/>
+              <a:off x="26185323" y="13106400"/>
+              <a:ext cx="713277" cy="713277"/>
+            </a:xfrm>
+            <a:prstGeom prst="rect">
+              <a:avLst/>
+            </a:prstGeom>
+          </p:spPr>
+        </p:pic>
+        <p:grpSp>
+          <p:nvGrpSpPr>
+            <p:cNvPr id="116" name="Group 203"/>
+            <p:cNvGrpSpPr/>
+            <p:nvPr/>
+          </p:nvGrpSpPr>
+          <p:grpSpPr>
+            <a:xfrm>
+              <a:off x="20775118" y="12218316"/>
+              <a:ext cx="1600198" cy="1497684"/>
+              <a:chOff x="15982752" y="17595109"/>
+              <a:chExt cx="2458552" cy="2354181"/>
+            </a:xfrm>
+          </p:grpSpPr>
+          <p:pic>
+            <p:nvPicPr>
+              <p:cNvPr id="154" name="Picture 153" descr="wifi_router.png"/>
+              <p:cNvPicPr>
+                <a:picLocks noChangeAspect="1"/>
+              </p:cNvPicPr>
+              <p:nvPr/>
+            </p:nvPicPr>
+            <p:blipFill>
+              <a:blip r:embed="rId14" cstate="print"/>
+              <a:stretch>
+                <a:fillRect/>
+              </a:stretch>
+            </p:blipFill>
+            <p:spPr>
+              <a:xfrm>
+                <a:off x="15982752" y="17595109"/>
+                <a:ext cx="1951441" cy="1996502"/>
+              </a:xfrm>
+              <a:prstGeom prst="rect">
+                <a:avLst/>
+              </a:prstGeom>
+            </p:spPr>
+          </p:pic>
+          <p:sp>
+            <p:nvSpPr>
+              <p:cNvPr id="155" name="TextBox 154"/>
+              <p:cNvSpPr txBox="1"/>
+              <p:nvPr/>
+            </p:nvSpPr>
+            <p:spPr>
+              <a:xfrm>
+                <a:off x="16429423" y="19368744"/>
+                <a:ext cx="2011881" cy="580546"/>
+              </a:xfrm>
+              <a:prstGeom prst="rect">
+                <a:avLst/>
+              </a:prstGeom>
+              <a:noFill/>
+            </p:spPr>
+            <p:txBody>
+              <a:bodyPr wrap="square" lIns="0" tIns="0" rIns="0" bIns="0" rtlCol="0">
+                <a:spAutoFit/>
+              </a:bodyPr>
+              <a:lstStyle/>
+              <a:p>
+                <a:r>
+                  <a:rPr lang="en-US" sz="2400" dirty="0" smtClean="0">
+                    <a:solidFill>
+                      <a:schemeClr val="tx2">
+                        <a:lumMod val="60000"/>
+                        <a:lumOff val="40000"/>
+                      </a:schemeClr>
+                    </a:solidFill>
+                    <a:ea typeface="Ebrima" pitchFamily="2" charset="0"/>
+                    <a:cs typeface="Ebrima" pitchFamily="2" charset="0"/>
+                  </a:rPr>
+                  <a:t>Proxy</a:t>
+                </a:r>
+              </a:p>
+            </p:txBody>
+          </p:sp>
+        </p:grpSp>
+        <p:grpSp>
+          <p:nvGrpSpPr>
+            <p:cNvPr id="117" name="Group 125"/>
+            <p:cNvGrpSpPr/>
+            <p:nvPr/>
+          </p:nvGrpSpPr>
+          <p:grpSpPr>
+            <a:xfrm>
+              <a:off x="17288393" y="12618004"/>
+              <a:ext cx="1353130" cy="1574337"/>
+              <a:chOff x="10467777" y="16383000"/>
+              <a:chExt cx="2457844" cy="2821437"/>
+            </a:xfrm>
+          </p:grpSpPr>
+          <p:pic>
+            <p:nvPicPr>
+              <p:cNvPr id="152" name="Picture 151" descr="1914499.png"/>
+              <p:cNvPicPr>
+                <a:picLocks noChangeAspect="1"/>
+              </p:cNvPicPr>
+              <p:nvPr/>
+            </p:nvPicPr>
+            <p:blipFill>
+              <a:blip r:embed="rId15" cstate="print"/>
+              <a:stretch>
+                <a:fillRect/>
+              </a:stretch>
+            </p:blipFill>
+            <p:spPr>
+              <a:xfrm>
+                <a:off x="10467777" y="16383000"/>
+                <a:ext cx="2457844" cy="2514600"/>
+              </a:xfrm>
+              <a:prstGeom prst="rect">
+                <a:avLst/>
+              </a:prstGeom>
+            </p:spPr>
+          </p:pic>
+          <p:sp>
+            <p:nvSpPr>
+              <p:cNvPr id="153" name="TextBox 152"/>
+              <p:cNvSpPr txBox="1"/>
+              <p:nvPr/>
+            </p:nvSpPr>
+            <p:spPr>
+              <a:xfrm>
+                <a:off x="10591800" y="18623890"/>
+                <a:ext cx="1926252" cy="580547"/>
+              </a:xfrm>
+              <a:prstGeom prst="rect">
+                <a:avLst/>
+              </a:prstGeom>
+              <a:noFill/>
+            </p:spPr>
+            <p:txBody>
+              <a:bodyPr wrap="none" lIns="0" tIns="0" rIns="0" bIns="0" rtlCol="0">
+                <a:spAutoFit/>
+              </a:bodyPr>
+              <a:lstStyle/>
+              <a:p>
+                <a:r>
+                  <a:rPr lang="en-US" sz="2400" dirty="0" smtClean="0">
+                    <a:solidFill>
+                      <a:schemeClr val="tx2">
+                        <a:lumMod val="60000"/>
+                        <a:lumOff val="40000"/>
+                      </a:schemeClr>
+                    </a:solidFill>
+                    <a:ea typeface="Ebrima" pitchFamily="2" charset="0"/>
+                    <a:cs typeface="Ebrima" pitchFamily="2" charset="0"/>
+                  </a:rPr>
+                  <a:t>Controller</a:t>
+                </a:r>
+                <a:endParaRPr lang="en-US" sz="2400" dirty="0">
+                  <a:solidFill>
+                    <a:schemeClr val="tx2">
+                      <a:lumMod val="60000"/>
+                      <a:lumOff val="40000"/>
+                    </a:schemeClr>
+                  </a:solidFill>
+                  <a:ea typeface="Ebrima" pitchFamily="2" charset="0"/>
+                  <a:cs typeface="Ebrima" pitchFamily="2" charset="0"/>
+                </a:endParaRPr>
+              </a:p>
+            </p:txBody>
+          </p:sp>
+        </p:grpSp>
+        <p:grpSp>
+          <p:nvGrpSpPr>
+            <p:cNvPr id="118" name="Group 96"/>
+            <p:cNvGrpSpPr/>
+            <p:nvPr/>
+          </p:nvGrpSpPr>
+          <p:grpSpPr>
+            <a:xfrm>
+              <a:off x="23061123" y="12649200"/>
+              <a:ext cx="1093248" cy="987229"/>
+              <a:chOff x="22909752" y="11524216"/>
+              <a:chExt cx="1093248" cy="987229"/>
+            </a:xfrm>
+          </p:grpSpPr>
+          <p:pic>
+            <p:nvPicPr>
+              <p:cNvPr id="150" name="Picture 149" descr="1209193.png"/>
+              <p:cNvPicPr>
+                <a:picLocks noChangeAspect="1"/>
+              </p:cNvPicPr>
+              <p:nvPr/>
+            </p:nvPicPr>
+            <p:blipFill>
+              <a:blip r:embed="rId13" cstate="print"/>
+              <a:stretch>
+                <a:fillRect/>
+              </a:stretch>
+            </p:blipFill>
+            <p:spPr>
+              <a:xfrm>
+                <a:off x="23095534" y="11524216"/>
+                <a:ext cx="713277" cy="713277"/>
+              </a:xfrm>
+              <a:prstGeom prst="rect">
+                <a:avLst/>
+              </a:prstGeom>
+            </p:spPr>
+          </p:pic>
+          <p:sp>
+            <p:nvSpPr>
+              <p:cNvPr id="151" name="TextBox 150"/>
+              <p:cNvSpPr txBox="1"/>
+              <p:nvPr/>
+            </p:nvSpPr>
+            <p:spPr>
+              <a:xfrm>
+                <a:off x="22909752" y="12142113"/>
+                <a:ext cx="1093248" cy="369332"/>
+              </a:xfrm>
+              <a:prstGeom prst="rect">
+                <a:avLst/>
+              </a:prstGeom>
+              <a:noFill/>
+            </p:spPr>
+            <p:txBody>
+              <a:bodyPr wrap="none" lIns="0" tIns="0" rIns="0" bIns="0" rtlCol="0">
+                <a:spAutoFit/>
+              </a:bodyPr>
+              <a:lstStyle/>
+              <a:p>
+                <a:r>
+                  <a:rPr lang="en-US" sz="2400" dirty="0" smtClean="0">
+                    <a:solidFill>
+                      <a:schemeClr val="tx2">
+                        <a:lumMod val="60000"/>
+                        <a:lumOff val="40000"/>
+                      </a:schemeClr>
+                    </a:solidFill>
+                    <a:ea typeface="Ebrima" pitchFamily="2" charset="0"/>
+                    <a:cs typeface="Ebrima" pitchFamily="2" charset="0"/>
+                  </a:rPr>
+                  <a:t>Detector</a:t>
+                </a:r>
+                <a:endParaRPr lang="en-US" sz="2400" dirty="0">
+                  <a:solidFill>
+                    <a:schemeClr val="tx2">
+                      <a:lumMod val="60000"/>
+                      <a:lumOff val="40000"/>
+                    </a:schemeClr>
+                  </a:solidFill>
+                  <a:ea typeface="Ebrima" pitchFamily="2" charset="0"/>
+                  <a:cs typeface="Ebrima" pitchFamily="2" charset="0"/>
+                </a:endParaRPr>
+              </a:p>
+            </p:txBody>
+          </p:sp>
+        </p:grpSp>
+        <p:pic>
+          <p:nvPicPr>
+            <p:cNvPr id="119" name="Picture 118" descr="15342234.png"/>
+            <p:cNvPicPr>
+              <a:picLocks noChangeAspect="1"/>
+            </p:cNvPicPr>
+            <p:nvPr/>
+          </p:nvPicPr>
+          <p:blipFill>
+            <a:blip r:embed="rId16" cstate="print"/>
+            <a:stretch>
+              <a:fillRect/>
+            </a:stretch>
+          </p:blipFill>
+          <p:spPr>
+            <a:xfrm>
+              <a:off x="24998975" y="11734800"/>
+              <a:ext cx="778469" cy="778468"/>
             </a:xfrm>
             <a:prstGeom prst="rect">
               <a:avLst/>
@@ -6856,91 +6981,14 @@
         </p:pic>
         <p:sp>
           <p:nvSpPr>
-            <p:cNvPr id="155" name="TextBox 154"/>
+            <p:cNvPr id="120" name="TextBox 119"/>
             <p:cNvSpPr txBox="1"/>
             <p:nvPr/>
           </p:nvSpPr>
           <p:spPr>
             <a:xfrm>
-              <a:off x="16429423" y="19368744"/>
-              <a:ext cx="2011881" cy="580546"/>
-            </a:xfrm>
-            <a:prstGeom prst="rect">
-              <a:avLst/>
-            </a:prstGeom>
-            <a:noFill/>
-          </p:spPr>
-          <p:txBody>
-            <a:bodyPr wrap="square" lIns="0" tIns="0" rIns="0" bIns="0" rtlCol="0">
-              <a:spAutoFit/>
-            </a:bodyPr>
-            <a:lstStyle/>
-            <a:p>
-              <a:r>
-                <a:rPr lang="en-US" sz="2400" dirty="0" smtClean="0">
-                  <a:solidFill>
-                    <a:schemeClr val="tx2">
-                      <a:lumMod val="60000"/>
-                      <a:lumOff val="40000"/>
-                    </a:schemeClr>
-                  </a:solidFill>
-                  <a:ea typeface="Ebrima" pitchFamily="2" charset="0"/>
-                  <a:cs typeface="Ebrima" pitchFamily="2" charset="0"/>
-                </a:rPr>
-                <a:t>Proxy</a:t>
-              </a:r>
-            </a:p>
-          </p:txBody>
-        </p:sp>
-      </p:grpSp>
-      <p:grpSp>
-        <p:nvGrpSpPr>
-          <p:cNvPr id="117" name="Group 125"/>
-          <p:cNvGrpSpPr/>
-          <p:nvPr/>
-        </p:nvGrpSpPr>
-        <p:grpSpPr>
-          <a:xfrm>
-            <a:off x="17288393" y="12618004"/>
-            <a:ext cx="1353130" cy="1574337"/>
-            <a:chOff x="10467777" y="16383000"/>
-            <a:chExt cx="2457844" cy="2821437"/>
-          </a:xfrm>
-        </p:grpSpPr>
-        <p:pic>
-          <p:nvPicPr>
-            <p:cNvPr id="152" name="Picture 151" descr="1914499.png"/>
-            <p:cNvPicPr>
-              <a:picLocks noChangeAspect="1"/>
-            </p:cNvPicPr>
-            <p:nvPr/>
-          </p:nvPicPr>
-          <p:blipFill>
-            <a:blip r:embed="rId14" cstate="print"/>
-            <a:stretch>
-              <a:fillRect/>
-            </a:stretch>
-          </p:blipFill>
-          <p:spPr>
-            <a:xfrm>
-              <a:off x="10467777" y="16383000"/>
-              <a:ext cx="2457844" cy="2514600"/>
-            </a:xfrm>
-            <a:prstGeom prst="rect">
-              <a:avLst/>
-            </a:prstGeom>
-          </p:spPr>
-        </p:pic>
-        <p:sp>
-          <p:nvSpPr>
-            <p:cNvPr id="153" name="TextBox 152"/>
-            <p:cNvSpPr txBox="1"/>
-            <p:nvPr/>
-          </p:nvSpPr>
-          <p:spPr>
-            <a:xfrm>
-              <a:off x="10591800" y="18623890"/>
-              <a:ext cx="1926252" cy="580547"/>
+              <a:off x="25194723" y="12344400"/>
+              <a:ext cx="418384" cy="369332"/>
             </a:xfrm>
             <a:prstGeom prst="rect">
               <a:avLst/>
@@ -6964,7 +7012,7 @@
                   <a:ea typeface="Ebrima" pitchFamily="2" charset="0"/>
                   <a:cs typeface="Ebrima" pitchFamily="2" charset="0"/>
                 </a:rPr>
-                <a:t>Controller</a:t>
+                <a:t>Tag</a:t>
               </a:r>
               <a:endParaRPr lang="en-US" sz="2400" dirty="0">
                 <a:solidFill>
@@ -6979,38 +7027,23 @@
             </a:p>
           </p:txBody>
         </p:sp>
-      </p:grpSp>
-      <p:grpSp>
-        <p:nvGrpSpPr>
-          <p:cNvPr id="118" name="Group 96"/>
-          <p:cNvGrpSpPr/>
-          <p:nvPr/>
-        </p:nvGrpSpPr>
-        <p:grpSpPr>
-          <a:xfrm>
-            <a:off x="23061123" y="12649200"/>
-            <a:ext cx="1093248" cy="987229"/>
-            <a:chOff x="22909752" y="11524216"/>
-            <a:chExt cx="1093248" cy="987229"/>
-          </a:xfrm>
-        </p:grpSpPr>
         <p:pic>
           <p:nvPicPr>
-            <p:cNvPr id="150" name="Picture 149" descr="1209193.png"/>
+            <p:cNvPr id="121" name="Picture 120" descr="1209193.png"/>
             <p:cNvPicPr>
               <a:picLocks noChangeAspect="1"/>
             </p:cNvPicPr>
             <p:nvPr/>
           </p:nvPicPr>
           <p:blipFill>
-            <a:blip r:embed="rId12" cstate="print"/>
+            <a:blip r:embed="rId13" cstate="print"/>
             <a:stretch>
               <a:fillRect/>
             </a:stretch>
           </p:blipFill>
           <p:spPr>
             <a:xfrm>
-              <a:off x="23095534" y="11524216"/>
+              <a:off x="26365200" y="10259523"/>
               <a:ext cx="713277" cy="713277"/>
             </a:xfrm>
             <a:prstGeom prst="rect">
@@ -7018,16 +7051,641 @@
             </a:prstGeom>
           </p:spPr>
         </p:pic>
+        <p:grpSp>
+          <p:nvGrpSpPr>
+            <p:cNvPr id="122" name="Group 123"/>
+            <p:cNvGrpSpPr/>
+            <p:nvPr/>
+          </p:nvGrpSpPr>
+          <p:grpSpPr>
+            <a:xfrm>
+              <a:off x="15212523" y="10210800"/>
+              <a:ext cx="1274893" cy="1143000"/>
+              <a:chOff x="21869400" y="9967912"/>
+              <a:chExt cx="1447801" cy="1298020"/>
+            </a:xfrm>
+          </p:grpSpPr>
+          <p:pic>
+            <p:nvPicPr>
+              <p:cNvPr id="147" name="Picture 3" descr="H:\ECE 412\Winter 2011\Poster\PNG Icon\1305272247_1 - Macbook Pro.png"/>
+              <p:cNvPicPr>
+                <a:picLocks noChangeAspect="1" noChangeArrowheads="1"/>
+              </p:cNvPicPr>
+              <p:nvPr/>
+            </p:nvPicPr>
+            <p:blipFill>
+              <a:blip r:embed="rId17" cstate="print"/>
+              <a:srcRect/>
+              <a:stretch>
+                <a:fillRect/>
+              </a:stretch>
+            </p:blipFill>
+            <p:spPr bwMode="auto">
+              <a:xfrm>
+                <a:off x="21869400" y="9967912"/>
+                <a:ext cx="1143000" cy="1143000"/>
+              </a:xfrm>
+              <a:prstGeom prst="rect">
+                <a:avLst/>
+              </a:prstGeom>
+              <a:noFill/>
+            </p:spPr>
+          </p:pic>
+          <p:pic>
+            <p:nvPicPr>
+              <p:cNvPr id="148" name="Picture 5" descr="H:\ECE 412\Winter 2011\Poster\PNG Icon\20071280501875077805.png"/>
+              <p:cNvPicPr>
+                <a:picLocks noChangeAspect="1" noChangeArrowheads="1"/>
+              </p:cNvPicPr>
+              <p:nvPr/>
+            </p:nvPicPr>
+            <p:blipFill>
+              <a:blip r:embed="rId18" cstate="print"/>
+              <a:srcRect/>
+              <a:stretch>
+                <a:fillRect/>
+              </a:stretch>
+            </p:blipFill>
+            <p:spPr bwMode="auto">
+              <a:xfrm>
+                <a:off x="22631400" y="10210799"/>
+                <a:ext cx="685801" cy="685801"/>
+              </a:xfrm>
+              <a:prstGeom prst="rect">
+                <a:avLst/>
+              </a:prstGeom>
+              <a:noFill/>
+            </p:spPr>
+          </p:pic>
+          <p:sp>
+            <p:nvSpPr>
+              <p:cNvPr id="149" name="TextBox 148"/>
+              <p:cNvSpPr txBox="1"/>
+              <p:nvPr/>
+            </p:nvSpPr>
+            <p:spPr>
+              <a:xfrm>
+                <a:off x="22471149" y="10896600"/>
+                <a:ext cx="693651" cy="369332"/>
+              </a:xfrm>
+              <a:prstGeom prst="rect">
+                <a:avLst/>
+              </a:prstGeom>
+              <a:noFill/>
+            </p:spPr>
+            <p:txBody>
+              <a:bodyPr wrap="none" lIns="0" tIns="0" rIns="0" bIns="0" rtlCol="0">
+                <a:spAutoFit/>
+              </a:bodyPr>
+              <a:lstStyle/>
+              <a:p>
+                <a:r>
+                  <a:rPr lang="en-US" sz="2400" dirty="0" smtClean="0">
+                    <a:solidFill>
+                      <a:schemeClr val="tx2">
+                        <a:lumMod val="60000"/>
+                        <a:lumOff val="40000"/>
+                      </a:schemeClr>
+                    </a:solidFill>
+                    <a:ea typeface="Ebrima" pitchFamily="2" charset="0"/>
+                    <a:cs typeface="Ebrima" pitchFamily="2" charset="0"/>
+                  </a:rPr>
+                  <a:t>Users</a:t>
+                </a:r>
+                <a:endParaRPr lang="en-US" sz="2400" dirty="0">
+                  <a:solidFill>
+                    <a:schemeClr val="tx2">
+                      <a:lumMod val="60000"/>
+                      <a:lumOff val="40000"/>
+                    </a:schemeClr>
+                  </a:solidFill>
+                  <a:ea typeface="Ebrima" pitchFamily="2" charset="0"/>
+                  <a:cs typeface="Ebrima" pitchFamily="2" charset="0"/>
+                </a:endParaRPr>
+              </a:p>
+            </p:txBody>
+          </p:sp>
+        </p:grpSp>
+        <p:grpSp>
+          <p:nvGrpSpPr>
+            <p:cNvPr id="123" name="Group 99"/>
+            <p:cNvGrpSpPr/>
+            <p:nvPr/>
+          </p:nvGrpSpPr>
+          <p:grpSpPr>
+            <a:xfrm>
+              <a:off x="15212523" y="11594068"/>
+              <a:ext cx="990600" cy="1359932"/>
+              <a:chOff x="17373600" y="10058400"/>
+              <a:chExt cx="990600" cy="1359932"/>
+            </a:xfrm>
+          </p:grpSpPr>
+          <p:pic>
+            <p:nvPicPr>
+              <p:cNvPr id="144" name="Picture 4" descr="H:\ECE 412\Winter 2011\Poster\PNG Icon\1305272571_folder_locked.png"/>
+              <p:cNvPicPr>
+                <a:picLocks noChangeAspect="1" noChangeArrowheads="1"/>
+              </p:cNvPicPr>
+              <p:nvPr/>
+            </p:nvPicPr>
+            <p:blipFill>
+              <a:blip r:embed="rId19" cstate="print"/>
+              <a:srcRect/>
+              <a:stretch>
+                <a:fillRect/>
+              </a:stretch>
+            </p:blipFill>
+            <p:spPr bwMode="auto">
+              <a:xfrm>
+                <a:off x="17373600" y="10058400"/>
+                <a:ext cx="990600" cy="990600"/>
+              </a:xfrm>
+              <a:prstGeom prst="rect">
+                <a:avLst/>
+              </a:prstGeom>
+              <a:noFill/>
+            </p:spPr>
+          </p:pic>
+          <p:pic>
+            <p:nvPicPr>
+              <p:cNvPr id="145" name="Picture 8" descr="H:\ECE 412\Winter 2011\Poster\PNG Icon\20071280501875077808.png"/>
+              <p:cNvPicPr>
+                <a:picLocks noChangeAspect="1" noChangeArrowheads="1"/>
+              </p:cNvPicPr>
+              <p:nvPr/>
+            </p:nvPicPr>
+            <p:blipFill>
+              <a:blip r:embed="rId20" cstate="print"/>
+              <a:srcRect/>
+              <a:stretch>
+                <a:fillRect/>
+              </a:stretch>
+            </p:blipFill>
+            <p:spPr bwMode="auto">
+              <a:xfrm>
+                <a:off x="17678400" y="10515600"/>
+                <a:ext cx="609600" cy="609600"/>
+              </a:xfrm>
+              <a:prstGeom prst="rect">
+                <a:avLst/>
+              </a:prstGeom>
+              <a:noFill/>
+            </p:spPr>
+          </p:pic>
+          <p:sp>
+            <p:nvSpPr>
+              <p:cNvPr id="146" name="TextBox 145"/>
+              <p:cNvSpPr txBox="1"/>
+              <p:nvPr/>
+            </p:nvSpPr>
+            <p:spPr>
+              <a:xfrm>
+                <a:off x="17449800" y="11049000"/>
+                <a:ext cx="817531" cy="369332"/>
+              </a:xfrm>
+              <a:prstGeom prst="rect">
+                <a:avLst/>
+              </a:prstGeom>
+              <a:noFill/>
+            </p:spPr>
+            <p:txBody>
+              <a:bodyPr wrap="none" lIns="0" tIns="0" rIns="0" bIns="0" rtlCol="0">
+                <a:spAutoFit/>
+              </a:bodyPr>
+              <a:lstStyle/>
+              <a:p>
+                <a:r>
+                  <a:rPr lang="en-US" sz="2400" dirty="0" smtClean="0">
+                    <a:solidFill>
+                      <a:schemeClr val="tx2">
+                        <a:lumMod val="60000"/>
+                        <a:lumOff val="40000"/>
+                      </a:schemeClr>
+                    </a:solidFill>
+                    <a:ea typeface="Ebrima" pitchFamily="2" charset="0"/>
+                    <a:cs typeface="Ebrima" pitchFamily="2" charset="0"/>
+                  </a:rPr>
+                  <a:t>Admin</a:t>
+                </a:r>
+                <a:endParaRPr lang="en-US" sz="2400" dirty="0">
+                  <a:solidFill>
+                    <a:schemeClr val="tx2">
+                      <a:lumMod val="60000"/>
+                      <a:lumOff val="40000"/>
+                    </a:schemeClr>
+                  </a:solidFill>
+                  <a:ea typeface="Ebrima" pitchFamily="2" charset="0"/>
+                  <a:cs typeface="Ebrima" pitchFamily="2" charset="0"/>
+                </a:endParaRPr>
+              </a:p>
+            </p:txBody>
+          </p:sp>
+        </p:grpSp>
+        <p:grpSp>
+          <p:nvGrpSpPr>
+            <p:cNvPr id="124" name="Group 125"/>
+            <p:cNvGrpSpPr/>
+            <p:nvPr/>
+          </p:nvGrpSpPr>
+          <p:grpSpPr>
+            <a:xfrm>
+              <a:off x="17346123" y="10210800"/>
+              <a:ext cx="1353130" cy="1619729"/>
+              <a:chOff x="10467777" y="16383000"/>
+              <a:chExt cx="2457844" cy="2902786"/>
+            </a:xfrm>
+          </p:grpSpPr>
+          <p:pic>
+            <p:nvPicPr>
+              <p:cNvPr id="142" name="Picture 141" descr="1914499.png"/>
+              <p:cNvPicPr>
+                <a:picLocks noChangeAspect="1"/>
+              </p:cNvPicPr>
+              <p:nvPr/>
+            </p:nvPicPr>
+            <p:blipFill>
+              <a:blip r:embed="rId15" cstate="print"/>
+              <a:stretch>
+                <a:fillRect/>
+              </a:stretch>
+            </p:blipFill>
+            <p:spPr>
+              <a:xfrm>
+                <a:off x="10467777" y="16383000"/>
+                <a:ext cx="2457844" cy="2514600"/>
+              </a:xfrm>
+              <a:prstGeom prst="rect">
+                <a:avLst/>
+              </a:prstGeom>
+            </p:spPr>
+          </p:pic>
+          <p:sp>
+            <p:nvSpPr>
+              <p:cNvPr id="143" name="TextBox 142"/>
+              <p:cNvSpPr txBox="1"/>
+              <p:nvPr/>
+            </p:nvSpPr>
+            <p:spPr>
+              <a:xfrm>
+                <a:off x="10591800" y="18623890"/>
+                <a:ext cx="2087584" cy="661896"/>
+              </a:xfrm>
+              <a:prstGeom prst="rect">
+                <a:avLst/>
+              </a:prstGeom>
+              <a:noFill/>
+            </p:spPr>
+            <p:txBody>
+              <a:bodyPr wrap="none" lIns="0" tIns="0" rIns="0" bIns="0" rtlCol="0">
+                <a:spAutoFit/>
+              </a:bodyPr>
+              <a:lstStyle/>
+              <a:p>
+                <a:r>
+                  <a:rPr lang="en-US" sz="2400" dirty="0" smtClean="0">
+                    <a:solidFill>
+                      <a:schemeClr val="tx2">
+                        <a:lumMod val="60000"/>
+                        <a:lumOff val="40000"/>
+                      </a:schemeClr>
+                    </a:solidFill>
+                    <a:ea typeface="Ebrima" pitchFamily="2" charset="0"/>
+                    <a:cs typeface="Ebrima" pitchFamily="2" charset="0"/>
+                  </a:rPr>
+                  <a:t>Web App</a:t>
+                </a:r>
+                <a:endParaRPr lang="en-US" sz="2400" dirty="0">
+                  <a:solidFill>
+                    <a:schemeClr val="tx2">
+                      <a:lumMod val="60000"/>
+                      <a:lumOff val="40000"/>
+                    </a:schemeClr>
+                  </a:solidFill>
+                  <a:ea typeface="Ebrima" pitchFamily="2" charset="0"/>
+                  <a:cs typeface="Ebrima" pitchFamily="2" charset="0"/>
+                </a:endParaRPr>
+              </a:p>
+            </p:txBody>
+          </p:sp>
+        </p:grpSp>
+        <p:grpSp>
+          <p:nvGrpSpPr>
+            <p:cNvPr id="125" name="Group 114"/>
+            <p:cNvGrpSpPr/>
+            <p:nvPr/>
+          </p:nvGrpSpPr>
+          <p:grpSpPr>
+            <a:xfrm>
+              <a:off x="19784523" y="11277600"/>
+              <a:ext cx="939800" cy="990600"/>
+              <a:chOff x="19964400" y="10668000"/>
+              <a:chExt cx="939800" cy="990600"/>
+            </a:xfrm>
+          </p:grpSpPr>
+          <p:pic>
+            <p:nvPicPr>
+              <p:cNvPr id="140" name="Picture 2" descr="D:\PSU\ECE 412\Winter 2011\Poster\PNG Icon\Server.png"/>
+              <p:cNvPicPr>
+                <a:picLocks noChangeAspect="1" noChangeArrowheads="1"/>
+              </p:cNvPicPr>
+              <p:nvPr/>
+            </p:nvPicPr>
+            <p:blipFill>
+              <a:blip r:embed="rId21" cstate="print"/>
+              <a:srcRect/>
+              <a:stretch>
+                <a:fillRect/>
+              </a:stretch>
+            </p:blipFill>
+            <p:spPr bwMode="auto">
+              <a:xfrm>
+                <a:off x="19964400" y="10668000"/>
+                <a:ext cx="939800" cy="939800"/>
+              </a:xfrm>
+              <a:prstGeom prst="rect">
+                <a:avLst/>
+              </a:prstGeom>
+              <a:noFill/>
+            </p:spPr>
+          </p:pic>
+          <p:pic>
+            <p:nvPicPr>
+              <p:cNvPr id="141" name="Picture 4" descr="C:\Users\WOODY\Desktop\Image\Free-Database-Add-icon.png"/>
+              <p:cNvPicPr>
+                <a:picLocks noChangeAspect="1" noChangeArrowheads="1"/>
+              </p:cNvPicPr>
+              <p:nvPr/>
+            </p:nvPicPr>
+            <p:blipFill>
+              <a:blip r:embed="rId22" cstate="print"/>
+              <a:srcRect/>
+              <a:stretch>
+                <a:fillRect/>
+              </a:stretch>
+            </p:blipFill>
+            <p:spPr bwMode="auto">
+              <a:xfrm>
+                <a:off x="20307300" y="11125200"/>
+                <a:ext cx="533400" cy="533400"/>
+              </a:xfrm>
+              <a:prstGeom prst="rect">
+                <a:avLst/>
+              </a:prstGeom>
+              <a:noFill/>
+            </p:spPr>
+          </p:pic>
+        </p:grpSp>
         <p:sp>
           <p:nvSpPr>
-            <p:cNvPr id="151" name="TextBox 150"/>
+            <p:cNvPr id="126" name="Left Arrow 125"/>
+            <p:cNvSpPr/>
+            <p:nvPr/>
+          </p:nvSpPr>
+          <p:spPr>
+            <a:xfrm>
+              <a:off x="18666923" y="13106400"/>
+              <a:ext cx="2133600" cy="304800"/>
+            </a:xfrm>
+            <a:prstGeom prst="leftArrow">
+              <a:avLst/>
+            </a:prstGeom>
+            <a:solidFill>
+              <a:schemeClr val="tx2">
+                <a:lumMod val="20000"/>
+                <a:lumOff val="80000"/>
+              </a:schemeClr>
+            </a:solidFill>
+            <a:ln>
+              <a:solidFill>
+                <a:schemeClr val="bg1"/>
+              </a:solidFill>
+            </a:ln>
+          </p:spPr>
+          <p:style>
+            <a:lnRef idx="2">
+              <a:schemeClr val="accent1">
+                <a:shade val="50000"/>
+              </a:schemeClr>
+            </a:lnRef>
+            <a:fillRef idx="1">
+              <a:schemeClr val="accent1"/>
+            </a:fillRef>
+            <a:effectRef idx="0">
+              <a:schemeClr val="accent1"/>
+            </a:effectRef>
+            <a:fontRef idx="minor">
+              <a:schemeClr val="lt1"/>
+            </a:fontRef>
+          </p:style>
+          <p:txBody>
+            <a:bodyPr rtlCol="0" anchor="ctr"/>
+            <a:lstStyle/>
+            <a:p>
+              <a:pPr algn="ctr"/>
+              <a:endParaRPr lang="en-US"/>
+            </a:p>
+          </p:txBody>
+        </p:sp>
+        <p:pic>
+          <p:nvPicPr>
+            <p:cNvPr id="127" name="Picture 9" descr="H:\ECE 412\Winter 2011\Poster\PNG Icon\WiFi_2.jpg"/>
+            <p:cNvPicPr>
+              <a:picLocks noChangeAspect="1" noChangeArrowheads="1"/>
+            </p:cNvPicPr>
+            <p:nvPr/>
+          </p:nvPicPr>
+          <p:blipFill>
+            <a:blip r:embed="rId23" cstate="print">
+              <a:clrChange>
+                <a:clrFrom>
+                  <a:srgbClr val="FFFFFF"/>
+                </a:clrFrom>
+                <a:clrTo>
+                  <a:srgbClr val="FFFFFF">
+                    <a:alpha val="0"/>
+                  </a:srgbClr>
+                </a:clrTo>
+              </a:clrChange>
+            </a:blip>
+            <a:srcRect/>
+            <a:stretch>
+              <a:fillRect/>
+            </a:stretch>
+          </p:blipFill>
+          <p:spPr bwMode="auto">
+            <a:xfrm>
+              <a:off x="19327323" y="12827000"/>
+              <a:ext cx="838200" cy="838200"/>
+            </a:xfrm>
+            <a:prstGeom prst="rect">
+              <a:avLst/>
+            </a:prstGeom>
+            <a:noFill/>
+          </p:spPr>
+        </p:pic>
+        <p:sp>
+          <p:nvSpPr>
+            <p:cNvPr id="128" name="Right Arrow 127"/>
+            <p:cNvSpPr/>
+            <p:nvPr/>
+          </p:nvSpPr>
+          <p:spPr>
+            <a:xfrm>
+              <a:off x="16482523" y="10515600"/>
+              <a:ext cx="838200" cy="304800"/>
+            </a:xfrm>
+            <a:prstGeom prst="rightArrow">
+              <a:avLst/>
+            </a:prstGeom>
+            <a:solidFill>
+              <a:schemeClr val="tx2">
+                <a:lumMod val="20000"/>
+                <a:lumOff val="80000"/>
+              </a:schemeClr>
+            </a:solidFill>
+            <a:ln>
+              <a:solidFill>
+                <a:schemeClr val="bg1"/>
+              </a:solidFill>
+            </a:ln>
+          </p:spPr>
+          <p:style>
+            <a:lnRef idx="2">
+              <a:schemeClr val="accent1">
+                <a:shade val="50000"/>
+              </a:schemeClr>
+            </a:lnRef>
+            <a:fillRef idx="1">
+              <a:schemeClr val="accent1"/>
+            </a:fillRef>
+            <a:effectRef idx="0">
+              <a:schemeClr val="accent1"/>
+            </a:effectRef>
+            <a:fontRef idx="minor">
+              <a:schemeClr val="lt1"/>
+            </a:fontRef>
+          </p:style>
+          <p:txBody>
+            <a:bodyPr rtlCol="0" anchor="ctr"/>
+            <a:lstStyle/>
+            <a:p>
+              <a:pPr algn="ctr"/>
+              <a:endParaRPr lang="en-US"/>
+            </a:p>
+          </p:txBody>
+        </p:sp>
+        <p:sp>
+          <p:nvSpPr>
+            <p:cNvPr id="129" name="Left-Right Arrow 128"/>
+            <p:cNvSpPr/>
+            <p:nvPr/>
+          </p:nvSpPr>
+          <p:spPr>
+            <a:xfrm rot="2295083">
+              <a:off x="18584706" y="11266386"/>
+              <a:ext cx="1368097" cy="300054"/>
+            </a:xfrm>
+            <a:prstGeom prst="leftRightArrow">
+              <a:avLst/>
+            </a:prstGeom>
+            <a:solidFill>
+              <a:schemeClr val="tx2">
+                <a:lumMod val="20000"/>
+                <a:lumOff val="80000"/>
+              </a:schemeClr>
+            </a:solidFill>
+            <a:ln>
+              <a:solidFill>
+                <a:schemeClr val="bg1"/>
+              </a:solidFill>
+            </a:ln>
+          </p:spPr>
+          <p:style>
+            <a:lnRef idx="2">
+              <a:schemeClr val="accent1">
+                <a:shade val="50000"/>
+              </a:schemeClr>
+            </a:lnRef>
+            <a:fillRef idx="1">
+              <a:schemeClr val="accent1"/>
+            </a:fillRef>
+            <a:effectRef idx="0">
+              <a:schemeClr val="accent1"/>
+            </a:effectRef>
+            <a:fontRef idx="minor">
+              <a:schemeClr val="lt1"/>
+            </a:fontRef>
+          </p:style>
+          <p:txBody>
+            <a:bodyPr rtlCol="0" anchor="ctr"/>
+            <a:lstStyle/>
+            <a:p>
+              <a:pPr algn="ctr"/>
+              <a:endParaRPr lang="en-US"/>
+            </a:p>
+          </p:txBody>
+        </p:sp>
+        <p:sp>
+          <p:nvSpPr>
+            <p:cNvPr id="130" name="Left-Right Arrow 129"/>
+            <p:cNvSpPr/>
+            <p:nvPr/>
+          </p:nvSpPr>
+          <p:spPr>
+            <a:xfrm rot="19026531">
+              <a:off x="18475243" y="12343501"/>
+              <a:ext cx="1516742" cy="293900"/>
+            </a:xfrm>
+            <a:prstGeom prst="leftRightArrow">
+              <a:avLst/>
+            </a:prstGeom>
+            <a:solidFill>
+              <a:schemeClr val="tx2">
+                <a:lumMod val="20000"/>
+                <a:lumOff val="80000"/>
+              </a:schemeClr>
+            </a:solidFill>
+            <a:ln>
+              <a:solidFill>
+                <a:schemeClr val="bg1"/>
+              </a:solidFill>
+            </a:ln>
+          </p:spPr>
+          <p:style>
+            <a:lnRef idx="2">
+              <a:schemeClr val="accent1">
+                <a:shade val="50000"/>
+              </a:schemeClr>
+            </a:lnRef>
+            <a:fillRef idx="1">
+              <a:schemeClr val="accent1"/>
+            </a:fillRef>
+            <a:effectRef idx="0">
+              <a:schemeClr val="accent1"/>
+            </a:effectRef>
+            <a:fontRef idx="minor">
+              <a:schemeClr val="lt1"/>
+            </a:fontRef>
+          </p:style>
+          <p:txBody>
+            <a:bodyPr rtlCol="0" anchor="ctr"/>
+            <a:lstStyle/>
+            <a:p>
+              <a:pPr algn="ctr"/>
+              <a:endParaRPr lang="en-US"/>
+            </a:p>
+          </p:txBody>
+        </p:sp>
+        <p:sp>
+          <p:nvSpPr>
+            <p:cNvPr id="131" name="TextBox 130"/>
             <p:cNvSpPr txBox="1"/>
             <p:nvPr/>
           </p:nvSpPr>
           <p:spPr>
             <a:xfrm>
-              <a:off x="22909752" y="12142113"/>
-              <a:ext cx="1093248" cy="369332"/>
+              <a:off x="20667234" y="11506200"/>
+              <a:ext cx="1163524" cy="369332"/>
             </a:xfrm>
             <a:prstGeom prst="rect">
               <a:avLst/>
@@ -7051,7 +7709,7 @@
                   <a:ea typeface="Ebrima" pitchFamily="2" charset="0"/>
                   <a:cs typeface="Ebrima" pitchFamily="2" charset="0"/>
                 </a:rPr>
-                <a:t>Detector</a:t>
+                <a:t>Database</a:t>
               </a:r>
               <a:endParaRPr lang="en-US" sz="2400" dirty="0">
                 <a:solidFill>
@@ -7066,1117 +7724,30 @@
             </a:p>
           </p:txBody>
         </p:sp>
-      </p:grpSp>
-      <p:pic>
-        <p:nvPicPr>
-          <p:cNvPr id="119" name="Picture 118" descr="15342234.png"/>
-          <p:cNvPicPr>
-            <a:picLocks noChangeAspect="1"/>
-          </p:cNvPicPr>
-          <p:nvPr/>
-        </p:nvPicPr>
-        <p:blipFill>
-          <a:blip r:embed="rId15" cstate="print"/>
-          <a:stretch>
-            <a:fillRect/>
-          </a:stretch>
-        </p:blipFill>
-        <p:spPr>
-          <a:xfrm>
-            <a:off x="24998975" y="11734800"/>
-            <a:ext cx="778469" cy="778468"/>
-          </a:xfrm>
-          <a:prstGeom prst="rect">
-            <a:avLst/>
-          </a:prstGeom>
-        </p:spPr>
-      </p:pic>
-      <p:sp>
-        <p:nvSpPr>
-          <p:cNvPr id="120" name="TextBox 119"/>
-          <p:cNvSpPr txBox="1"/>
-          <p:nvPr/>
-        </p:nvSpPr>
-        <p:spPr>
-          <a:xfrm>
-            <a:off x="25194723" y="12344400"/>
-            <a:ext cx="418384" cy="369332"/>
-          </a:xfrm>
-          <a:prstGeom prst="rect">
-            <a:avLst/>
-          </a:prstGeom>
-          <a:noFill/>
-        </p:spPr>
-        <p:txBody>
-          <a:bodyPr wrap="none" lIns="0" tIns="0" rIns="0" bIns="0" rtlCol="0">
-            <a:spAutoFit/>
-          </a:bodyPr>
-          <a:lstStyle/>
-          <a:p>
-            <a:r>
-              <a:rPr lang="en-US" sz="2400" dirty="0" smtClean="0">
-                <a:solidFill>
-                  <a:schemeClr val="tx2">
-                    <a:lumMod val="60000"/>
-                    <a:lumOff val="40000"/>
-                  </a:schemeClr>
-                </a:solidFill>
-                <a:ea typeface="Ebrima" pitchFamily="2" charset="0"/>
-                <a:cs typeface="Ebrima" pitchFamily="2" charset="0"/>
-              </a:rPr>
-              <a:t>Tag</a:t>
-            </a:r>
-            <a:endParaRPr lang="en-US" sz="2400" dirty="0">
-              <a:solidFill>
-                <a:schemeClr val="tx2">
-                  <a:lumMod val="60000"/>
-                  <a:lumOff val="40000"/>
-                </a:schemeClr>
-              </a:solidFill>
-              <a:ea typeface="Ebrima" pitchFamily="2" charset="0"/>
-              <a:cs typeface="Ebrima" pitchFamily="2" charset="0"/>
-            </a:endParaRPr>
-          </a:p>
-        </p:txBody>
-      </p:sp>
-      <p:pic>
-        <p:nvPicPr>
-          <p:cNvPr id="121" name="Picture 120" descr="1209193.png"/>
-          <p:cNvPicPr>
-            <a:picLocks noChangeAspect="1"/>
-          </p:cNvPicPr>
-          <p:nvPr/>
-        </p:nvPicPr>
-        <p:blipFill>
-          <a:blip r:embed="rId12" cstate="print"/>
-          <a:stretch>
-            <a:fillRect/>
-          </a:stretch>
-        </p:blipFill>
-        <p:spPr>
-          <a:xfrm>
-            <a:off x="26365200" y="10259523"/>
-            <a:ext cx="713277" cy="713277"/>
-          </a:xfrm>
-          <a:prstGeom prst="rect">
-            <a:avLst/>
-          </a:prstGeom>
-        </p:spPr>
-      </p:pic>
-      <p:grpSp>
-        <p:nvGrpSpPr>
-          <p:cNvPr id="122" name="Group 123"/>
-          <p:cNvGrpSpPr/>
-          <p:nvPr/>
-        </p:nvGrpSpPr>
-        <p:grpSpPr>
-          <a:xfrm>
-            <a:off x="15212523" y="10210800"/>
-            <a:ext cx="1274893" cy="1143000"/>
-            <a:chOff x="21869400" y="9967912"/>
-            <a:chExt cx="1447801" cy="1298020"/>
-          </a:xfrm>
-        </p:grpSpPr>
-        <p:pic>
-          <p:nvPicPr>
-            <p:cNvPr id="147" name="Picture 3" descr="H:\ECE 412\Winter 2011\Poster\PNG Icon\1305272247_1 - Macbook Pro.png"/>
-            <p:cNvPicPr>
-              <a:picLocks noChangeAspect="1" noChangeArrowheads="1"/>
-            </p:cNvPicPr>
-            <p:nvPr/>
-          </p:nvPicPr>
-          <p:blipFill>
-            <a:blip r:embed="rId16" cstate="print"/>
-            <a:srcRect/>
-            <a:stretch>
-              <a:fillRect/>
-            </a:stretch>
-          </p:blipFill>
-          <p:spPr bwMode="auto">
-            <a:xfrm>
-              <a:off x="21869400" y="9967912"/>
-              <a:ext cx="1143000" cy="1143000"/>
-            </a:xfrm>
-            <a:prstGeom prst="rect">
-              <a:avLst/>
-            </a:prstGeom>
-            <a:noFill/>
-          </p:spPr>
-        </p:pic>
-        <p:pic>
-          <p:nvPicPr>
-            <p:cNvPr id="148" name="Picture 5" descr="H:\ECE 412\Winter 2011\Poster\PNG Icon\20071280501875077805.png"/>
-            <p:cNvPicPr>
-              <a:picLocks noChangeAspect="1" noChangeArrowheads="1"/>
-            </p:cNvPicPr>
-            <p:nvPr/>
-          </p:nvPicPr>
-          <p:blipFill>
-            <a:blip r:embed="rId17" cstate="print"/>
-            <a:srcRect/>
-            <a:stretch>
-              <a:fillRect/>
-            </a:stretch>
-          </p:blipFill>
-          <p:spPr bwMode="auto">
-            <a:xfrm>
-              <a:off x="22631400" y="10210799"/>
-              <a:ext cx="685801" cy="685801"/>
-            </a:xfrm>
-            <a:prstGeom prst="rect">
-              <a:avLst/>
-            </a:prstGeom>
-            <a:noFill/>
-          </p:spPr>
-        </p:pic>
         <p:sp>
           <p:nvSpPr>
-            <p:cNvPr id="149" name="TextBox 148"/>
-            <p:cNvSpPr txBox="1"/>
-            <p:nvPr/>
-          </p:nvSpPr>
-          <p:spPr>
-            <a:xfrm>
-              <a:off x="22471149" y="10896600"/>
-              <a:ext cx="693651" cy="369332"/>
-            </a:xfrm>
-            <a:prstGeom prst="rect">
-              <a:avLst/>
-            </a:prstGeom>
-            <a:noFill/>
-          </p:spPr>
-          <p:txBody>
-            <a:bodyPr wrap="none" lIns="0" tIns="0" rIns="0" bIns="0" rtlCol="0">
-              <a:spAutoFit/>
-            </a:bodyPr>
-            <a:lstStyle/>
-            <a:p>
-              <a:r>
-                <a:rPr lang="en-US" sz="2400" dirty="0" smtClean="0">
-                  <a:solidFill>
-                    <a:schemeClr val="tx2">
-                      <a:lumMod val="60000"/>
-                      <a:lumOff val="40000"/>
-                    </a:schemeClr>
-                  </a:solidFill>
-                  <a:ea typeface="Ebrima" pitchFamily="2" charset="0"/>
-                  <a:cs typeface="Ebrima" pitchFamily="2" charset="0"/>
-                </a:rPr>
-                <a:t>Users</a:t>
-              </a:r>
-              <a:endParaRPr lang="en-US" sz="2400" dirty="0">
-                <a:solidFill>
-                  <a:schemeClr val="tx2">
-                    <a:lumMod val="60000"/>
-                    <a:lumOff val="40000"/>
-                  </a:schemeClr>
-                </a:solidFill>
-                <a:ea typeface="Ebrima" pitchFamily="2" charset="0"/>
-                <a:cs typeface="Ebrima" pitchFamily="2" charset="0"/>
-              </a:endParaRPr>
-            </a:p>
-          </p:txBody>
-        </p:sp>
-      </p:grpSp>
-      <p:grpSp>
-        <p:nvGrpSpPr>
-          <p:cNvPr id="123" name="Group 99"/>
-          <p:cNvGrpSpPr/>
-          <p:nvPr/>
-        </p:nvGrpSpPr>
-        <p:grpSpPr>
-          <a:xfrm>
-            <a:off x="15212523" y="11594068"/>
-            <a:ext cx="990600" cy="1359932"/>
-            <a:chOff x="17373600" y="10058400"/>
-            <a:chExt cx="990600" cy="1359932"/>
-          </a:xfrm>
-        </p:grpSpPr>
-        <p:pic>
-          <p:nvPicPr>
-            <p:cNvPr id="144" name="Picture 4" descr="H:\ECE 412\Winter 2011\Poster\PNG Icon\1305272571_folder_locked.png"/>
-            <p:cNvPicPr>
-              <a:picLocks noChangeAspect="1" noChangeArrowheads="1"/>
-            </p:cNvPicPr>
-            <p:nvPr/>
-          </p:nvPicPr>
-          <p:blipFill>
-            <a:blip r:embed="rId18" cstate="print"/>
-            <a:srcRect/>
-            <a:stretch>
-              <a:fillRect/>
-            </a:stretch>
-          </p:blipFill>
-          <p:spPr bwMode="auto">
-            <a:xfrm>
-              <a:off x="17373600" y="10058400"/>
-              <a:ext cx="990600" cy="990600"/>
-            </a:xfrm>
-            <a:prstGeom prst="rect">
-              <a:avLst/>
-            </a:prstGeom>
-            <a:noFill/>
-          </p:spPr>
-        </p:pic>
-        <p:pic>
-          <p:nvPicPr>
-            <p:cNvPr id="145" name="Picture 8" descr="H:\ECE 412\Winter 2011\Poster\PNG Icon\20071280501875077808.png"/>
-            <p:cNvPicPr>
-              <a:picLocks noChangeAspect="1" noChangeArrowheads="1"/>
-            </p:cNvPicPr>
-            <p:nvPr/>
-          </p:nvPicPr>
-          <p:blipFill>
-            <a:blip r:embed="rId19" cstate="print"/>
-            <a:srcRect/>
-            <a:stretch>
-              <a:fillRect/>
-            </a:stretch>
-          </p:blipFill>
-          <p:spPr bwMode="auto">
-            <a:xfrm>
-              <a:off x="17678400" y="10515600"/>
-              <a:ext cx="609600" cy="609600"/>
-            </a:xfrm>
-            <a:prstGeom prst="rect">
-              <a:avLst/>
-            </a:prstGeom>
-            <a:noFill/>
-          </p:spPr>
-        </p:pic>
-        <p:sp>
-          <p:nvSpPr>
-            <p:cNvPr id="146" name="TextBox 145"/>
-            <p:cNvSpPr txBox="1"/>
-            <p:nvPr/>
-          </p:nvSpPr>
-          <p:spPr>
-            <a:xfrm>
-              <a:off x="17449800" y="11049000"/>
-              <a:ext cx="817531" cy="369332"/>
-            </a:xfrm>
-            <a:prstGeom prst="rect">
-              <a:avLst/>
-            </a:prstGeom>
-            <a:noFill/>
-          </p:spPr>
-          <p:txBody>
-            <a:bodyPr wrap="none" lIns="0" tIns="0" rIns="0" bIns="0" rtlCol="0">
-              <a:spAutoFit/>
-            </a:bodyPr>
-            <a:lstStyle/>
-            <a:p>
-              <a:r>
-                <a:rPr lang="en-US" sz="2400" dirty="0" smtClean="0">
-                  <a:solidFill>
-                    <a:schemeClr val="tx2">
-                      <a:lumMod val="60000"/>
-                      <a:lumOff val="40000"/>
-                    </a:schemeClr>
-                  </a:solidFill>
-                  <a:ea typeface="Ebrima" pitchFamily="2" charset="0"/>
-                  <a:cs typeface="Ebrima" pitchFamily="2" charset="0"/>
-                </a:rPr>
-                <a:t>Admin</a:t>
-              </a:r>
-              <a:endParaRPr lang="en-US" sz="2400" dirty="0">
-                <a:solidFill>
-                  <a:schemeClr val="tx2">
-                    <a:lumMod val="60000"/>
-                    <a:lumOff val="40000"/>
-                  </a:schemeClr>
-                </a:solidFill>
-                <a:ea typeface="Ebrima" pitchFamily="2" charset="0"/>
-                <a:cs typeface="Ebrima" pitchFamily="2" charset="0"/>
-              </a:endParaRPr>
-            </a:p>
-          </p:txBody>
-        </p:sp>
-      </p:grpSp>
-      <p:grpSp>
-        <p:nvGrpSpPr>
-          <p:cNvPr id="124" name="Group 125"/>
-          <p:cNvGrpSpPr/>
-          <p:nvPr/>
-        </p:nvGrpSpPr>
-        <p:grpSpPr>
-          <a:xfrm>
-            <a:off x="17346123" y="10210800"/>
-            <a:ext cx="1353130" cy="1619729"/>
-            <a:chOff x="10467777" y="16383000"/>
-            <a:chExt cx="2457844" cy="2902786"/>
-          </a:xfrm>
-        </p:grpSpPr>
-        <p:pic>
-          <p:nvPicPr>
-            <p:cNvPr id="142" name="Picture 141" descr="1914499.png"/>
-            <p:cNvPicPr>
-              <a:picLocks noChangeAspect="1"/>
-            </p:cNvPicPr>
-            <p:nvPr/>
-          </p:nvPicPr>
-          <p:blipFill>
-            <a:blip r:embed="rId14" cstate="print"/>
-            <a:stretch>
-              <a:fillRect/>
-            </a:stretch>
-          </p:blipFill>
-          <p:spPr>
-            <a:xfrm>
-              <a:off x="10467777" y="16383000"/>
-              <a:ext cx="2457844" cy="2514600"/>
-            </a:xfrm>
-            <a:prstGeom prst="rect">
-              <a:avLst/>
-            </a:prstGeom>
-          </p:spPr>
-        </p:pic>
-        <p:sp>
-          <p:nvSpPr>
-            <p:cNvPr id="143" name="TextBox 142"/>
-            <p:cNvSpPr txBox="1"/>
-            <p:nvPr/>
-          </p:nvSpPr>
-          <p:spPr>
-            <a:xfrm>
-              <a:off x="10591800" y="18623890"/>
-              <a:ext cx="2087584" cy="661896"/>
-            </a:xfrm>
-            <a:prstGeom prst="rect">
-              <a:avLst/>
-            </a:prstGeom>
-            <a:noFill/>
-          </p:spPr>
-          <p:txBody>
-            <a:bodyPr wrap="none" lIns="0" tIns="0" rIns="0" bIns="0" rtlCol="0">
-              <a:spAutoFit/>
-            </a:bodyPr>
-            <a:lstStyle/>
-            <a:p>
-              <a:r>
-                <a:rPr lang="en-US" sz="2400" dirty="0" smtClean="0">
-                  <a:solidFill>
-                    <a:schemeClr val="tx2">
-                      <a:lumMod val="60000"/>
-                      <a:lumOff val="40000"/>
-                    </a:schemeClr>
-                  </a:solidFill>
-                  <a:ea typeface="Ebrima" pitchFamily="2" charset="0"/>
-                  <a:cs typeface="Ebrima" pitchFamily="2" charset="0"/>
-                </a:rPr>
-                <a:t>Web App</a:t>
-              </a:r>
-              <a:endParaRPr lang="en-US" sz="2400" dirty="0">
-                <a:solidFill>
-                  <a:schemeClr val="tx2">
-                    <a:lumMod val="60000"/>
-                    <a:lumOff val="40000"/>
-                  </a:schemeClr>
-                </a:solidFill>
-                <a:ea typeface="Ebrima" pitchFamily="2" charset="0"/>
-                <a:cs typeface="Ebrima" pitchFamily="2" charset="0"/>
-              </a:endParaRPr>
-            </a:p>
-          </p:txBody>
-        </p:sp>
-      </p:grpSp>
-      <p:grpSp>
-        <p:nvGrpSpPr>
-          <p:cNvPr id="125" name="Group 114"/>
-          <p:cNvGrpSpPr/>
-          <p:nvPr/>
-        </p:nvGrpSpPr>
-        <p:grpSpPr>
-          <a:xfrm>
-            <a:off x="19784523" y="11277600"/>
-            <a:ext cx="939800" cy="990600"/>
-            <a:chOff x="19964400" y="10668000"/>
-            <a:chExt cx="939800" cy="990600"/>
-          </a:xfrm>
-        </p:grpSpPr>
-        <p:pic>
-          <p:nvPicPr>
-            <p:cNvPr id="140" name="Picture 2" descr="D:\PSU\ECE 412\Winter 2011\Poster\PNG Icon\Server.png"/>
-            <p:cNvPicPr>
-              <a:picLocks noChangeAspect="1" noChangeArrowheads="1"/>
-            </p:cNvPicPr>
-            <p:nvPr/>
-          </p:nvPicPr>
-          <p:blipFill>
-            <a:blip r:embed="rId20" cstate="print"/>
-            <a:srcRect/>
-            <a:stretch>
-              <a:fillRect/>
-            </a:stretch>
-          </p:blipFill>
-          <p:spPr bwMode="auto">
-            <a:xfrm>
-              <a:off x="19964400" y="10668000"/>
-              <a:ext cx="939800" cy="939800"/>
-            </a:xfrm>
-            <a:prstGeom prst="rect">
-              <a:avLst/>
-            </a:prstGeom>
-            <a:noFill/>
-          </p:spPr>
-        </p:pic>
-        <p:pic>
-          <p:nvPicPr>
-            <p:cNvPr id="141" name="Picture 4" descr="C:\Users\WOODY\Desktop\Image\Free-Database-Add-icon.png"/>
-            <p:cNvPicPr>
-              <a:picLocks noChangeAspect="1" noChangeArrowheads="1"/>
-            </p:cNvPicPr>
-            <p:nvPr/>
-          </p:nvPicPr>
-          <p:blipFill>
-            <a:blip r:embed="rId21" cstate="print"/>
-            <a:srcRect/>
-            <a:stretch>
-              <a:fillRect/>
-            </a:stretch>
-          </p:blipFill>
-          <p:spPr bwMode="auto">
-            <a:xfrm>
-              <a:off x="20307300" y="11125200"/>
-              <a:ext cx="533400" cy="533400"/>
-            </a:xfrm>
-            <a:prstGeom prst="rect">
-              <a:avLst/>
-            </a:prstGeom>
-            <a:noFill/>
-          </p:spPr>
-        </p:pic>
-      </p:grpSp>
-      <p:sp>
-        <p:nvSpPr>
-          <p:cNvPr id="126" name="Left Arrow 125"/>
-          <p:cNvSpPr/>
-          <p:nvPr/>
-        </p:nvSpPr>
-        <p:spPr>
-          <a:xfrm>
-            <a:off x="18666923" y="13106400"/>
-            <a:ext cx="2133600" cy="304800"/>
-          </a:xfrm>
-          <a:prstGeom prst="leftArrow">
-            <a:avLst/>
-          </a:prstGeom>
-          <a:solidFill>
-            <a:schemeClr val="tx2">
-              <a:lumMod val="20000"/>
-              <a:lumOff val="80000"/>
-            </a:schemeClr>
-          </a:solidFill>
-          <a:ln>
-            <a:solidFill>
-              <a:schemeClr val="bg1"/>
-            </a:solidFill>
-          </a:ln>
-        </p:spPr>
-        <p:style>
-          <a:lnRef idx="2">
-            <a:schemeClr val="accent1">
-              <a:shade val="50000"/>
-            </a:schemeClr>
-          </a:lnRef>
-          <a:fillRef idx="1">
-            <a:schemeClr val="accent1"/>
-          </a:fillRef>
-          <a:effectRef idx="0">
-            <a:schemeClr val="accent1"/>
-          </a:effectRef>
-          <a:fontRef idx="minor">
-            <a:schemeClr val="lt1"/>
-          </a:fontRef>
-        </p:style>
-        <p:txBody>
-          <a:bodyPr rtlCol="0" anchor="ctr"/>
-          <a:lstStyle/>
-          <a:p>
-            <a:pPr algn="ctr"/>
-            <a:endParaRPr lang="en-US"/>
-          </a:p>
-        </p:txBody>
-      </p:sp>
-      <p:pic>
-        <p:nvPicPr>
-          <p:cNvPr id="127" name="Picture 9" descr="H:\ECE 412\Winter 2011\Poster\PNG Icon\WiFi_2.jpg"/>
-          <p:cNvPicPr>
-            <a:picLocks noChangeAspect="1" noChangeArrowheads="1"/>
-          </p:cNvPicPr>
-          <p:nvPr/>
-        </p:nvPicPr>
-        <p:blipFill>
-          <a:blip r:embed="rId22" cstate="print">
-            <a:clrChange>
-              <a:clrFrom>
-                <a:srgbClr val="FFFFFF"/>
-              </a:clrFrom>
-              <a:clrTo>
-                <a:srgbClr val="FFFFFF">
-                  <a:alpha val="0"/>
-                </a:srgbClr>
-              </a:clrTo>
-            </a:clrChange>
-          </a:blip>
-          <a:srcRect/>
-          <a:stretch>
-            <a:fillRect/>
-          </a:stretch>
-        </p:blipFill>
-        <p:spPr bwMode="auto">
-          <a:xfrm>
-            <a:off x="19327323" y="12827000"/>
-            <a:ext cx="838200" cy="838200"/>
-          </a:xfrm>
-          <a:prstGeom prst="rect">
-            <a:avLst/>
-          </a:prstGeom>
-          <a:noFill/>
-        </p:spPr>
-      </p:pic>
-      <p:sp>
-        <p:nvSpPr>
-          <p:cNvPr id="128" name="Right Arrow 127"/>
-          <p:cNvSpPr/>
-          <p:nvPr/>
-        </p:nvSpPr>
-        <p:spPr>
-          <a:xfrm>
-            <a:off x="16482523" y="10515600"/>
-            <a:ext cx="838200" cy="304800"/>
-          </a:xfrm>
-          <a:prstGeom prst="rightArrow">
-            <a:avLst/>
-          </a:prstGeom>
-          <a:solidFill>
-            <a:schemeClr val="tx2">
-              <a:lumMod val="20000"/>
-              <a:lumOff val="80000"/>
-            </a:schemeClr>
-          </a:solidFill>
-          <a:ln>
-            <a:solidFill>
-              <a:schemeClr val="bg1"/>
-            </a:solidFill>
-          </a:ln>
-        </p:spPr>
-        <p:style>
-          <a:lnRef idx="2">
-            <a:schemeClr val="accent1">
-              <a:shade val="50000"/>
-            </a:schemeClr>
-          </a:lnRef>
-          <a:fillRef idx="1">
-            <a:schemeClr val="accent1"/>
-          </a:fillRef>
-          <a:effectRef idx="0">
-            <a:schemeClr val="accent1"/>
-          </a:effectRef>
-          <a:fontRef idx="minor">
-            <a:schemeClr val="lt1"/>
-          </a:fontRef>
-        </p:style>
-        <p:txBody>
-          <a:bodyPr rtlCol="0" anchor="ctr"/>
-          <a:lstStyle/>
-          <a:p>
-            <a:pPr algn="ctr"/>
-            <a:endParaRPr lang="en-US"/>
-          </a:p>
-        </p:txBody>
-      </p:sp>
-      <p:sp>
-        <p:nvSpPr>
-          <p:cNvPr id="129" name="Left-Right Arrow 128"/>
-          <p:cNvSpPr/>
-          <p:nvPr/>
-        </p:nvSpPr>
-        <p:spPr>
-          <a:xfrm rot="2295083">
-            <a:off x="18584706" y="11266386"/>
-            <a:ext cx="1368097" cy="300054"/>
-          </a:xfrm>
-          <a:prstGeom prst="leftRightArrow">
-            <a:avLst/>
-          </a:prstGeom>
-          <a:solidFill>
-            <a:schemeClr val="tx2">
-              <a:lumMod val="20000"/>
-              <a:lumOff val="80000"/>
-            </a:schemeClr>
-          </a:solidFill>
-          <a:ln>
-            <a:solidFill>
-              <a:schemeClr val="bg1"/>
-            </a:solidFill>
-          </a:ln>
-        </p:spPr>
-        <p:style>
-          <a:lnRef idx="2">
-            <a:schemeClr val="accent1">
-              <a:shade val="50000"/>
-            </a:schemeClr>
-          </a:lnRef>
-          <a:fillRef idx="1">
-            <a:schemeClr val="accent1"/>
-          </a:fillRef>
-          <a:effectRef idx="0">
-            <a:schemeClr val="accent1"/>
-          </a:effectRef>
-          <a:fontRef idx="minor">
-            <a:schemeClr val="lt1"/>
-          </a:fontRef>
-        </p:style>
-        <p:txBody>
-          <a:bodyPr rtlCol="0" anchor="ctr"/>
-          <a:lstStyle/>
-          <a:p>
-            <a:pPr algn="ctr"/>
-            <a:endParaRPr lang="en-US"/>
-          </a:p>
-        </p:txBody>
-      </p:sp>
-      <p:sp>
-        <p:nvSpPr>
-          <p:cNvPr id="130" name="Left-Right Arrow 129"/>
-          <p:cNvSpPr/>
-          <p:nvPr/>
-        </p:nvSpPr>
-        <p:spPr>
-          <a:xfrm rot="19026531">
-            <a:off x="18475243" y="12343501"/>
-            <a:ext cx="1516742" cy="293900"/>
-          </a:xfrm>
-          <a:prstGeom prst="leftRightArrow">
-            <a:avLst/>
-          </a:prstGeom>
-          <a:solidFill>
-            <a:schemeClr val="tx2">
-              <a:lumMod val="20000"/>
-              <a:lumOff val="80000"/>
-            </a:schemeClr>
-          </a:solidFill>
-          <a:ln>
-            <a:solidFill>
-              <a:schemeClr val="bg1"/>
-            </a:solidFill>
-          </a:ln>
-        </p:spPr>
-        <p:style>
-          <a:lnRef idx="2">
-            <a:schemeClr val="accent1">
-              <a:shade val="50000"/>
-            </a:schemeClr>
-          </a:lnRef>
-          <a:fillRef idx="1">
-            <a:schemeClr val="accent1"/>
-          </a:fillRef>
-          <a:effectRef idx="0">
-            <a:schemeClr val="accent1"/>
-          </a:effectRef>
-          <a:fontRef idx="minor">
-            <a:schemeClr val="lt1"/>
-          </a:fontRef>
-        </p:style>
-        <p:txBody>
-          <a:bodyPr rtlCol="0" anchor="ctr"/>
-          <a:lstStyle/>
-          <a:p>
-            <a:pPr algn="ctr"/>
-            <a:endParaRPr lang="en-US"/>
-          </a:p>
-        </p:txBody>
-      </p:sp>
-      <p:sp>
-        <p:nvSpPr>
-          <p:cNvPr id="131" name="TextBox 130"/>
-          <p:cNvSpPr txBox="1"/>
-          <p:nvPr/>
-        </p:nvSpPr>
-        <p:spPr>
-          <a:xfrm>
-            <a:off x="20667234" y="11506200"/>
-            <a:ext cx="1163524" cy="369332"/>
-          </a:xfrm>
-          <a:prstGeom prst="rect">
-            <a:avLst/>
-          </a:prstGeom>
-          <a:noFill/>
-        </p:spPr>
-        <p:txBody>
-          <a:bodyPr wrap="none" lIns="0" tIns="0" rIns="0" bIns="0" rtlCol="0">
-            <a:spAutoFit/>
-          </a:bodyPr>
-          <a:lstStyle/>
-          <a:p>
-            <a:r>
-              <a:rPr lang="en-US" sz="2400" dirty="0" smtClean="0">
-                <a:solidFill>
-                  <a:schemeClr val="tx2">
-                    <a:lumMod val="60000"/>
-                    <a:lumOff val="40000"/>
-                  </a:schemeClr>
-                </a:solidFill>
-                <a:ea typeface="Ebrima" pitchFamily="2" charset="0"/>
-                <a:cs typeface="Ebrima" pitchFamily="2" charset="0"/>
-              </a:rPr>
-              <a:t>Database</a:t>
-            </a:r>
-            <a:endParaRPr lang="en-US" sz="2400" dirty="0">
-              <a:solidFill>
-                <a:schemeClr val="tx2">
-                  <a:lumMod val="60000"/>
-                  <a:lumOff val="40000"/>
-                </a:schemeClr>
-              </a:solidFill>
-              <a:ea typeface="Ebrima" pitchFamily="2" charset="0"/>
-              <a:cs typeface="Ebrima" pitchFamily="2" charset="0"/>
-            </a:endParaRPr>
-          </a:p>
-        </p:txBody>
-      </p:sp>
-      <p:sp>
-        <p:nvSpPr>
-          <p:cNvPr id="132" name="Right Arrow 131"/>
-          <p:cNvSpPr/>
-          <p:nvPr/>
-        </p:nvSpPr>
-        <p:spPr>
-          <a:xfrm rot="19895593">
-            <a:off x="16039730" y="11569117"/>
-            <a:ext cx="1368097" cy="300054"/>
-          </a:xfrm>
-          <a:prstGeom prst="rightArrow">
-            <a:avLst/>
-          </a:prstGeom>
-          <a:solidFill>
-            <a:schemeClr val="tx2">
-              <a:lumMod val="20000"/>
-              <a:lumOff val="80000"/>
-            </a:schemeClr>
-          </a:solidFill>
-          <a:ln>
-            <a:solidFill>
-              <a:schemeClr val="bg1"/>
-            </a:solidFill>
-          </a:ln>
-        </p:spPr>
-        <p:style>
-          <a:lnRef idx="2">
-            <a:schemeClr val="accent1">
-              <a:shade val="50000"/>
-            </a:schemeClr>
-          </a:lnRef>
-          <a:fillRef idx="1">
-            <a:schemeClr val="accent1"/>
-          </a:fillRef>
-          <a:effectRef idx="0">
-            <a:schemeClr val="accent1"/>
-          </a:effectRef>
-          <a:fontRef idx="minor">
-            <a:schemeClr val="lt1"/>
-          </a:fontRef>
-        </p:style>
-        <p:txBody>
-          <a:bodyPr rtlCol="0" anchor="ctr"/>
-          <a:lstStyle/>
-          <a:p>
-            <a:pPr algn="ctr"/>
-            <a:endParaRPr lang="en-US"/>
-          </a:p>
-        </p:txBody>
-      </p:sp>
-      <p:sp>
-        <p:nvSpPr>
-          <p:cNvPr id="133" name="Right Arrow 132"/>
-          <p:cNvSpPr/>
-          <p:nvPr/>
-        </p:nvSpPr>
-        <p:spPr>
-          <a:xfrm rot="2295083">
-            <a:off x="15996742" y="12415053"/>
-            <a:ext cx="1368097" cy="300054"/>
-          </a:xfrm>
-          <a:prstGeom prst="rightArrow">
-            <a:avLst/>
-          </a:prstGeom>
-          <a:solidFill>
-            <a:schemeClr val="tx2">
-              <a:lumMod val="20000"/>
-              <a:lumOff val="80000"/>
-            </a:schemeClr>
-          </a:solidFill>
-          <a:ln>
-            <a:solidFill>
-              <a:schemeClr val="bg1"/>
-            </a:solidFill>
-          </a:ln>
-        </p:spPr>
-        <p:style>
-          <a:lnRef idx="2">
-            <a:schemeClr val="accent1">
-              <a:shade val="50000"/>
-            </a:schemeClr>
-          </a:lnRef>
-          <a:fillRef idx="1">
-            <a:schemeClr val="accent1"/>
-          </a:fillRef>
-          <a:effectRef idx="0">
-            <a:schemeClr val="accent1"/>
-          </a:effectRef>
-          <a:fontRef idx="minor">
-            <a:schemeClr val="lt1"/>
-          </a:fontRef>
-        </p:style>
-        <p:txBody>
-          <a:bodyPr rtlCol="0" anchor="ctr"/>
-          <a:lstStyle/>
-          <a:p>
-            <a:pPr algn="ctr"/>
-            <a:endParaRPr lang="en-US"/>
-          </a:p>
-        </p:txBody>
-      </p:sp>
-      <p:pic>
-        <p:nvPicPr>
-          <p:cNvPr id="134" name="Picture 133" descr="1209193.png"/>
-          <p:cNvPicPr>
-            <a:picLocks noChangeAspect="1"/>
-          </p:cNvPicPr>
-          <p:nvPr/>
-        </p:nvPicPr>
-        <p:blipFill>
-          <a:blip r:embed="rId12" cstate="print"/>
-          <a:stretch>
-            <a:fillRect/>
-          </a:stretch>
-        </p:blipFill>
-        <p:spPr>
-          <a:xfrm>
-            <a:off x="23518323" y="10364298"/>
-            <a:ext cx="713277" cy="713277"/>
-          </a:xfrm>
-          <a:prstGeom prst="rect">
-            <a:avLst/>
-          </a:prstGeom>
-        </p:spPr>
-      </p:pic>
-      <p:pic>
-        <p:nvPicPr>
-          <p:cNvPr id="135" name="Picture 2" descr="C:\Users\WOODY\Desktop\Image\123GoTV-transmitter-icon.jpg"/>
-          <p:cNvPicPr>
-            <a:picLocks noChangeAspect="1" noChangeArrowheads="1"/>
-          </p:cNvPicPr>
-          <p:nvPr/>
-        </p:nvPicPr>
-        <p:blipFill>
-          <a:blip r:embed="rId23" cstate="print">
-            <a:clrChange>
-              <a:clrFrom>
-                <a:srgbClr val="FFFFFF"/>
-              </a:clrFrom>
-              <a:clrTo>
-                <a:srgbClr val="FFFFFF">
-                  <a:alpha val="0"/>
-                </a:srgbClr>
-              </a:clrTo>
-            </a:clrChange>
-          </a:blip>
-          <a:srcRect/>
-          <a:stretch>
-            <a:fillRect/>
-          </a:stretch>
-        </p:blipFill>
-        <p:spPr bwMode="auto">
-          <a:xfrm rot="13489628">
-            <a:off x="24452445" y="11221979"/>
-            <a:ext cx="739524" cy="569096"/>
-          </a:xfrm>
-          <a:prstGeom prst="rect">
-            <a:avLst/>
-          </a:prstGeom>
-          <a:noFill/>
-        </p:spPr>
-      </p:pic>
-      <p:pic>
-        <p:nvPicPr>
-          <p:cNvPr id="136" name="Picture 2" descr="C:\Users\WOODY\Desktop\Image\123GoTV-transmitter-icon.jpg"/>
-          <p:cNvPicPr>
-            <a:picLocks noChangeAspect="1" noChangeArrowheads="1"/>
-          </p:cNvPicPr>
-          <p:nvPr/>
-        </p:nvPicPr>
-        <p:blipFill>
-          <a:blip r:embed="rId23" cstate="print">
-            <a:clrChange>
-              <a:clrFrom>
-                <a:srgbClr val="FFFFFF"/>
-              </a:clrFrom>
-              <a:clrTo>
-                <a:srgbClr val="FFFFFF">
-                  <a:alpha val="0"/>
-                </a:srgbClr>
-              </a:clrTo>
-            </a:clrChange>
-          </a:blip>
-          <a:srcRect/>
-          <a:stretch>
-            <a:fillRect/>
-          </a:stretch>
-        </p:blipFill>
-        <p:spPr bwMode="auto">
-          <a:xfrm rot="8102877">
-            <a:off x="24419393" y="12359235"/>
-            <a:ext cx="739524" cy="569096"/>
-          </a:xfrm>
-          <a:prstGeom prst="rect">
-            <a:avLst/>
-          </a:prstGeom>
-          <a:noFill/>
-        </p:spPr>
-      </p:pic>
-      <p:pic>
-        <p:nvPicPr>
-          <p:cNvPr id="137" name="Picture 2" descr="C:\Users\WOODY\Desktop\Image\123GoTV-transmitter-icon.jpg"/>
-          <p:cNvPicPr>
-            <a:picLocks noChangeAspect="1" noChangeArrowheads="1"/>
-          </p:cNvPicPr>
-          <p:nvPr/>
-        </p:nvPicPr>
-        <p:blipFill>
-          <a:blip r:embed="rId23" cstate="print">
-            <a:clrChange>
-              <a:clrFrom>
-                <a:srgbClr val="FFFFFF"/>
-              </a:clrFrom>
-              <a:clrTo>
-                <a:srgbClr val="FFFFFF">
-                  <a:alpha val="0"/>
-                </a:srgbClr>
-              </a:clrTo>
-            </a:clrChange>
-          </a:blip>
-          <a:srcRect/>
-          <a:stretch>
-            <a:fillRect/>
-          </a:stretch>
-        </p:blipFill>
-        <p:spPr bwMode="auto">
-          <a:xfrm rot="18731356">
-            <a:off x="25588917" y="11229516"/>
-            <a:ext cx="739524" cy="569096"/>
-          </a:xfrm>
-          <a:prstGeom prst="rect">
-            <a:avLst/>
-          </a:prstGeom>
-          <a:noFill/>
-        </p:spPr>
-      </p:pic>
-      <p:pic>
-        <p:nvPicPr>
-          <p:cNvPr id="138" name="Picture 2" descr="C:\Users\WOODY\Desktop\Image\123GoTV-transmitter-icon.jpg"/>
-          <p:cNvPicPr>
-            <a:picLocks noChangeAspect="1" noChangeArrowheads="1"/>
-          </p:cNvPicPr>
-          <p:nvPr/>
-        </p:nvPicPr>
-        <p:blipFill>
-          <a:blip r:embed="rId23" cstate="print">
-            <a:clrChange>
-              <a:clrFrom>
-                <a:srgbClr val="FFFFFF"/>
-              </a:clrFrom>
-              <a:clrTo>
-                <a:srgbClr val="FFFFFF">
-                  <a:alpha val="0"/>
-                </a:srgbClr>
-              </a:clrTo>
-            </a:clrChange>
-          </a:blip>
-          <a:srcRect/>
-          <a:stretch>
-            <a:fillRect/>
-          </a:stretch>
-        </p:blipFill>
-        <p:spPr bwMode="auto">
-          <a:xfrm rot="2871920">
-            <a:off x="25569922" y="12367933"/>
-            <a:ext cx="739524" cy="569096"/>
-          </a:xfrm>
-          <a:prstGeom prst="rect">
-            <a:avLst/>
-          </a:prstGeom>
-          <a:noFill/>
-        </p:spPr>
-      </p:pic>
-      <p:grpSp>
-        <p:nvGrpSpPr>
-          <p:cNvPr id="184" name="Group 183"/>
-          <p:cNvGrpSpPr/>
-          <p:nvPr/>
-        </p:nvGrpSpPr>
-        <p:grpSpPr>
-          <a:xfrm>
-            <a:off x="1280160" y="18293463"/>
-            <a:ext cx="10515600" cy="10967337"/>
-            <a:chOff x="1280160" y="18293463"/>
-            <a:chExt cx="10515600" cy="10967337"/>
-          </a:xfrm>
-        </p:grpSpPr>
-        <p:sp>
-          <p:nvSpPr>
-            <p:cNvPr id="17" name="TextBox 16"/>
-            <p:cNvSpPr txBox="1"/>
-            <p:nvPr/>
-          </p:nvSpPr>
-          <p:spPr>
-            <a:xfrm>
-              <a:off x="1280160" y="19360263"/>
-              <a:ext cx="10515600" cy="5816977"/>
-            </a:xfrm>
-            <a:prstGeom prst="rect">
-              <a:avLst/>
-            </a:prstGeom>
-            <a:noFill/>
-          </p:spPr>
-          <p:txBody>
-            <a:bodyPr wrap="square" lIns="0" tIns="91440" bIns="91440" rtlCol="0">
-              <a:spAutoFit/>
-            </a:bodyPr>
-            <a:lstStyle/>
-            <a:p>
-              <a:pPr lvl="0"/>
-              <a:r>
-                <a:rPr lang="en-US" sz="4000" dirty="0" smtClean="0">
-                  <a:ea typeface="Ebrima" pitchFamily="2" charset="0"/>
-                  <a:cs typeface="Ebrima" pitchFamily="2" charset="0"/>
-                </a:rPr>
-                <a:t>This system uses an RF transceiver network to track mobile assets indoors, where more obvious solutions, such as GPS, are unable to function. The system determines an asset’s current location by matching the RF fingerprint of its periodic broadcasts with previously collected fingerprints stored in a database.</a:t>
-              </a:r>
-            </a:p>
-            <a:p>
-              <a:endParaRPr lang="en-US" dirty="0"/>
-            </a:p>
-          </p:txBody>
-        </p:sp>
-        <p:sp>
-          <p:nvSpPr>
-            <p:cNvPr id="18" name="Rectangle 17"/>
+            <p:cNvPr id="132" name="Right Arrow 131"/>
             <p:cNvSpPr/>
             <p:nvPr/>
           </p:nvSpPr>
           <p:spPr>
-            <a:xfrm>
-              <a:off x="1280160" y="18293463"/>
-              <a:ext cx="9448800" cy="990600"/>
+            <a:xfrm rot="19895593">
+              <a:off x="16039730" y="11569117"/>
+              <a:ext cx="1368097" cy="300054"/>
             </a:xfrm>
-            <a:prstGeom prst="rect">
+            <a:prstGeom prst="rightArrow">
               <a:avLst/>
             </a:prstGeom>
-            <a:noFill/>
+            <a:solidFill>
+              <a:schemeClr val="tx2">
+                <a:lumMod val="20000"/>
+                <a:lumOff val="80000"/>
+              </a:schemeClr>
+            </a:solidFill>
             <a:ln>
-              <a:noFill/>
+              <a:solidFill>
+                <a:schemeClr val="bg1"/>
+              </a:solidFill>
             </a:ln>
           </p:spPr>
           <p:style>
@@ -8196,70 +7767,38 @@
             </a:fontRef>
           </p:style>
           <p:txBody>
-            <a:bodyPr lIns="0" tIns="91440" bIns="91440" rtlCol="0" anchor="ctr"/>
+            <a:bodyPr rtlCol="0" anchor="ctr"/>
             <a:lstStyle/>
             <a:p>
-              <a:r>
-                <a:rPr lang="en-US" sz="5400" b="1" dirty="0" smtClean="0">
-                  <a:solidFill>
-                    <a:schemeClr val="tx2"/>
-                  </a:solidFill>
-                  <a:latin typeface="Cambria" pitchFamily="18" charset="0"/>
-                </a:rPr>
-                <a:t>Approach</a:t>
-              </a:r>
-              <a:endParaRPr lang="en-US" sz="5400" b="1" dirty="0">
-                <a:solidFill>
-                  <a:schemeClr val="tx2"/>
-                </a:solidFill>
-                <a:latin typeface="Cambria" pitchFamily="18" charset="0"/>
-              </a:endParaRPr>
+              <a:pPr algn="ctr"/>
+              <a:endParaRPr lang="en-US"/>
             </a:p>
           </p:txBody>
         </p:sp>
-        <p:pic>
-          <p:nvPicPr>
-            <p:cNvPr id="156" name="Picture 4" descr="C:\Users\WOODY\Desktop\sensor_network_big.gif"/>
-            <p:cNvPicPr>
-              <a:picLocks noChangeAspect="1" noChangeArrowheads="1"/>
-            </p:cNvPicPr>
-            <p:nvPr/>
-          </p:nvPicPr>
-          <p:blipFill>
-            <a:blip r:embed="rId24" cstate="print"/>
-            <a:srcRect l="13874" t="16667" r="3171" b="18182"/>
-            <a:stretch>
-              <a:fillRect/>
-            </a:stretch>
-          </p:blipFill>
-          <p:spPr bwMode="auto">
-            <a:xfrm>
-              <a:off x="2472382" y="23774400"/>
-              <a:ext cx="7891130" cy="4648200"/>
-            </a:xfrm>
-            <a:prstGeom prst="rect">
-              <a:avLst/>
-            </a:prstGeom>
-            <a:noFill/>
-          </p:spPr>
-        </p:pic>
         <p:sp>
           <p:nvSpPr>
-            <p:cNvPr id="157" name="Rectangle 156"/>
+            <p:cNvPr id="133" name="Right Arrow 132"/>
             <p:cNvSpPr/>
             <p:nvPr/>
           </p:nvSpPr>
           <p:spPr>
-            <a:xfrm>
-              <a:off x="3657912" y="28270200"/>
-              <a:ext cx="5105400" cy="990600"/>
+            <a:xfrm rot="2295083">
+              <a:off x="15996742" y="12415053"/>
+              <a:ext cx="1368097" cy="300054"/>
             </a:xfrm>
-            <a:prstGeom prst="rect">
+            <a:prstGeom prst="rightArrow">
               <a:avLst/>
             </a:prstGeom>
-            <a:noFill/>
+            <a:solidFill>
+              <a:schemeClr val="tx2">
+                <a:lumMod val="20000"/>
+                <a:lumOff val="80000"/>
+              </a:schemeClr>
+            </a:solidFill>
             <a:ln>
-              <a:noFill/>
+              <a:solidFill>
+                <a:schemeClr val="bg1"/>
+              </a:solidFill>
             </a:ln>
           </p:spPr>
           <p:style>
@@ -8279,249 +7818,403 @@
             </a:fontRef>
           </p:style>
           <p:txBody>
-            <a:bodyPr lIns="0" tIns="91440" bIns="91440" rtlCol="0" anchor="ctr"/>
+            <a:bodyPr rtlCol="0" anchor="ctr"/>
             <a:lstStyle/>
             <a:p>
               <a:pPr algn="ctr"/>
-              <a:r>
-                <a:rPr lang="en-US" sz="3200" b="1" dirty="0" smtClean="0">
-                  <a:solidFill>
-                    <a:schemeClr val="tx2">
-                      <a:lumMod val="60000"/>
-                      <a:lumOff val="40000"/>
-                    </a:schemeClr>
-                  </a:solidFill>
-                </a:rPr>
-                <a:t>Mesh Network Concept</a:t>
-              </a:r>
-              <a:endParaRPr lang="en-US" sz="3200" b="1" dirty="0">
-                <a:solidFill>
-                  <a:schemeClr val="tx2">
-                    <a:lumMod val="60000"/>
-                    <a:lumOff val="40000"/>
-                  </a:schemeClr>
-                </a:solidFill>
-              </a:endParaRPr>
+              <a:endParaRPr lang="en-US"/>
             </a:p>
           </p:txBody>
         </p:sp>
+        <p:pic>
+          <p:nvPicPr>
+            <p:cNvPr id="134" name="Picture 133" descr="1209193.png"/>
+            <p:cNvPicPr>
+              <a:picLocks noChangeAspect="1"/>
+            </p:cNvPicPr>
+            <p:nvPr/>
+          </p:nvPicPr>
+          <p:blipFill>
+            <a:blip r:embed="rId13" cstate="print"/>
+            <a:stretch>
+              <a:fillRect/>
+            </a:stretch>
+          </p:blipFill>
+          <p:spPr>
+            <a:xfrm>
+              <a:off x="23518323" y="10364298"/>
+              <a:ext cx="713277" cy="713277"/>
+            </a:xfrm>
+            <a:prstGeom prst="rect">
+              <a:avLst/>
+            </a:prstGeom>
+          </p:spPr>
+        </p:pic>
+        <p:pic>
+          <p:nvPicPr>
+            <p:cNvPr id="135" name="Picture 2" descr="C:\Users\WOODY\Desktop\Image\123GoTV-transmitter-icon.jpg"/>
+            <p:cNvPicPr>
+              <a:picLocks noChangeAspect="1" noChangeArrowheads="1"/>
+            </p:cNvPicPr>
+            <p:nvPr/>
+          </p:nvPicPr>
+          <p:blipFill>
+            <a:blip r:embed="rId24" cstate="print">
+              <a:clrChange>
+                <a:clrFrom>
+                  <a:srgbClr val="FFFFFF"/>
+                </a:clrFrom>
+                <a:clrTo>
+                  <a:srgbClr val="FFFFFF">
+                    <a:alpha val="0"/>
+                  </a:srgbClr>
+                </a:clrTo>
+              </a:clrChange>
+            </a:blip>
+            <a:srcRect/>
+            <a:stretch>
+              <a:fillRect/>
+            </a:stretch>
+          </p:blipFill>
+          <p:spPr bwMode="auto">
+            <a:xfrm rot="13489628">
+              <a:off x="24452445" y="11221979"/>
+              <a:ext cx="739524" cy="569096"/>
+            </a:xfrm>
+            <a:prstGeom prst="rect">
+              <a:avLst/>
+            </a:prstGeom>
+            <a:noFill/>
+          </p:spPr>
+        </p:pic>
+        <p:pic>
+          <p:nvPicPr>
+            <p:cNvPr id="136" name="Picture 2" descr="C:\Users\WOODY\Desktop\Image\123GoTV-transmitter-icon.jpg"/>
+            <p:cNvPicPr>
+              <a:picLocks noChangeAspect="1" noChangeArrowheads="1"/>
+            </p:cNvPicPr>
+            <p:nvPr/>
+          </p:nvPicPr>
+          <p:blipFill>
+            <a:blip r:embed="rId24" cstate="print">
+              <a:clrChange>
+                <a:clrFrom>
+                  <a:srgbClr val="FFFFFF"/>
+                </a:clrFrom>
+                <a:clrTo>
+                  <a:srgbClr val="FFFFFF">
+                    <a:alpha val="0"/>
+                  </a:srgbClr>
+                </a:clrTo>
+              </a:clrChange>
+            </a:blip>
+            <a:srcRect/>
+            <a:stretch>
+              <a:fillRect/>
+            </a:stretch>
+          </p:blipFill>
+          <p:spPr bwMode="auto">
+            <a:xfrm rot="8102877">
+              <a:off x="24419393" y="12359235"/>
+              <a:ext cx="739524" cy="569096"/>
+            </a:xfrm>
+            <a:prstGeom prst="rect">
+              <a:avLst/>
+            </a:prstGeom>
+            <a:noFill/>
+          </p:spPr>
+        </p:pic>
+        <p:pic>
+          <p:nvPicPr>
+            <p:cNvPr id="137" name="Picture 2" descr="C:\Users\WOODY\Desktop\Image\123GoTV-transmitter-icon.jpg"/>
+            <p:cNvPicPr>
+              <a:picLocks noChangeAspect="1" noChangeArrowheads="1"/>
+            </p:cNvPicPr>
+            <p:nvPr/>
+          </p:nvPicPr>
+          <p:blipFill>
+            <a:blip r:embed="rId24" cstate="print">
+              <a:clrChange>
+                <a:clrFrom>
+                  <a:srgbClr val="FFFFFF"/>
+                </a:clrFrom>
+                <a:clrTo>
+                  <a:srgbClr val="FFFFFF">
+                    <a:alpha val="0"/>
+                  </a:srgbClr>
+                </a:clrTo>
+              </a:clrChange>
+            </a:blip>
+            <a:srcRect/>
+            <a:stretch>
+              <a:fillRect/>
+            </a:stretch>
+          </p:blipFill>
+          <p:spPr bwMode="auto">
+            <a:xfrm rot="18731356">
+              <a:off x="25588917" y="11229516"/>
+              <a:ext cx="739524" cy="569096"/>
+            </a:xfrm>
+            <a:prstGeom prst="rect">
+              <a:avLst/>
+            </a:prstGeom>
+            <a:noFill/>
+          </p:spPr>
+        </p:pic>
+        <p:pic>
+          <p:nvPicPr>
+            <p:cNvPr id="138" name="Picture 2" descr="C:\Users\WOODY\Desktop\Image\123GoTV-transmitter-icon.jpg"/>
+            <p:cNvPicPr>
+              <a:picLocks noChangeAspect="1" noChangeArrowheads="1"/>
+            </p:cNvPicPr>
+            <p:nvPr/>
+          </p:nvPicPr>
+          <p:blipFill>
+            <a:blip r:embed="rId24" cstate="print">
+              <a:clrChange>
+                <a:clrFrom>
+                  <a:srgbClr val="FFFFFF"/>
+                </a:clrFrom>
+                <a:clrTo>
+                  <a:srgbClr val="FFFFFF">
+                    <a:alpha val="0"/>
+                  </a:srgbClr>
+                </a:clrTo>
+              </a:clrChange>
+            </a:blip>
+            <a:srcRect/>
+            <a:stretch>
+              <a:fillRect/>
+            </a:stretch>
+          </p:blipFill>
+          <p:spPr bwMode="auto">
+            <a:xfrm rot="2871920">
+              <a:off x="25569922" y="12367933"/>
+              <a:ext cx="739524" cy="569096"/>
+            </a:xfrm>
+            <a:prstGeom prst="rect">
+              <a:avLst/>
+            </a:prstGeom>
+            <a:noFill/>
+          </p:spPr>
+        </p:pic>
+        <p:cxnSp>
+          <p:nvCxnSpPr>
+            <p:cNvPr id="161" name="Straight Arrow Connector 160"/>
+            <p:cNvCxnSpPr>
+              <a:stCxn id="134" idx="3"/>
+              <a:endCxn id="121" idx="1"/>
+            </p:cNvCxnSpPr>
+            <p:nvPr/>
+          </p:nvCxnSpPr>
+          <p:spPr>
+            <a:xfrm flipV="1">
+              <a:off x="24231600" y="10616162"/>
+              <a:ext cx="2133600" cy="104775"/>
+            </a:xfrm>
+            <a:prstGeom prst="straightConnector1">
+              <a:avLst/>
+            </a:prstGeom>
+            <a:ln w="76200">
+              <a:solidFill>
+                <a:schemeClr val="tx2">
+                  <a:lumMod val="20000"/>
+                  <a:lumOff val="80000"/>
+                </a:schemeClr>
+              </a:solidFill>
+              <a:prstDash val="sysDash"/>
+              <a:headEnd type="triangle" w="med" len="med"/>
+              <a:tailEnd type="none" w="med" len="med"/>
+            </a:ln>
+          </p:spPr>
+          <p:style>
+            <a:lnRef idx="1">
+              <a:schemeClr val="accent1"/>
+            </a:lnRef>
+            <a:fillRef idx="0">
+              <a:schemeClr val="accent1"/>
+            </a:fillRef>
+            <a:effectRef idx="0">
+              <a:schemeClr val="accent1"/>
+            </a:effectRef>
+            <a:fontRef idx="minor">
+              <a:schemeClr val="tx1"/>
+            </a:fontRef>
+          </p:style>
+        </p:cxnSp>
+        <p:cxnSp>
+          <p:nvCxnSpPr>
+            <p:cNvPr id="167" name="Straight Arrow Connector 166"/>
+            <p:cNvCxnSpPr>
+              <a:stCxn id="115" idx="0"/>
+              <a:endCxn id="121" idx="2"/>
+            </p:cNvCxnSpPr>
+            <p:nvPr/>
+          </p:nvCxnSpPr>
+          <p:spPr>
+            <a:xfrm rot="5400000" flipH="1" flipV="1">
+              <a:off x="25565100" y="11949662"/>
+              <a:ext cx="2133600" cy="179877"/>
+            </a:xfrm>
+            <a:prstGeom prst="straightConnector1">
+              <a:avLst/>
+            </a:prstGeom>
+            <a:ln w="76200">
+              <a:solidFill>
+                <a:schemeClr val="tx2">
+                  <a:lumMod val="20000"/>
+                  <a:lumOff val="80000"/>
+                </a:schemeClr>
+              </a:solidFill>
+              <a:prstDash val="sysDash"/>
+              <a:headEnd type="triangle" w="med" len="med"/>
+              <a:tailEnd type="none" w="med" len="med"/>
+            </a:ln>
+          </p:spPr>
+          <p:style>
+            <a:lnRef idx="1">
+              <a:schemeClr val="accent1"/>
+            </a:lnRef>
+            <a:fillRef idx="0">
+              <a:schemeClr val="accent1"/>
+            </a:fillRef>
+            <a:effectRef idx="0">
+              <a:schemeClr val="accent1"/>
+            </a:effectRef>
+            <a:fontRef idx="minor">
+              <a:schemeClr val="tx1"/>
+            </a:fontRef>
+          </p:style>
+        </p:cxnSp>
+        <p:cxnSp>
+          <p:nvCxnSpPr>
+            <p:cNvPr id="170" name="Straight Arrow Connector 169"/>
+            <p:cNvCxnSpPr>
+              <a:stCxn id="150" idx="0"/>
+              <a:endCxn id="134" idx="2"/>
+            </p:cNvCxnSpPr>
+            <p:nvPr/>
+          </p:nvCxnSpPr>
+          <p:spPr>
+            <a:xfrm rot="5400000" flipH="1" flipV="1">
+              <a:off x="22953441" y="11727679"/>
+              <a:ext cx="1571625" cy="271418"/>
+            </a:xfrm>
+            <a:prstGeom prst="straightConnector1">
+              <a:avLst/>
+            </a:prstGeom>
+            <a:ln w="76200">
+              <a:solidFill>
+                <a:schemeClr val="tx2">
+                  <a:lumMod val="20000"/>
+                  <a:lumOff val="80000"/>
+                </a:schemeClr>
+              </a:solidFill>
+              <a:prstDash val="sysDash"/>
+              <a:headEnd type="triangle" w="med" len="med"/>
+              <a:tailEnd type="none" w="med" len="med"/>
+            </a:ln>
+          </p:spPr>
+          <p:style>
+            <a:lnRef idx="1">
+              <a:schemeClr val="accent1"/>
+            </a:lnRef>
+            <a:fillRef idx="0">
+              <a:schemeClr val="accent1"/>
+            </a:fillRef>
+            <a:effectRef idx="0">
+              <a:schemeClr val="accent1"/>
+            </a:effectRef>
+            <a:fontRef idx="minor">
+              <a:schemeClr val="tx1"/>
+            </a:fontRef>
+          </p:style>
+        </p:cxnSp>
+        <p:cxnSp>
+          <p:nvCxnSpPr>
+            <p:cNvPr id="173" name="Straight Arrow Connector 172"/>
+            <p:cNvCxnSpPr>
+              <a:stCxn id="150" idx="3"/>
+            </p:cNvCxnSpPr>
+            <p:nvPr/>
+          </p:nvCxnSpPr>
+          <p:spPr>
+            <a:xfrm>
+              <a:off x="23960182" y="13005839"/>
+              <a:ext cx="2328820" cy="481561"/>
+            </a:xfrm>
+            <a:prstGeom prst="straightConnector1">
+              <a:avLst/>
+            </a:prstGeom>
+            <a:ln w="76200">
+              <a:solidFill>
+                <a:schemeClr val="tx2">
+                  <a:lumMod val="20000"/>
+                  <a:lumOff val="80000"/>
+                </a:schemeClr>
+              </a:solidFill>
+              <a:prstDash val="sysDash"/>
+              <a:headEnd type="triangle" w="med" len="med"/>
+              <a:tailEnd type="none" w="med" len="med"/>
+            </a:ln>
+          </p:spPr>
+          <p:style>
+            <a:lnRef idx="1">
+              <a:schemeClr val="accent1"/>
+            </a:lnRef>
+            <a:fillRef idx="0">
+              <a:schemeClr val="accent1"/>
+            </a:fillRef>
+            <a:effectRef idx="0">
+              <a:schemeClr val="accent1"/>
+            </a:effectRef>
+            <a:fontRef idx="minor">
+              <a:schemeClr val="tx1"/>
+            </a:fontRef>
+          </p:style>
+        </p:cxnSp>
+        <p:cxnSp>
+          <p:nvCxnSpPr>
+            <p:cNvPr id="176" name="Straight Arrow Connector 175"/>
+            <p:cNvCxnSpPr/>
+            <p:nvPr/>
+          </p:nvCxnSpPr>
+          <p:spPr>
+            <a:xfrm>
+              <a:off x="22021800" y="13106400"/>
+              <a:ext cx="1066802" cy="1588"/>
+            </a:xfrm>
+            <a:prstGeom prst="straightConnector1">
+              <a:avLst/>
+            </a:prstGeom>
+            <a:ln w="76200">
+              <a:solidFill>
+                <a:schemeClr val="tx2">
+                  <a:lumMod val="20000"/>
+                  <a:lumOff val="80000"/>
+                </a:schemeClr>
+              </a:solidFill>
+              <a:prstDash val="sysDash"/>
+              <a:headEnd type="triangle" w="med" len="med"/>
+              <a:tailEnd type="none" w="med" len="med"/>
+            </a:ln>
+          </p:spPr>
+          <p:style>
+            <a:lnRef idx="1">
+              <a:schemeClr val="accent1"/>
+            </a:lnRef>
+            <a:fillRef idx="0">
+              <a:schemeClr val="accent1"/>
+            </a:fillRef>
+            <a:effectRef idx="0">
+              <a:schemeClr val="accent1"/>
+            </a:effectRef>
+            <a:fontRef idx="minor">
+              <a:schemeClr val="tx1"/>
+            </a:fontRef>
+          </p:style>
+        </p:cxnSp>
       </p:grpSp>
-      <p:cxnSp>
-        <p:nvCxnSpPr>
-          <p:cNvPr id="161" name="Straight Arrow Connector 160"/>
-          <p:cNvCxnSpPr>
-            <a:stCxn id="134" idx="3"/>
-            <a:endCxn id="121" idx="1"/>
-          </p:cNvCxnSpPr>
-          <p:nvPr/>
-        </p:nvCxnSpPr>
-        <p:spPr>
-          <a:xfrm flipV="1">
-            <a:off x="24231600" y="10616162"/>
-            <a:ext cx="2133600" cy="104775"/>
-          </a:xfrm>
-          <a:prstGeom prst="straightConnector1">
-            <a:avLst/>
-          </a:prstGeom>
-          <a:ln w="76200">
-            <a:solidFill>
-              <a:schemeClr val="tx2">
-                <a:lumMod val="20000"/>
-                <a:lumOff val="80000"/>
-              </a:schemeClr>
-            </a:solidFill>
-            <a:prstDash val="sysDash"/>
-            <a:headEnd type="triangle" w="med" len="med"/>
-            <a:tailEnd type="none" w="med" len="med"/>
-          </a:ln>
-        </p:spPr>
-        <p:style>
-          <a:lnRef idx="1">
-            <a:schemeClr val="accent1"/>
-          </a:lnRef>
-          <a:fillRef idx="0">
-            <a:schemeClr val="accent1"/>
-          </a:fillRef>
-          <a:effectRef idx="0">
-            <a:schemeClr val="accent1"/>
-          </a:effectRef>
-          <a:fontRef idx="minor">
-            <a:schemeClr val="tx1"/>
-          </a:fontRef>
-        </p:style>
-      </p:cxnSp>
-      <p:cxnSp>
-        <p:nvCxnSpPr>
-          <p:cNvPr id="167" name="Straight Arrow Connector 166"/>
-          <p:cNvCxnSpPr>
-            <a:stCxn id="115" idx="0"/>
-            <a:endCxn id="121" idx="2"/>
-          </p:cNvCxnSpPr>
-          <p:nvPr/>
-        </p:nvCxnSpPr>
-        <p:spPr>
-          <a:xfrm rot="5400000" flipH="1" flipV="1">
-            <a:off x="25565100" y="11949662"/>
-            <a:ext cx="2133600" cy="179877"/>
-          </a:xfrm>
-          <a:prstGeom prst="straightConnector1">
-            <a:avLst/>
-          </a:prstGeom>
-          <a:ln w="76200">
-            <a:solidFill>
-              <a:schemeClr val="tx2">
-                <a:lumMod val="20000"/>
-                <a:lumOff val="80000"/>
-              </a:schemeClr>
-            </a:solidFill>
-            <a:prstDash val="sysDash"/>
-            <a:headEnd type="triangle" w="med" len="med"/>
-            <a:tailEnd type="none" w="med" len="med"/>
-          </a:ln>
-        </p:spPr>
-        <p:style>
-          <a:lnRef idx="1">
-            <a:schemeClr val="accent1"/>
-          </a:lnRef>
-          <a:fillRef idx="0">
-            <a:schemeClr val="accent1"/>
-          </a:fillRef>
-          <a:effectRef idx="0">
-            <a:schemeClr val="accent1"/>
-          </a:effectRef>
-          <a:fontRef idx="minor">
-            <a:schemeClr val="tx1"/>
-          </a:fontRef>
-        </p:style>
-      </p:cxnSp>
-      <p:cxnSp>
-        <p:nvCxnSpPr>
-          <p:cNvPr id="170" name="Straight Arrow Connector 169"/>
-          <p:cNvCxnSpPr>
-            <a:stCxn id="150" idx="0"/>
-            <a:endCxn id="134" idx="2"/>
-          </p:cNvCxnSpPr>
-          <p:nvPr/>
-        </p:nvCxnSpPr>
-        <p:spPr>
-          <a:xfrm rot="5400000" flipH="1" flipV="1">
-            <a:off x="22953441" y="11727679"/>
-            <a:ext cx="1571625" cy="271418"/>
-          </a:xfrm>
-          <a:prstGeom prst="straightConnector1">
-            <a:avLst/>
-          </a:prstGeom>
-          <a:ln w="76200">
-            <a:solidFill>
-              <a:schemeClr val="tx2">
-                <a:lumMod val="20000"/>
-                <a:lumOff val="80000"/>
-              </a:schemeClr>
-            </a:solidFill>
-            <a:prstDash val="sysDash"/>
-            <a:headEnd type="triangle" w="med" len="med"/>
-            <a:tailEnd type="none" w="med" len="med"/>
-          </a:ln>
-        </p:spPr>
-        <p:style>
-          <a:lnRef idx="1">
-            <a:schemeClr val="accent1"/>
-          </a:lnRef>
-          <a:fillRef idx="0">
-            <a:schemeClr val="accent1"/>
-          </a:fillRef>
-          <a:effectRef idx="0">
-            <a:schemeClr val="accent1"/>
-          </a:effectRef>
-          <a:fontRef idx="minor">
-            <a:schemeClr val="tx1"/>
-          </a:fontRef>
-        </p:style>
-      </p:cxnSp>
-      <p:cxnSp>
-        <p:nvCxnSpPr>
-          <p:cNvPr id="173" name="Straight Arrow Connector 172"/>
-          <p:cNvCxnSpPr>
-            <a:stCxn id="150" idx="3"/>
-          </p:cNvCxnSpPr>
-          <p:nvPr/>
-        </p:nvCxnSpPr>
-        <p:spPr>
-          <a:xfrm>
-            <a:off x="23960182" y="13005839"/>
-            <a:ext cx="2328820" cy="481561"/>
-          </a:xfrm>
-          <a:prstGeom prst="straightConnector1">
-            <a:avLst/>
-          </a:prstGeom>
-          <a:ln w="76200">
-            <a:solidFill>
-              <a:schemeClr val="tx2">
-                <a:lumMod val="20000"/>
-                <a:lumOff val="80000"/>
-              </a:schemeClr>
-            </a:solidFill>
-            <a:prstDash val="sysDash"/>
-            <a:headEnd type="triangle" w="med" len="med"/>
-            <a:tailEnd type="none" w="med" len="med"/>
-          </a:ln>
-        </p:spPr>
-        <p:style>
-          <a:lnRef idx="1">
-            <a:schemeClr val="accent1"/>
-          </a:lnRef>
-          <a:fillRef idx="0">
-            <a:schemeClr val="accent1"/>
-          </a:fillRef>
-          <a:effectRef idx="0">
-            <a:schemeClr val="accent1"/>
-          </a:effectRef>
-          <a:fontRef idx="minor">
-            <a:schemeClr val="tx1"/>
-          </a:fontRef>
-        </p:style>
-      </p:cxnSp>
-      <p:cxnSp>
-        <p:nvCxnSpPr>
-          <p:cNvPr id="176" name="Straight Arrow Connector 175"/>
-          <p:cNvCxnSpPr/>
-          <p:nvPr/>
-        </p:nvCxnSpPr>
-        <p:spPr>
-          <a:xfrm>
-            <a:off x="22021800" y="13106400"/>
-            <a:ext cx="1066802" cy="1588"/>
-          </a:xfrm>
-          <a:prstGeom prst="straightConnector1">
-            <a:avLst/>
-          </a:prstGeom>
-          <a:ln w="76200">
-            <a:solidFill>
-              <a:schemeClr val="tx2">
-                <a:lumMod val="20000"/>
-                <a:lumOff val="80000"/>
-              </a:schemeClr>
-            </a:solidFill>
-            <a:prstDash val="sysDash"/>
-            <a:headEnd type="triangle" w="med" len="med"/>
-            <a:tailEnd type="none" w="med" len="med"/>
-          </a:ln>
-        </p:spPr>
-        <p:style>
-          <a:lnRef idx="1">
-            <a:schemeClr val="accent1"/>
-          </a:lnRef>
-          <a:fillRef idx="0">
-            <a:schemeClr val="accent1"/>
-          </a:fillRef>
-          <a:effectRef idx="0">
-            <a:schemeClr val="accent1"/>
-          </a:effectRef>
-          <a:fontRef idx="minor">
-            <a:schemeClr val="tx1"/>
-          </a:fontRef>
-        </p:style>
-      </p:cxnSp>
     </p:spTree>
   </p:cSld>
   <p:clrMapOvr>

--- a/trunk/Docs/TIU_Tracking_Poster_v5.pptx
+++ b/trunk/Docs/TIU_Tracking_Poster_v5.pptx
@@ -263,19 +263,19 @@
                   <c:v>5.7647366349139375</c:v>
                 </c:pt>
                 <c:pt idx="2">
-                  <c:v>5.6505872015054832</c:v>
+                  <c:v>5.6505872015054806</c:v>
                 </c:pt>
                 <c:pt idx="3">
                   <c:v>5.5386980783198174</c:v>
                 </c:pt>
                 <c:pt idx="4">
-                  <c:v>5.429024508215754</c:v>
+                  <c:v>5.4290245082157531</c:v>
                 </c:pt>
                 <c:pt idx="5">
                   <c:v>5.3215226203029449</c:v>
                 </c:pt>
                 <c:pt idx="6">
-                  <c:v>5.2161494123928422</c:v>
+                  <c:v>5.2161494123928431</c:v>
                 </c:pt>
                 <c:pt idx="7">
                   <c:v>5.1128627337972681</c:v>
@@ -284,13 +284,13 @@
                   <c:v>5.011621268467632</c:v>
                 </c:pt>
                 <c:pt idx="9">
-                  <c:v>4.9123845184678858</c:v>
+                  <c:v>4.9123845184678849</c:v>
                 </c:pt>
                 <c:pt idx="10">
                   <c:v>4.8151127877748712</c:v>
                 </c:pt>
                 <c:pt idx="11">
-                  <c:v>4.7197671663993246</c:v>
+                  <c:v>4.7197671663993264</c:v>
                 </c:pt>
                 <c:pt idx="12">
                   <c:v>4.6263095148213971</c:v>
@@ -308,10 +308,10 @@
                   <c:v>4.2706219365756581</c:v>
                 </c:pt>
                 <c:pt idx="17">
-                  <c:v>4.1860579564261826</c:v>
+                  <c:v>4.1860579564261817</c:v>
                 </c:pt>
                 <c:pt idx="18">
-                  <c:v>4.1031684552741412</c:v>
+                  <c:v>4.1031684552741421</c:v>
                 </c:pt>
                 <c:pt idx="19">
                   <c:v>4.0219202762138355</c:v>
@@ -320,10 +320,10 @@
                   <c:v>3.9422809188903405</c:v>
                 </c:pt>
                 <c:pt idx="21">
-                  <c:v>3.864218526498846</c:v>
+                  <c:v>3.8642185264988456</c:v>
                 </c:pt>
                 <c:pt idx="22">
-                  <c:v>3.7877018730415593</c:v>
+                  <c:v>3.7877018730415601</c:v>
                 </c:pt>
                 <c:pt idx="23">
                   <c:v>3.7127003508368448</c:v>
@@ -332,7 +332,7 @@
                   <c:v>3.6391839582758005</c:v>
                 </c:pt>
                 <c:pt idx="25">
-                  <c:v>3.5671232878211696</c:v>
+                  <c:v>3.5671232878211701</c:v>
                 </c:pt>
                 <c:pt idx="26">
                   <c:v>3.4964895142439367</c:v>
@@ -351,11 +351,11 @@
           </c:yVal>
           <c:smooth val="1"/>
         </c:ser>
-        <c:axId val="59202560"/>
-        <c:axId val="59225216"/>
+        <c:axId val="54696960"/>
+        <c:axId val="54981760"/>
       </c:scatterChart>
       <c:valAx>
-        <c:axId val="59202560"/>
+        <c:axId val="54696960"/>
         <c:scaling>
           <c:orientation val="minMax"/>
         </c:scaling>
@@ -385,12 +385,12 @@
         </c:title>
         <c:numFmt formatCode="General" sourceLinked="1"/>
         <c:tickLblPos val="nextTo"/>
-        <c:crossAx val="59225216"/>
+        <c:crossAx val="54981760"/>
         <c:crosses val="autoZero"/>
         <c:crossBetween val="midCat"/>
       </c:valAx>
       <c:valAx>
-        <c:axId val="59225216"/>
+        <c:axId val="54981760"/>
         <c:scaling>
           <c:orientation val="minMax"/>
         </c:scaling>
@@ -417,7 +417,7 @@
         </c:title>
         <c:numFmt formatCode="General" sourceLinked="1"/>
         <c:tickLblPos val="nextTo"/>
-        <c:crossAx val="59202560"/>
+        <c:crossAx val="54696960"/>
         <c:crosses val="autoZero"/>
         <c:crossBetween val="midCat"/>
       </c:valAx>
@@ -614,7 +614,7 @@
             <a:fld id="{CFC2CE3F-1D0C-4868-9201-9CC45E6C1390}" type="datetimeFigureOut">
               <a:rPr lang="en-US" smtClean="0"/>
               <a:pPr/>
-              <a:t>5/18/2011</a:t>
+              <a:t>5/19/2011</a:t>
             </a:fld>
             <a:endParaRPr lang="en-US" dirty="0"/>
           </a:p>
@@ -781,7 +781,7 @@
             <a:fld id="{CFC2CE3F-1D0C-4868-9201-9CC45E6C1390}" type="datetimeFigureOut">
               <a:rPr lang="en-US" smtClean="0"/>
               <a:pPr/>
-              <a:t>5/18/2011</a:t>
+              <a:t>5/19/2011</a:t>
             </a:fld>
             <a:endParaRPr lang="en-US" dirty="0"/>
           </a:p>
@@ -958,7 +958,7 @@
             <a:fld id="{CFC2CE3F-1D0C-4868-9201-9CC45E6C1390}" type="datetimeFigureOut">
               <a:rPr lang="en-US" smtClean="0"/>
               <a:pPr/>
-              <a:t>5/18/2011</a:t>
+              <a:t>5/19/2011</a:t>
             </a:fld>
             <a:endParaRPr lang="en-US" dirty="0"/>
           </a:p>
@@ -1125,7 +1125,7 @@
             <a:fld id="{CFC2CE3F-1D0C-4868-9201-9CC45E6C1390}" type="datetimeFigureOut">
               <a:rPr lang="en-US" smtClean="0"/>
               <a:pPr/>
-              <a:t>5/18/2011</a:t>
+              <a:t>5/19/2011</a:t>
             </a:fld>
             <a:endParaRPr lang="en-US" dirty="0"/>
           </a:p>
@@ -1368,7 +1368,7 @@
             <a:fld id="{CFC2CE3F-1D0C-4868-9201-9CC45E6C1390}" type="datetimeFigureOut">
               <a:rPr lang="en-US" smtClean="0"/>
               <a:pPr/>
-              <a:t>5/18/2011</a:t>
+              <a:t>5/19/2011</a:t>
             </a:fld>
             <a:endParaRPr lang="en-US" dirty="0"/>
           </a:p>
@@ -1653,7 +1653,7 @@
             <a:fld id="{CFC2CE3F-1D0C-4868-9201-9CC45E6C1390}" type="datetimeFigureOut">
               <a:rPr lang="en-US" smtClean="0"/>
               <a:pPr/>
-              <a:t>5/18/2011</a:t>
+              <a:t>5/19/2011</a:t>
             </a:fld>
             <a:endParaRPr lang="en-US" dirty="0"/>
           </a:p>
@@ -2072,7 +2072,7 @@
             <a:fld id="{CFC2CE3F-1D0C-4868-9201-9CC45E6C1390}" type="datetimeFigureOut">
               <a:rPr lang="en-US" smtClean="0"/>
               <a:pPr/>
-              <a:t>5/18/2011</a:t>
+              <a:t>5/19/2011</a:t>
             </a:fld>
             <a:endParaRPr lang="en-US" dirty="0"/>
           </a:p>
@@ -2187,7 +2187,7 @@
             <a:fld id="{CFC2CE3F-1D0C-4868-9201-9CC45E6C1390}" type="datetimeFigureOut">
               <a:rPr lang="en-US" smtClean="0"/>
               <a:pPr/>
-              <a:t>5/18/2011</a:t>
+              <a:t>5/19/2011</a:t>
             </a:fld>
             <a:endParaRPr lang="en-US" dirty="0"/>
           </a:p>
@@ -2279,7 +2279,7 @@
             <a:fld id="{CFC2CE3F-1D0C-4868-9201-9CC45E6C1390}" type="datetimeFigureOut">
               <a:rPr lang="en-US" smtClean="0"/>
               <a:pPr/>
-              <a:t>5/18/2011</a:t>
+              <a:t>5/19/2011</a:t>
             </a:fld>
             <a:endParaRPr lang="en-US" dirty="0"/>
           </a:p>
@@ -2553,7 +2553,7 @@
             <a:fld id="{CFC2CE3F-1D0C-4868-9201-9CC45E6C1390}" type="datetimeFigureOut">
               <a:rPr lang="en-US" smtClean="0"/>
               <a:pPr/>
-              <a:t>5/18/2011</a:t>
+              <a:t>5/19/2011</a:t>
             </a:fld>
             <a:endParaRPr lang="en-US" dirty="0"/>
           </a:p>
@@ -2803,7 +2803,7 @@
             <a:fld id="{CFC2CE3F-1D0C-4868-9201-9CC45E6C1390}" type="datetimeFigureOut">
               <a:rPr lang="en-US" smtClean="0"/>
               <a:pPr/>
-              <a:t>5/18/2011</a:t>
+              <a:t>5/19/2011</a:t>
             </a:fld>
             <a:endParaRPr lang="en-US" dirty="0"/>
           </a:p>
@@ -3013,7 +3013,7 @@
             <a:fld id="{CFC2CE3F-1D0C-4868-9201-9CC45E6C1390}" type="datetimeFigureOut">
               <a:rPr lang="en-US" smtClean="0"/>
               <a:pPr/>
-              <a:t>5/18/2011</a:t>
+              <a:t>5/19/2011</a:t>
             </a:fld>
             <a:endParaRPr lang="en-US" dirty="0"/>
           </a:p>
@@ -4085,21 +4085,7 @@
                 <a:ea typeface="Ebrima" pitchFamily="2" charset="0"/>
                 <a:cs typeface="Ebrima" pitchFamily="2" charset="0"/>
               </a:rPr>
-              <a:t>The accuracy of the tracking system needs to be enhanced  by considering antenna design and advanced locating algorithm. Noise filter can be implemented on both hardware and software to achieve </a:t>
-            </a:r>
-            <a:r>
-              <a:rPr lang="en-US" sz="3200" dirty="0" smtClean="0">
-                <a:ea typeface="Ebrima" pitchFamily="2" charset="0"/>
-                <a:cs typeface="Ebrima" pitchFamily="2" charset="0"/>
-              </a:rPr>
-              <a:t>desired </a:t>
-            </a:r>
-            <a:r>
-              <a:rPr lang="en-US" sz="3200" dirty="0" smtClean="0">
-                <a:ea typeface="Ebrima" pitchFamily="2" charset="0"/>
-                <a:cs typeface="Ebrima" pitchFamily="2" charset="0"/>
-              </a:rPr>
-              <a:t>performance.</a:t>
+              <a:t>The accuracy of the tracking system needs to be enhanced  by considering antenna design and advanced locating algorithm. Noise filter can be implemented on both hardware and software to achieve desired performance.</a:t>
             </a:r>
             <a:endParaRPr lang="en-US" dirty="0"/>
           </a:p>
@@ -4583,9 +4569,9 @@
         <p:grpSpPr>
           <a:xfrm>
             <a:off x="21214080" y="16454259"/>
-            <a:ext cx="7315200" cy="11040547"/>
+            <a:ext cx="7315200" cy="11815941"/>
             <a:chOff x="21214080" y="16454259"/>
-            <a:chExt cx="7315200" cy="11040547"/>
+            <a:chExt cx="7315200" cy="11815941"/>
           </a:xfrm>
         </p:grpSpPr>
         <p:sp>
@@ -4596,7 +4582,7 @@
           </p:nvSpPr>
           <p:spPr>
             <a:xfrm>
-              <a:off x="21214080" y="20950059"/>
+              <a:off x="21214080" y="20406241"/>
               <a:ext cx="7315200" cy="4739759"/>
             </a:xfrm>
             <a:prstGeom prst="rect">
@@ -4631,19 +4617,8 @@
                   <a:ea typeface="Ebrima" pitchFamily="2" charset="0"/>
                   <a:cs typeface="Ebrima" pitchFamily="2" charset="0"/>
                 </a:rPr>
-                <a:t>Primary user </a:t>
+                <a:t>Primary user interface</a:t>
               </a:r>
-              <a:r>
-                <a:rPr lang="en-US" sz="3200" dirty="0" smtClean="0">
-                  <a:ea typeface="Ebrima" pitchFamily="2" charset="0"/>
-                  <a:cs typeface="Ebrima" pitchFamily="2" charset="0"/>
-                </a:rPr>
-                <a:t>interface</a:t>
-              </a:r>
-              <a:endParaRPr lang="en-US" sz="3200" dirty="0" smtClean="0">
-                <a:ea typeface="Ebrima" pitchFamily="2" charset="0"/>
-                <a:cs typeface="Ebrima" pitchFamily="2" charset="0"/>
-              </a:endParaRPr>
             </a:p>
             <a:p>
               <a:pPr marL="225425" indent="-225425">
@@ -4681,19 +4656,8 @@
                   <a:ea typeface="Ebrima" pitchFamily="2" charset="0"/>
                   <a:cs typeface="Ebrima" pitchFamily="2" charset="0"/>
                 </a:rPr>
-                <a:t>Show battery level of all elements in the mesh </a:t>
+                <a:t>Show battery level of all elements in the mesh network</a:t>
               </a:r>
-              <a:r>
-                <a:rPr lang="en-US" sz="3200" dirty="0" smtClean="0">
-                  <a:ea typeface="Ebrima" pitchFamily="2" charset="0"/>
-                  <a:cs typeface="Ebrima" pitchFamily="2" charset="0"/>
-                </a:rPr>
-                <a:t>network</a:t>
-              </a:r>
-              <a:endParaRPr lang="en-US" sz="3200" dirty="0" smtClean="0">
-                <a:ea typeface="Ebrima" pitchFamily="2" charset="0"/>
-                <a:cs typeface="Ebrima" pitchFamily="2" charset="0"/>
-              </a:endParaRPr>
             </a:p>
             <a:p>
               <a:pPr marL="225425" indent="-225425">
@@ -4718,14 +4682,7 @@
                   <a:ea typeface="Ebrima" pitchFamily="2" charset="0"/>
                   <a:cs typeface="Ebrima" pitchFamily="2" charset="0"/>
                 </a:rPr>
-                <a:t>Configure detector </a:t>
-              </a:r>
-              <a:r>
-                <a:rPr lang="en-US" sz="3200" dirty="0" smtClean="0">
-                  <a:ea typeface="Ebrima" pitchFamily="2" charset="0"/>
-                  <a:cs typeface="Ebrima" pitchFamily="2" charset="0"/>
-                </a:rPr>
-                <a:t>placement</a:t>
+                <a:t>Configure detector placement</a:t>
               </a:r>
             </a:p>
             <a:p>
@@ -4751,7 +4708,7 @@
           </p:nvSpPr>
           <p:spPr>
             <a:xfrm>
-              <a:off x="21214080" y="25217259"/>
+              <a:off x="21214080" y="25992653"/>
               <a:ext cx="7010400" cy="2277547"/>
             </a:xfrm>
             <a:prstGeom prst="rect">
@@ -4851,19 +4808,8 @@
                   <a:ea typeface="Ebrima" pitchFamily="2" charset="0"/>
                   <a:cs typeface="Ebrima" pitchFamily="2" charset="0"/>
                 </a:rPr>
-                <a:t>Primary link between the mesh network and the back end </a:t>
+                <a:t>Primary link between the mesh network and the back end infrastructure</a:t>
               </a:r>
-              <a:r>
-                <a:rPr lang="en-US" sz="3200" dirty="0" smtClean="0">
-                  <a:ea typeface="Ebrima" pitchFamily="2" charset="0"/>
-                  <a:cs typeface="Ebrima" pitchFamily="2" charset="0"/>
-                </a:rPr>
-                <a:t>infrastructure</a:t>
-              </a:r>
-              <a:endParaRPr lang="en-US" sz="3200" dirty="0" smtClean="0">
-                <a:ea typeface="Ebrima" pitchFamily="2" charset="0"/>
-                <a:cs typeface="Ebrima" pitchFamily="2" charset="0"/>
-              </a:endParaRPr>
             </a:p>
             <a:p>
               <a:pPr marL="225425" indent="-225425">
@@ -4901,19 +4847,8 @@
                   <a:ea typeface="Ebrima" pitchFamily="2" charset="0"/>
                   <a:cs typeface="Ebrima" pitchFamily="2" charset="0"/>
                 </a:rPr>
-                <a:t>Communicates with the </a:t>
+                <a:t>Communicates with the Database</a:t>
               </a:r>
-              <a:r>
-                <a:rPr lang="en-US" sz="3200" dirty="0" smtClean="0">
-                  <a:ea typeface="Ebrima" pitchFamily="2" charset="0"/>
-                  <a:cs typeface="Ebrima" pitchFamily="2" charset="0"/>
-                </a:rPr>
-                <a:t>Database</a:t>
-              </a:r>
-              <a:endParaRPr lang="en-US" sz="3200" dirty="0" smtClean="0">
-                <a:ea typeface="Ebrima" pitchFamily="2" charset="0"/>
-                <a:cs typeface="Ebrima" pitchFamily="2" charset="0"/>
-              </a:endParaRPr>
             </a:p>
           </p:txBody>
         </p:sp>
@@ -5032,19 +4967,8 @@
                   <a:ea typeface="Ebrima" pitchFamily="2" charset="0"/>
                   <a:cs typeface="Ebrima" pitchFamily="2" charset="0"/>
                 </a:rPr>
-                <a:t>Composed of small, inexpensive </a:t>
+                <a:t>Composed of small, inexpensive hardware</a:t>
               </a:r>
-              <a:r>
-                <a:rPr lang="en-US" sz="3200" dirty="0" smtClean="0">
-                  <a:ea typeface="Ebrima" pitchFamily="2" charset="0"/>
-                  <a:cs typeface="Ebrima" pitchFamily="2" charset="0"/>
-                </a:rPr>
-                <a:t>hardware</a:t>
-              </a:r>
-              <a:endParaRPr lang="en-US" sz="3200" dirty="0" smtClean="0">
-                <a:ea typeface="Ebrima" pitchFamily="2" charset="0"/>
-                <a:cs typeface="Ebrima" pitchFamily="2" charset="0"/>
-              </a:endParaRPr>
             </a:p>
             <a:p>
               <a:pPr marL="225425" indent="-225425">
@@ -5056,19 +4980,8 @@
                   <a:ea typeface="Ebrima" pitchFamily="2" charset="0"/>
                   <a:cs typeface="Ebrima" pitchFamily="2" charset="0"/>
                 </a:rPr>
-                <a:t>Relay messages to proxy via a controlled flooding </a:t>
+                <a:t>Relay messages to proxy via a controlled flooding mechanism</a:t>
               </a:r>
-              <a:r>
-                <a:rPr lang="en-US" sz="3200" dirty="0" smtClean="0">
-                  <a:ea typeface="Ebrima" pitchFamily="2" charset="0"/>
-                  <a:cs typeface="Ebrima" pitchFamily="2" charset="0"/>
-                </a:rPr>
-                <a:t>mechanism</a:t>
-              </a:r>
-              <a:endParaRPr lang="en-US" sz="3200" dirty="0" smtClean="0">
-                <a:ea typeface="Ebrima" pitchFamily="2" charset="0"/>
-                <a:cs typeface="Ebrima" pitchFamily="2" charset="0"/>
-              </a:endParaRPr>
             </a:p>
             <a:p>
               <a:pPr marL="225425" indent="-225425">
@@ -5106,19 +5019,8 @@
                   <a:ea typeface="Ebrima" pitchFamily="2" charset="0"/>
                   <a:cs typeface="Ebrima" pitchFamily="2" charset="0"/>
                 </a:rPr>
-                <a:t>Detectors pick up broadcast, determine RSSI, and send </a:t>
+                <a:t>Detectors pick up broadcast, determine RSSI, and send results</a:t>
               </a:r>
-              <a:r>
-                <a:rPr lang="en-US" sz="3200" dirty="0" smtClean="0">
-                  <a:ea typeface="Ebrima" pitchFamily="2" charset="0"/>
-                  <a:cs typeface="Ebrima" pitchFamily="2" charset="0"/>
-                </a:rPr>
-                <a:t>results</a:t>
-              </a:r>
-              <a:endParaRPr lang="en-US" sz="3200" dirty="0" smtClean="0">
-                <a:ea typeface="Ebrima" pitchFamily="2" charset="0"/>
-                <a:cs typeface="Ebrima" pitchFamily="2" charset="0"/>
-              </a:endParaRPr>
             </a:p>
             <a:p>
               <a:pPr marL="225425" indent="-225425">
@@ -5130,19 +5032,8 @@
                   <a:ea typeface="Ebrima" pitchFamily="2" charset="0"/>
                   <a:cs typeface="Ebrima" pitchFamily="2" charset="0"/>
                 </a:rPr>
-                <a:t>Detectors also act as </a:t>
+                <a:t>Detectors also act as relays</a:t>
               </a:r>
-              <a:r>
-                <a:rPr lang="en-US" sz="3200" dirty="0" smtClean="0">
-                  <a:ea typeface="Ebrima" pitchFamily="2" charset="0"/>
-                  <a:cs typeface="Ebrima" pitchFamily="2" charset="0"/>
-                </a:rPr>
-                <a:t>relays</a:t>
-              </a:r>
-              <a:endParaRPr lang="en-US" sz="3200" dirty="0" smtClean="0">
-                <a:ea typeface="Ebrima" pitchFamily="2" charset="0"/>
-                <a:cs typeface="Ebrima" pitchFamily="2" charset="0"/>
-              </a:endParaRPr>
             </a:p>
           </p:txBody>
         </p:sp>
@@ -5189,26 +5080,8 @@
                   <a:ea typeface="Ebrima" pitchFamily="2" charset="0"/>
                   <a:cs typeface="Ebrima" pitchFamily="2" charset="0"/>
                 </a:rPr>
-                <a:t>A progressively constrained, nearest neighbor algorithm, using </a:t>
+                <a:t>A progressively constrained, nearest neighbor algorithm, using Euclidean distance as the matching metric. Also, several heuristics are employed that further enhance the accuracy and reliability of the locating process</a:t>
               </a:r>
-              <a:r>
-                <a:rPr lang="en-US" sz="3200" dirty="0" smtClean="0">
-                  <a:ea typeface="Ebrima" pitchFamily="2" charset="0"/>
-                  <a:cs typeface="Ebrima" pitchFamily="2" charset="0"/>
-                </a:rPr>
-                <a:t>Euclidean </a:t>
-              </a:r>
-              <a:r>
-                <a:rPr lang="en-US" sz="3200" dirty="0" smtClean="0">
-                  <a:ea typeface="Ebrima" pitchFamily="2" charset="0"/>
-                  <a:cs typeface="Ebrima" pitchFamily="2" charset="0"/>
-                </a:rPr>
-                <a:t>distance as the matching metric. Also, several heuristics are employed that further enhance the accuracy and reliability of the locating process</a:t>
-              </a:r>
-              <a:endParaRPr lang="en-US" sz="3200" dirty="0" smtClean="0">
-                <a:ea typeface="Ebrima" pitchFamily="2" charset="0"/>
-                <a:cs typeface="Ebrima" pitchFamily="2" charset="0"/>
-              </a:endParaRPr>
             </a:p>
           </p:txBody>
         </p:sp>
@@ -5255,35 +5128,7 @@
                   <a:ea typeface="Ebrima" pitchFamily="2" charset="0"/>
                   <a:cs typeface="Ebrima" pitchFamily="2" charset="0"/>
                 </a:rPr>
-                <a:t>RFM12 </a:t>
-              </a:r>
-              <a:r>
-                <a:rPr lang="en-US" sz="3200" dirty="0" smtClean="0">
-                  <a:ea typeface="Ebrima" pitchFamily="2" charset="0"/>
-                  <a:cs typeface="Ebrima" pitchFamily="2" charset="0"/>
-                </a:rPr>
-                <a:t>module receives </a:t>
-              </a:r>
-              <a:r>
-                <a:rPr lang="en-US" sz="3200" dirty="0" smtClean="0">
-                  <a:ea typeface="Ebrima" pitchFamily="2" charset="0"/>
-                  <a:cs typeface="Ebrima" pitchFamily="2" charset="0"/>
-                </a:rPr>
-                <a:t>data from </a:t>
-              </a:r>
-              <a:r>
-                <a:rPr lang="en-US" sz="3200" dirty="0" smtClean="0">
-                  <a:ea typeface="Ebrima" pitchFamily="2" charset="0"/>
-                  <a:cs typeface="Ebrima" pitchFamily="2" charset="0"/>
-                </a:rPr>
-                <a:t>the mesh </a:t>
-              </a:r>
-              <a:r>
-                <a:rPr lang="en-US" sz="3200" dirty="0" smtClean="0">
-                  <a:ea typeface="Ebrima" pitchFamily="2" charset="0"/>
-                  <a:cs typeface="Ebrima" pitchFamily="2" charset="0"/>
-                </a:rPr>
-                <a:t>network</a:t>
+                <a:t>RFM12 module receives data from the mesh network</a:t>
               </a:r>
             </a:p>
             <a:p>
@@ -5350,35 +5195,7 @@
                   <a:ea typeface="Ebrima" pitchFamily="2"/>
                   <a:cs typeface="Ebrima" pitchFamily="2"/>
                 </a:rPr>
-                <a:t>Tags are placed onto Test Interface </a:t>
-              </a:r>
-              <a:r>
-                <a:rPr lang="en-US" sz="3200" dirty="0" smtClean="0">
-                  <a:ea typeface="Ebrima" pitchFamily="2"/>
-                  <a:cs typeface="Ebrima" pitchFamily="2"/>
-                </a:rPr>
-                <a:t>Units (</a:t>
-              </a:r>
-              <a:r>
-                <a:rPr lang="en-US" sz="3200" dirty="0" smtClean="0">
-                  <a:ea typeface="Ebrima" pitchFamily="2"/>
-                  <a:cs typeface="Ebrima" pitchFamily="2"/>
-                </a:rPr>
-                <a:t>TIUs). The tags broadcast a signal periodically, which is picked up by detectors that are placed in various fixed locations within the tracking area. The detectors determine the signal strength of the tags, form a message and relay it, via a mesh network of other detectors until the message reaches the proxy. The proxy then retransmits the message via </a:t>
-              </a:r>
-              <a:r>
-                <a:rPr lang="en-US" sz="3200" dirty="0" smtClean="0">
-                  <a:ea typeface="Ebrima" pitchFamily="2"/>
-                  <a:cs typeface="Ebrima" pitchFamily="2"/>
-                </a:rPr>
-                <a:t>Wi-Fi </a:t>
-              </a:r>
-              <a:r>
-                <a:rPr lang="en-US" sz="3200" dirty="0" smtClean="0">
-                  <a:ea typeface="Ebrima" pitchFamily="2"/>
-                  <a:cs typeface="Ebrima" pitchFamily="2"/>
-                </a:rPr>
-                <a:t>to the controller. The controller gives the signal strength data to a locating algorithm which calculates its approximate location via statistical analysis. The results are placed into a database where the web app periodically retrieves the results and displays them on an interactive 2D map.</a:t>
+                <a:t>Tags are placed onto Test Interface Units (TIUs). The tags broadcast a signal periodically, which is picked up by detectors that are placed in various fixed locations within the tracking area. The detectors determine the signal strength of the tags, form a message and relay it, via a mesh network of other detectors until the message reaches the proxy. The proxy then retransmits the message via Wi-Fi to the controller. The controller gives the signal strength data to a locating algorithm which calculates its approximate location via statistical analysis. The results are placed into a database where the web app periodically retrieves the results and displays them on an interactive 2D map.</a:t>
               </a:r>
               <a:endParaRPr lang="en-US" sz="3200" dirty="0">
                 <a:ea typeface="Ebrima" pitchFamily="2"/>
@@ -6112,10 +5929,34 @@
           <a:lstStyle/>
           <a:p>
             <a:r>
-              <a:rPr lang="en-US" sz="7200" dirty="0" smtClean="0"/>
+              <a:rPr lang="en-US" sz="7200" dirty="0" smtClean="0">
+                <a:solidFill>
+                  <a:schemeClr val="tx1">
+                    <a:lumMod val="75000"/>
+                    <a:lumOff val="25000"/>
+                  </a:schemeClr>
+                </a:solidFill>
+                <a:effectLst>
+                  <a:outerShdw dist="25400" dir="2700000" algn="tl" rotWithShape="0">
+                    <a:schemeClr val="bg1"/>
+                  </a:outerShdw>
+                </a:effectLst>
+              </a:rPr>
               <a:t>Department of Electrical and Computer Engineering</a:t>
             </a:r>
-            <a:endParaRPr lang="en-US" sz="7200" dirty="0"/>
+            <a:endParaRPr lang="en-US" sz="7200" dirty="0">
+              <a:solidFill>
+                <a:schemeClr val="tx1">
+                  <a:lumMod val="75000"/>
+                  <a:lumOff val="25000"/>
+                </a:schemeClr>
+              </a:solidFill>
+              <a:effectLst>
+                <a:outerShdw dist="25400" dir="2700000" algn="tl" rotWithShape="0">
+                  <a:schemeClr val="bg1"/>
+                </a:outerShdw>
+              </a:effectLst>
+            </a:endParaRPr>
           </a:p>
         </p:txBody>
       </p:sp>
@@ -6450,14 +6291,21 @@
                 <a:ea typeface="Ebrima" pitchFamily="2" charset="0"/>
                 <a:cs typeface="Ebrima" pitchFamily="2" charset="0"/>
               </a:rPr>
-              <a:t>By collecting RF signatures and storing them in a database. The RF signature created by a tag's broadcast can be compared to those stored in the database and the closest match roughly identifies the location of the </a:t>
+              <a:t>By collecting RF signatures and storing them in a </a:t>
             </a:r>
             <a:r>
               <a:rPr lang="en-US" sz="3200" dirty="0" smtClean="0">
                 <a:ea typeface="Ebrima" pitchFamily="2" charset="0"/>
                 <a:cs typeface="Ebrima" pitchFamily="2" charset="0"/>
               </a:rPr>
-              <a:t>tag.</a:t>
+              <a:t>database, the </a:t>
+            </a:r>
+            <a:r>
+              <a:rPr lang="en-US" sz="3200" dirty="0" smtClean="0">
+                <a:ea typeface="Ebrima" pitchFamily="2" charset="0"/>
+                <a:cs typeface="Ebrima" pitchFamily="2" charset="0"/>
+              </a:rPr>
+              <a:t>RF signature created by a tag's broadcast can be compared to those stored in the database and the closest match roughly identifies the location of the tag.</a:t>
             </a:r>
           </a:p>
           <a:p>
@@ -6471,28 +6319,63 @@
                 <a:ea typeface="Ebrima" pitchFamily="2" charset="0"/>
                 <a:cs typeface="Ebrima" pitchFamily="2" charset="0"/>
               </a:rPr>
-              <a:t>The </a:t>
+              <a:t>The processing is done in a </a:t>
             </a:r>
             <a:r>
               <a:rPr lang="en-US" sz="3200" dirty="0" smtClean="0">
                 <a:ea typeface="Ebrima" pitchFamily="2" charset="0"/>
                 <a:cs typeface="Ebrima" pitchFamily="2" charset="0"/>
               </a:rPr>
-              <a:t>processing is done in a java application that has a direct TCP/IP connection to the proxy. Likewise, the proxy is connected to the controller and the mesh network via the onboard </a:t>
+              <a:t>Java </a:t>
             </a:r>
             <a:r>
               <a:rPr lang="en-US" sz="3200" dirty="0" smtClean="0">
                 <a:ea typeface="Ebrima" pitchFamily="2" charset="0"/>
                 <a:cs typeface="Ebrima" pitchFamily="2" charset="0"/>
               </a:rPr>
-              <a:t>Wi-Fi </a:t>
+              <a:t>application that has a direct TCP/IP connection to the proxy. Likewise, the proxy is connected to the </a:t>
             </a:r>
             <a:r>
               <a:rPr lang="en-US" sz="3200" dirty="0" smtClean="0">
                 <a:ea typeface="Ebrima" pitchFamily="2" charset="0"/>
                 <a:cs typeface="Ebrima" pitchFamily="2" charset="0"/>
               </a:rPr>
-              <a:t>module, and </a:t>
+              <a:t>Controller via </a:t>
+            </a:r>
+            <a:r>
+              <a:rPr lang="en-US" sz="3200" dirty="0" smtClean="0">
+                <a:ea typeface="Ebrima" pitchFamily="2" charset="0"/>
+                <a:cs typeface="Ebrima" pitchFamily="2" charset="0"/>
+              </a:rPr>
+              <a:t>an onboard Wi-Fi module and </a:t>
+            </a:r>
+            <a:r>
+              <a:rPr lang="en-US" sz="3200" dirty="0" smtClean="0">
+                <a:ea typeface="Ebrima" pitchFamily="2" charset="0"/>
+                <a:cs typeface="Ebrima" pitchFamily="2" charset="0"/>
+              </a:rPr>
+              <a:t>to </a:t>
+            </a:r>
+            <a:r>
+              <a:rPr lang="en-US" sz="3200" dirty="0" smtClean="0">
+                <a:ea typeface="Ebrima" pitchFamily="2" charset="0"/>
+                <a:cs typeface="Ebrima" pitchFamily="2" charset="0"/>
+              </a:rPr>
+              <a:t>the </a:t>
+            </a:r>
+            <a:r>
+              <a:rPr lang="en-US" sz="3200" dirty="0" smtClean="0">
+                <a:ea typeface="Ebrima" pitchFamily="2" charset="0"/>
+                <a:cs typeface="Ebrima" pitchFamily="2" charset="0"/>
+              </a:rPr>
+              <a:t>mesh network via </a:t>
+            </a:r>
+            <a:r>
+              <a:rPr lang="en-US" sz="3200" dirty="0" smtClean="0">
+                <a:ea typeface="Ebrima" pitchFamily="2" charset="0"/>
+                <a:cs typeface="Ebrima" pitchFamily="2" charset="0"/>
+              </a:rPr>
+              <a:t>an </a:t>
             </a:r>
             <a:r>
               <a:rPr lang="en-US" sz="3200" dirty="0" smtClean="0">
@@ -6506,19 +6389,8 @@
                 <a:ea typeface="Ebrima" pitchFamily="2" charset="0"/>
                 <a:cs typeface="Ebrima" pitchFamily="2" charset="0"/>
               </a:rPr>
-              <a:t>module</a:t>
-            </a:r>
-            <a:r>
-              <a:rPr lang="en-US" sz="3200" dirty="0" smtClean="0">
-                <a:ea typeface="Ebrima" pitchFamily="2" charset="0"/>
-                <a:cs typeface="Ebrima" pitchFamily="2" charset="0"/>
-              </a:rPr>
-              <a:t>.</a:t>
-            </a:r>
-            <a:endParaRPr lang="en-US" sz="3200" dirty="0" smtClean="0">
-              <a:ea typeface="Ebrima" pitchFamily="2" charset="0"/>
-              <a:cs typeface="Ebrima" pitchFamily="2" charset="0"/>
-            </a:endParaRPr>
+              <a:t>module.</a:t>
+            </a:r>
           </a:p>
         </p:txBody>
       </p:sp>

--- a/trunk/Docs/TIU_Tracking_Poster_v5.pptx
+++ b/trunk/Docs/TIU_Tracking_Poster_v5.pptx
@@ -3488,6 +3488,11 @@
                 <a:solidFill>
                   <a:srgbClr val="0660A8"/>
                 </a:solidFill>
+                <a:effectLst>
+                  <a:outerShdw dist="38100" dir="2700000" algn="tl" rotWithShape="0">
+                    <a:schemeClr val="bg1"/>
+                  </a:outerShdw>
+                </a:effectLst>
                 <a:latin typeface="+mj-lt"/>
                 <a:ea typeface="Ebrima" pitchFamily="2" charset="0"/>
                 <a:cs typeface="Ebrima" pitchFamily="2" charset="0"/>
@@ -3498,6 +3503,11 @@
               <a:solidFill>
                 <a:srgbClr val="0660A8"/>
               </a:solidFill>
+              <a:effectLst>
+                <a:outerShdw dist="38100" dir="2700000" algn="tl" rotWithShape="0">
+                  <a:schemeClr val="bg1"/>
+                </a:outerShdw>
+              </a:effectLst>
               <a:latin typeface="+mj-lt"/>
               <a:ea typeface="Ebrima" pitchFamily="2" charset="0"/>
               <a:cs typeface="Ebrima" pitchFamily="2" charset="0"/>
@@ -4861,10 +4871,10 @@
         </p:nvGrpSpPr>
         <p:grpSpPr>
           <a:xfrm>
-            <a:off x="13990320" y="15235059"/>
-            <a:ext cx="9448800" cy="13737074"/>
-            <a:chOff x="13990320" y="15235059"/>
-            <a:chExt cx="9448800" cy="13737074"/>
+            <a:off x="13990320" y="15621000"/>
+            <a:ext cx="9448800" cy="13351133"/>
+            <a:chOff x="13990320" y="15621000"/>
+            <a:chExt cx="9448800" cy="13351133"/>
           </a:xfrm>
         </p:grpSpPr>
         <p:sp>
@@ -4875,7 +4885,7 @@
           </p:nvSpPr>
           <p:spPr>
             <a:xfrm>
-              <a:off x="13990320" y="15235059"/>
+              <a:off x="13990320" y="15621000"/>
               <a:ext cx="9448800" cy="990600"/>
             </a:xfrm>
             <a:prstGeom prst="rect">
@@ -4980,7 +4990,21 @@
                   <a:ea typeface="Ebrima" pitchFamily="2" charset="0"/>
                   <a:cs typeface="Ebrima" pitchFamily="2" charset="0"/>
                 </a:rPr>
-                <a:t>Relay messages to proxy via a controlled flooding mechanism</a:t>
+                <a:t>Relay messages to </a:t>
+              </a:r>
+              <a:r>
+                <a:rPr lang="en-US" sz="3200" dirty="0" smtClean="0">
+                  <a:ea typeface="Ebrima" pitchFamily="2" charset="0"/>
+                  <a:cs typeface="Ebrima" pitchFamily="2" charset="0"/>
+                </a:rPr>
+                <a:t>the proxy </a:t>
+              </a:r>
+              <a:r>
+                <a:rPr lang="en-US" sz="3200" dirty="0" smtClean="0">
+                  <a:ea typeface="Ebrima" pitchFamily="2" charset="0"/>
+                  <a:cs typeface="Ebrima" pitchFamily="2" charset="0"/>
+                </a:rPr>
+                <a:t>via a controlled flooding mechanism</a:t>
               </a:r>
             </a:p>
             <a:p>
@@ -5019,7 +5043,35 @@
                   <a:ea typeface="Ebrima" pitchFamily="2" charset="0"/>
                   <a:cs typeface="Ebrima" pitchFamily="2" charset="0"/>
                 </a:rPr>
-                <a:t>Detectors pick up broadcast, determine RSSI, and send results</a:t>
+                <a:t>Detectors pick up </a:t>
+              </a:r>
+              <a:r>
+                <a:rPr lang="en-US" sz="3200" dirty="0" smtClean="0">
+                  <a:ea typeface="Ebrima" pitchFamily="2" charset="0"/>
+                  <a:cs typeface="Ebrima" pitchFamily="2" charset="0"/>
+                </a:rPr>
+                <a:t>broadcasts, </a:t>
+              </a:r>
+              <a:r>
+                <a:rPr lang="en-US" sz="3200" dirty="0" smtClean="0">
+                  <a:ea typeface="Ebrima" pitchFamily="2" charset="0"/>
+                  <a:cs typeface="Ebrima" pitchFamily="2" charset="0"/>
+                </a:rPr>
+                <a:t>determine </a:t>
+              </a:r>
+              <a:r>
+                <a:rPr lang="en-US" sz="3200" dirty="0" smtClean="0">
+                  <a:ea typeface="Ebrima" pitchFamily="2" charset="0"/>
+                  <a:cs typeface="Ebrima" pitchFamily="2" charset="0"/>
+                </a:rPr>
+                <a:t>signal strengths, </a:t>
+              </a:r>
+              <a:r>
+                <a:rPr lang="en-US" sz="3200" dirty="0" smtClean="0">
+                  <a:ea typeface="Ebrima" pitchFamily="2" charset="0"/>
+                  <a:cs typeface="Ebrima" pitchFamily="2" charset="0"/>
+                </a:rPr>
+                <a:t>and send results</a:t>
               </a:r>
             </a:p>
             <a:p>
@@ -5195,7 +5247,119 @@
                   <a:ea typeface="Ebrima" pitchFamily="2"/>
                   <a:cs typeface="Ebrima" pitchFamily="2"/>
                 </a:rPr>
-                <a:t>Tags are placed onto Test Interface Units (TIUs). The tags broadcast a signal periodically, which is picked up by detectors that are placed in various fixed locations within the tracking area. The detectors determine the signal strength of the tags, form a message and relay it, via a mesh network of other detectors until the message reaches the proxy. The proxy then retransmits the message via Wi-Fi to the controller. The controller gives the signal strength data to a locating algorithm which calculates its approximate location via statistical analysis. The results are placed into a database where the web app periodically retrieves the results and displays them on an interactive 2D map.</a:t>
+                <a:t>Tags are placed onto Test Interface Units (TIUs). The tags broadcast a signal periodically, which is picked up by detectors that are placed in various fixed locations within the tracking area. The detectors determine the </a:t>
+              </a:r>
+              <a:r>
+                <a:rPr lang="en-US" sz="3200" dirty="0" smtClean="0">
+                  <a:ea typeface="Ebrima" pitchFamily="2"/>
+                  <a:cs typeface="Ebrima" pitchFamily="2"/>
+                </a:rPr>
+                <a:t>strengths of the signals from the </a:t>
+              </a:r>
+              <a:r>
+                <a:rPr lang="en-US" sz="3200" dirty="0" smtClean="0">
+                  <a:ea typeface="Ebrima" pitchFamily="2"/>
+                  <a:cs typeface="Ebrima" pitchFamily="2"/>
+                </a:rPr>
+                <a:t>tags, form a message and relay it, via </a:t>
+              </a:r>
+              <a:r>
+                <a:rPr lang="en-US" sz="3200" dirty="0" smtClean="0">
+                  <a:ea typeface="Ebrima" pitchFamily="2"/>
+                  <a:cs typeface="Ebrima" pitchFamily="2"/>
+                </a:rPr>
+                <a:t>the</a:t>
+              </a:r>
+              <a:r>
+                <a:rPr lang="en-US" sz="3200" dirty="0" smtClean="0">
+                  <a:ea typeface="Ebrima" pitchFamily="2"/>
+                  <a:cs typeface="Ebrima" pitchFamily="2"/>
+                </a:rPr>
+                <a:t> </a:t>
+              </a:r>
+              <a:r>
+                <a:rPr lang="en-US" sz="3200" dirty="0" smtClean="0">
+                  <a:ea typeface="Ebrima" pitchFamily="2"/>
+                  <a:cs typeface="Ebrima" pitchFamily="2"/>
+                </a:rPr>
+                <a:t>mesh network of other detectors until the message reaches the proxy. The proxy then retransmits the message via Wi-Fi to the </a:t>
+              </a:r>
+              <a:r>
+                <a:rPr lang="en-US" sz="3200" dirty="0" smtClean="0">
+                  <a:ea typeface="Ebrima" pitchFamily="2"/>
+                  <a:cs typeface="Ebrima" pitchFamily="2"/>
+                </a:rPr>
+                <a:t>Controller</a:t>
+              </a:r>
+              <a:r>
+                <a:rPr lang="en-US" sz="3200" dirty="0" smtClean="0">
+                  <a:ea typeface="Ebrima" pitchFamily="2"/>
+                  <a:cs typeface="Ebrima" pitchFamily="2"/>
+                </a:rPr>
+                <a:t>. The </a:t>
+              </a:r>
+              <a:r>
+                <a:rPr lang="en-US" sz="3200" dirty="0" smtClean="0">
+                  <a:ea typeface="Ebrima" pitchFamily="2"/>
+                  <a:cs typeface="Ebrima" pitchFamily="2"/>
+                </a:rPr>
+                <a:t>Controller </a:t>
+              </a:r>
+              <a:r>
+                <a:rPr lang="en-US" sz="3200" dirty="0" smtClean="0">
+                  <a:ea typeface="Ebrima" pitchFamily="2"/>
+                  <a:cs typeface="Ebrima" pitchFamily="2"/>
+                </a:rPr>
+                <a:t>gives the signal strength data to a locating algorithm which calculates </a:t>
+              </a:r>
+              <a:r>
+                <a:rPr lang="en-US" sz="3200" dirty="0" smtClean="0">
+                  <a:ea typeface="Ebrima" pitchFamily="2"/>
+                  <a:cs typeface="Ebrima" pitchFamily="2"/>
+                </a:rPr>
+                <a:t>the tags’ approximate locations </a:t>
+              </a:r>
+              <a:r>
+                <a:rPr lang="en-US" sz="3200" dirty="0" smtClean="0">
+                  <a:ea typeface="Ebrima" pitchFamily="2"/>
+                  <a:cs typeface="Ebrima" pitchFamily="2"/>
+                </a:rPr>
+                <a:t>via statistical analysis. The results are placed into a database where the </a:t>
+              </a:r>
+              <a:r>
+                <a:rPr lang="en-US" sz="3200" dirty="0" smtClean="0">
+                  <a:ea typeface="Ebrima" pitchFamily="2"/>
+                  <a:cs typeface="Ebrima" pitchFamily="2"/>
+                </a:rPr>
+                <a:t>W</a:t>
+              </a:r>
+              <a:r>
+                <a:rPr lang="en-US" sz="3200" dirty="0" smtClean="0">
+                  <a:ea typeface="Ebrima" pitchFamily="2"/>
+                  <a:cs typeface="Ebrima" pitchFamily="2"/>
+                </a:rPr>
+                <a:t>eb </a:t>
+              </a:r>
+              <a:r>
+                <a:rPr lang="en-US" sz="3200" dirty="0" smtClean="0">
+                  <a:ea typeface="Ebrima" pitchFamily="2"/>
+                  <a:cs typeface="Ebrima" pitchFamily="2"/>
+                </a:rPr>
+                <a:t>A</a:t>
+              </a:r>
+              <a:r>
+                <a:rPr lang="en-US" sz="3200" dirty="0" smtClean="0">
+                  <a:ea typeface="Ebrima" pitchFamily="2"/>
+                  <a:cs typeface="Ebrima" pitchFamily="2"/>
+                </a:rPr>
+                <a:t>pp </a:t>
+              </a:r>
+              <a:r>
+                <a:rPr lang="en-US" sz="3200" dirty="0" smtClean="0">
+                  <a:ea typeface="Ebrima" pitchFamily="2"/>
+                  <a:cs typeface="Ebrima" pitchFamily="2"/>
+                </a:rPr>
+                <a:t>periodically retrieves the results and displays them on an interactive 2D map.</a:t>
               </a:r>
               <a:endParaRPr lang="en-US" sz="3200" dirty="0">
                 <a:ea typeface="Ebrima" pitchFamily="2"/>
@@ -5346,7 +5510,7 @@
         </p:nvCxnSpPr>
         <p:spPr>
           <a:xfrm rot="16200000" flipH="1">
-            <a:off x="9616128" y="18013679"/>
+            <a:off x="9616128" y="18547079"/>
             <a:ext cx="6949440" cy="1"/>
           </a:xfrm>
           <a:prstGeom prst="line">
@@ -5498,7 +5662,7 @@
         </p:nvCxnSpPr>
         <p:spPr>
           <a:xfrm rot="10800000">
-            <a:off x="12633648" y="15011400"/>
+            <a:off x="12633648" y="15544800"/>
             <a:ext cx="4816152" cy="0"/>
           </a:xfrm>
           <a:prstGeom prst="line">
@@ -6540,16 +6704,16 @@
       </p:sp>
       <p:grpSp>
         <p:nvGrpSpPr>
-          <p:cNvPr id="114" name="Group 113"/>
+          <p:cNvPr id="164" name="Group 163"/>
           <p:cNvGrpSpPr/>
           <p:nvPr/>
         </p:nvGrpSpPr>
         <p:grpSpPr>
           <a:xfrm>
-            <a:off x="15212523" y="10801259"/>
-            <a:ext cx="11865954" cy="3981541"/>
-            <a:chOff x="15212523" y="10210800"/>
-            <a:chExt cx="11865954" cy="3981541"/>
+            <a:off x="15212523" y="10500688"/>
+            <a:ext cx="11865954" cy="4586912"/>
+            <a:chOff x="15212523" y="10241280"/>
+            <a:chExt cx="11865954" cy="4586912"/>
           </a:xfrm>
         </p:grpSpPr>
         <p:pic>
@@ -6568,7 +6732,7 @@
           </p:blipFill>
           <p:spPr>
             <a:xfrm>
-              <a:off x="26185323" y="13106400"/>
+              <a:off x="26185323" y="13696859"/>
               <a:ext cx="713277" cy="713277"/>
             </a:xfrm>
             <a:prstGeom prst="rect">
@@ -6578,93 +6742,16 @@
         </p:pic>
         <p:grpSp>
           <p:nvGrpSpPr>
-            <p:cNvPr id="116" name="Group 203"/>
-            <p:cNvGrpSpPr/>
-            <p:nvPr/>
-          </p:nvGrpSpPr>
-          <p:grpSpPr>
-            <a:xfrm>
-              <a:off x="20775118" y="12218316"/>
-              <a:ext cx="1600198" cy="1497684"/>
-              <a:chOff x="15982752" y="17595109"/>
-              <a:chExt cx="2458552" cy="2354181"/>
-            </a:xfrm>
-          </p:grpSpPr>
-          <p:pic>
-            <p:nvPicPr>
-              <p:cNvPr id="154" name="Picture 153" descr="wifi_router.png"/>
-              <p:cNvPicPr>
-                <a:picLocks noChangeAspect="1"/>
-              </p:cNvPicPr>
-              <p:nvPr/>
-            </p:nvPicPr>
-            <p:blipFill>
-              <a:blip r:embed="rId14" cstate="print"/>
-              <a:stretch>
-                <a:fillRect/>
-              </a:stretch>
-            </p:blipFill>
-            <p:spPr>
-              <a:xfrm>
-                <a:off x="15982752" y="17595109"/>
-                <a:ext cx="1951441" cy="1996502"/>
-              </a:xfrm>
-              <a:prstGeom prst="rect">
-                <a:avLst/>
-              </a:prstGeom>
-            </p:spPr>
-          </p:pic>
-          <p:sp>
-            <p:nvSpPr>
-              <p:cNvPr id="155" name="TextBox 154"/>
-              <p:cNvSpPr txBox="1"/>
-              <p:nvPr/>
-            </p:nvSpPr>
-            <p:spPr>
-              <a:xfrm>
-                <a:off x="16429423" y="19368744"/>
-                <a:ext cx="2011881" cy="580546"/>
-              </a:xfrm>
-              <a:prstGeom prst="rect">
-                <a:avLst/>
-              </a:prstGeom>
-              <a:noFill/>
-            </p:spPr>
-            <p:txBody>
-              <a:bodyPr wrap="square" lIns="0" tIns="0" rIns="0" bIns="0" rtlCol="0">
-                <a:spAutoFit/>
-              </a:bodyPr>
-              <a:lstStyle/>
-              <a:p>
-                <a:r>
-                  <a:rPr lang="en-US" sz="2400" dirty="0" smtClean="0">
-                    <a:solidFill>
-                      <a:schemeClr val="tx2">
-                        <a:lumMod val="60000"/>
-                        <a:lumOff val="40000"/>
-                      </a:schemeClr>
-                    </a:solidFill>
-                    <a:ea typeface="Ebrima" pitchFamily="2" charset="0"/>
-                    <a:cs typeface="Ebrima" pitchFamily="2" charset="0"/>
-                  </a:rPr>
-                  <a:t>Proxy</a:t>
-                </a:r>
-              </a:p>
-            </p:txBody>
-          </p:sp>
-        </p:grpSp>
-        <p:grpSp>
-          <p:nvGrpSpPr>
             <p:cNvPr id="117" name="Group 125"/>
             <p:cNvGrpSpPr/>
             <p:nvPr/>
           </p:nvGrpSpPr>
           <p:grpSpPr>
             <a:xfrm>
-              <a:off x="17288393" y="12618004"/>
-              <a:ext cx="1353130" cy="1574337"/>
+              <a:off x="17288392" y="13208463"/>
+              <a:ext cx="1380608" cy="1619729"/>
               <a:chOff x="10467777" y="16383000"/>
-              <a:chExt cx="2457844" cy="2821437"/>
+              <a:chExt cx="2507756" cy="2902786"/>
             </a:xfrm>
           </p:grpSpPr>
           <p:pic>
@@ -6676,7 +6763,7 @@
               <p:nvPr/>
             </p:nvPicPr>
             <p:blipFill>
-              <a:blip r:embed="rId15" cstate="print"/>
+              <a:blip r:embed="rId14" cstate="print"/>
               <a:stretch>
                 <a:fillRect/>
               </a:stretch>
@@ -6699,8 +6786,8 @@
             </p:nvSpPr>
             <p:spPr>
               <a:xfrm>
-                <a:off x="10591800" y="18623890"/>
-                <a:ext cx="1926252" cy="580547"/>
+                <a:off x="10591802" y="18623890"/>
+                <a:ext cx="2383731" cy="661896"/>
               </a:xfrm>
               <a:prstGeom prst="rect">
                 <a:avLst/>
@@ -6708,7 +6795,7 @@
               <a:noFill/>
             </p:spPr>
             <p:txBody>
-              <a:bodyPr wrap="none" lIns="0" tIns="0" rIns="0" bIns="0" rtlCol="0">
+              <a:bodyPr wrap="square" lIns="0" tIns="0" rIns="0" bIns="0" rtlCol="0">
                 <a:spAutoFit/>
               </a:bodyPr>
               <a:lstStyle/>
@@ -6748,7 +6835,7 @@
           </p:nvGrpSpPr>
           <p:grpSpPr>
             <a:xfrm>
-              <a:off x="23061123" y="12649200"/>
+              <a:off x="23061123" y="13239659"/>
               <a:ext cx="1093248" cy="987229"/>
               <a:chOff x="22909752" y="11524216"/>
               <a:chExt cx="1093248" cy="987229"/>
@@ -6836,14 +6923,14 @@
             <p:nvPr/>
           </p:nvPicPr>
           <p:blipFill>
-            <a:blip r:embed="rId16" cstate="print"/>
+            <a:blip r:embed="rId15" cstate="print"/>
             <a:stretch>
               <a:fillRect/>
             </a:stretch>
           </p:blipFill>
           <p:spPr>
             <a:xfrm>
-              <a:off x="24998975" y="11734800"/>
+              <a:off x="24998975" y="12325259"/>
               <a:ext cx="778469" cy="778468"/>
             </a:xfrm>
             <a:prstGeom prst="rect">
@@ -6859,7 +6946,7 @@
           </p:nvSpPr>
           <p:spPr>
             <a:xfrm>
-              <a:off x="25194723" y="12344400"/>
+              <a:off x="25194723" y="12934859"/>
               <a:ext cx="418384" cy="369332"/>
             </a:xfrm>
             <a:prstGeom prst="rect">
@@ -6915,7 +7002,7 @@
           </p:blipFill>
           <p:spPr>
             <a:xfrm>
-              <a:off x="26365200" y="10259523"/>
+              <a:off x="26365200" y="10849982"/>
               <a:ext cx="713277" cy="713277"/>
             </a:xfrm>
             <a:prstGeom prst="rect">
@@ -6931,7 +7018,7 @@
           </p:nvGrpSpPr>
           <p:grpSpPr>
             <a:xfrm>
-              <a:off x="15212523" y="10210800"/>
+              <a:off x="15212523" y="10801259"/>
               <a:ext cx="1274893" cy="1143000"/>
               <a:chOff x="21869400" y="9967912"/>
               <a:chExt cx="1447801" cy="1298020"/>
@@ -6946,7 +7033,7 @@
               <p:nvPr/>
             </p:nvPicPr>
             <p:blipFill>
-              <a:blip r:embed="rId17" cstate="print"/>
+              <a:blip r:embed="rId16" cstate="print"/>
               <a:srcRect/>
               <a:stretch>
                 <a:fillRect/>
@@ -6972,7 +7059,7 @@
               <p:nvPr/>
             </p:nvPicPr>
             <p:blipFill>
-              <a:blip r:embed="rId18" cstate="print"/>
+              <a:blip r:embed="rId17" cstate="print"/>
               <a:srcRect/>
               <a:stretch>
                 <a:fillRect/>
@@ -7046,7 +7133,7 @@
           </p:nvGrpSpPr>
           <p:grpSpPr>
             <a:xfrm>
-              <a:off x="15212523" y="11594068"/>
+              <a:off x="15212523" y="12184527"/>
               <a:ext cx="990600" cy="1359932"/>
               <a:chOff x="17373600" y="10058400"/>
               <a:chExt cx="990600" cy="1359932"/>
@@ -7061,7 +7148,7 @@
               <p:nvPr/>
             </p:nvPicPr>
             <p:blipFill>
-              <a:blip r:embed="rId19" cstate="print"/>
+              <a:blip r:embed="rId18" cstate="print"/>
               <a:srcRect/>
               <a:stretch>
                 <a:fillRect/>
@@ -7087,7 +7174,7 @@
               <p:nvPr/>
             </p:nvPicPr>
             <p:blipFill>
-              <a:blip r:embed="rId20" cstate="print"/>
+              <a:blip r:embed="rId19" cstate="print"/>
               <a:srcRect/>
               <a:stretch>
                 <a:fillRect/>
@@ -7161,7 +7248,7 @@
           </p:nvGrpSpPr>
           <p:grpSpPr>
             <a:xfrm>
-              <a:off x="17346123" y="10210800"/>
+              <a:off x="17346123" y="10801259"/>
               <a:ext cx="1353130" cy="1619729"/>
               <a:chOff x="10467777" y="16383000"/>
               <a:chExt cx="2457844" cy="2902786"/>
@@ -7176,7 +7263,7 @@
               <p:nvPr/>
             </p:nvPicPr>
             <p:blipFill>
-              <a:blip r:embed="rId15" cstate="print"/>
+              <a:blip r:embed="rId14" cstate="print"/>
               <a:stretch>
                 <a:fillRect/>
               </a:stretch>
@@ -7240,73 +7327,6 @@
             </p:txBody>
           </p:sp>
         </p:grpSp>
-        <p:grpSp>
-          <p:nvGrpSpPr>
-            <p:cNvPr id="125" name="Group 114"/>
-            <p:cNvGrpSpPr/>
-            <p:nvPr/>
-          </p:nvGrpSpPr>
-          <p:grpSpPr>
-            <a:xfrm>
-              <a:off x="19784523" y="11277600"/>
-              <a:ext cx="939800" cy="990600"/>
-              <a:chOff x="19964400" y="10668000"/>
-              <a:chExt cx="939800" cy="990600"/>
-            </a:xfrm>
-          </p:grpSpPr>
-          <p:pic>
-            <p:nvPicPr>
-              <p:cNvPr id="140" name="Picture 2" descr="D:\PSU\ECE 412\Winter 2011\Poster\PNG Icon\Server.png"/>
-              <p:cNvPicPr>
-                <a:picLocks noChangeAspect="1" noChangeArrowheads="1"/>
-              </p:cNvPicPr>
-              <p:nvPr/>
-            </p:nvPicPr>
-            <p:blipFill>
-              <a:blip r:embed="rId21" cstate="print"/>
-              <a:srcRect/>
-              <a:stretch>
-                <a:fillRect/>
-              </a:stretch>
-            </p:blipFill>
-            <p:spPr bwMode="auto">
-              <a:xfrm>
-                <a:off x="19964400" y="10668000"/>
-                <a:ext cx="939800" cy="939800"/>
-              </a:xfrm>
-              <a:prstGeom prst="rect">
-                <a:avLst/>
-              </a:prstGeom>
-              <a:noFill/>
-            </p:spPr>
-          </p:pic>
-          <p:pic>
-            <p:nvPicPr>
-              <p:cNvPr id="141" name="Picture 4" descr="C:\Users\WOODY\Desktop\Image\Free-Database-Add-icon.png"/>
-              <p:cNvPicPr>
-                <a:picLocks noChangeAspect="1" noChangeArrowheads="1"/>
-              </p:cNvPicPr>
-              <p:nvPr/>
-            </p:nvPicPr>
-            <p:blipFill>
-              <a:blip r:embed="rId22" cstate="print"/>
-              <a:srcRect/>
-              <a:stretch>
-                <a:fillRect/>
-              </a:stretch>
-            </p:blipFill>
-            <p:spPr bwMode="auto">
-              <a:xfrm>
-                <a:off x="20307300" y="11125200"/>
-                <a:ext cx="533400" cy="533400"/>
-              </a:xfrm>
-              <a:prstGeom prst="rect">
-                <a:avLst/>
-              </a:prstGeom>
-              <a:noFill/>
-            </p:spPr>
-          </p:pic>
-        </p:grpSp>
         <p:sp>
           <p:nvSpPr>
             <p:cNvPr id="126" name="Left Arrow 125"/>
@@ -7315,8 +7335,8 @@
           </p:nvSpPr>
           <p:spPr>
             <a:xfrm>
-              <a:off x="18666923" y="13106400"/>
-              <a:ext cx="2133600" cy="304800"/>
+              <a:off x="18666923" y="13696859"/>
+              <a:ext cx="2133600" cy="274320"/>
             </a:xfrm>
             <a:prstGeom prst="leftArrow">
               <a:avLst/>
@@ -7358,43 +7378,6 @@
             </a:p>
           </p:txBody>
         </p:sp>
-        <p:pic>
-          <p:nvPicPr>
-            <p:cNvPr id="127" name="Picture 9" descr="H:\ECE 412\Winter 2011\Poster\PNG Icon\WiFi_2.jpg"/>
-            <p:cNvPicPr>
-              <a:picLocks noChangeAspect="1" noChangeArrowheads="1"/>
-            </p:cNvPicPr>
-            <p:nvPr/>
-          </p:nvPicPr>
-          <p:blipFill>
-            <a:blip r:embed="rId23" cstate="print">
-              <a:clrChange>
-                <a:clrFrom>
-                  <a:srgbClr val="FFFFFF"/>
-                </a:clrFrom>
-                <a:clrTo>
-                  <a:srgbClr val="FFFFFF">
-                    <a:alpha val="0"/>
-                  </a:srgbClr>
-                </a:clrTo>
-              </a:clrChange>
-            </a:blip>
-            <a:srcRect/>
-            <a:stretch>
-              <a:fillRect/>
-            </a:stretch>
-          </p:blipFill>
-          <p:spPr bwMode="auto">
-            <a:xfrm>
-              <a:off x="19327323" y="12827000"/>
-              <a:ext cx="838200" cy="838200"/>
-            </a:xfrm>
-            <a:prstGeom prst="rect">
-              <a:avLst/>
-            </a:prstGeom>
-            <a:noFill/>
-          </p:spPr>
-        </p:pic>
         <p:sp>
           <p:nvSpPr>
             <p:cNvPr id="128" name="Right Arrow 127"/>
@@ -7403,8 +7386,8 @@
           </p:nvSpPr>
           <p:spPr>
             <a:xfrm>
-              <a:off x="16482523" y="10515600"/>
-              <a:ext cx="838200" cy="304800"/>
+              <a:off x="16482523" y="11106059"/>
+              <a:ext cx="838200" cy="274320"/>
             </a:xfrm>
             <a:prstGeom prst="rightArrow">
               <a:avLst/>
@@ -7453,9 +7436,9 @@
             <p:nvPr/>
           </p:nvSpPr>
           <p:spPr>
-            <a:xfrm rot="2295083">
-              <a:off x="18584706" y="11266386"/>
-              <a:ext cx="1368097" cy="300054"/>
+            <a:xfrm rot="1422916">
+              <a:off x="18715765" y="11569082"/>
+              <a:ext cx="1007405" cy="274320"/>
             </a:xfrm>
             <a:prstGeom prst="leftRightArrow">
               <a:avLst/>
@@ -7505,8 +7488,8 @@
           </p:nvSpPr>
           <p:spPr>
             <a:xfrm rot="19026531">
-              <a:off x="18475243" y="12343501"/>
-              <a:ext cx="1516742" cy="293900"/>
+              <a:off x="18468580" y="12936577"/>
+              <a:ext cx="1516742" cy="274320"/>
             </a:xfrm>
             <a:prstGeom prst="leftRightArrow">
               <a:avLst/>
@@ -7550,62 +7533,14 @@
         </p:sp>
         <p:sp>
           <p:nvSpPr>
-            <p:cNvPr id="131" name="TextBox 130"/>
-            <p:cNvSpPr txBox="1"/>
-            <p:nvPr/>
-          </p:nvSpPr>
-          <p:spPr>
-            <a:xfrm>
-              <a:off x="20667234" y="11506200"/>
-              <a:ext cx="1163524" cy="369332"/>
-            </a:xfrm>
-            <a:prstGeom prst="rect">
-              <a:avLst/>
-            </a:prstGeom>
-            <a:noFill/>
-          </p:spPr>
-          <p:txBody>
-            <a:bodyPr wrap="none" lIns="0" tIns="0" rIns="0" bIns="0" rtlCol="0">
-              <a:spAutoFit/>
-            </a:bodyPr>
-            <a:lstStyle/>
-            <a:p>
-              <a:r>
-                <a:rPr lang="en-US" sz="2400" dirty="0" smtClean="0">
-                  <a:solidFill>
-                    <a:schemeClr val="tx2">
-                      <a:lumMod val="60000"/>
-                      <a:lumOff val="40000"/>
-                    </a:schemeClr>
-                  </a:solidFill>
-                  <a:ea typeface="Ebrima" pitchFamily="2" charset="0"/>
-                  <a:cs typeface="Ebrima" pitchFamily="2" charset="0"/>
-                </a:rPr>
-                <a:t>Database</a:t>
-              </a:r>
-              <a:endParaRPr lang="en-US" sz="2400" dirty="0">
-                <a:solidFill>
-                  <a:schemeClr val="tx2">
-                    <a:lumMod val="60000"/>
-                    <a:lumOff val="40000"/>
-                  </a:schemeClr>
-                </a:solidFill>
-                <a:ea typeface="Ebrima" pitchFamily="2" charset="0"/>
-                <a:cs typeface="Ebrima" pitchFamily="2" charset="0"/>
-              </a:endParaRPr>
-            </a:p>
-          </p:txBody>
-        </p:sp>
-        <p:sp>
-          <p:nvSpPr>
             <p:cNvPr id="132" name="Right Arrow 131"/>
             <p:cNvSpPr/>
             <p:nvPr/>
           </p:nvSpPr>
           <p:spPr>
             <a:xfrm rot="19895593">
-              <a:off x="16039730" y="11569117"/>
-              <a:ext cx="1368097" cy="300054"/>
+              <a:off x="16033609" y="12161125"/>
+              <a:ext cx="1368097" cy="274320"/>
             </a:xfrm>
             <a:prstGeom prst="rightArrow">
               <a:avLst/>
@@ -7655,8 +7590,8 @@
           </p:nvSpPr>
           <p:spPr>
             <a:xfrm rot="2295083">
-              <a:off x="15996742" y="12415053"/>
-              <a:ext cx="1368097" cy="300054"/>
+              <a:off x="16004708" y="13008275"/>
+              <a:ext cx="1368097" cy="274320"/>
             </a:xfrm>
             <a:prstGeom prst="rightArrow">
               <a:avLst/>
@@ -7714,7 +7649,7 @@
           </p:blipFill>
           <p:spPr>
             <a:xfrm>
-              <a:off x="23518323" y="10364298"/>
+              <a:off x="23518323" y="10954757"/>
               <a:ext cx="713277" cy="713277"/>
             </a:xfrm>
             <a:prstGeom prst="rect">
@@ -7731,7 +7666,7 @@
             <p:nvPr/>
           </p:nvPicPr>
           <p:blipFill>
-            <a:blip r:embed="rId24" cstate="print">
+            <a:blip r:embed="rId20" cstate="print">
               <a:clrChange>
                 <a:clrFrom>
                   <a:srgbClr val="FFFFFF"/>
@@ -7750,7 +7685,7 @@
           </p:blipFill>
           <p:spPr bwMode="auto">
             <a:xfrm rot="13489628">
-              <a:off x="24452445" y="11221979"/>
+              <a:off x="24452445" y="11812438"/>
               <a:ext cx="739524" cy="569096"/>
             </a:xfrm>
             <a:prstGeom prst="rect">
@@ -7768,7 +7703,7 @@
             <p:nvPr/>
           </p:nvPicPr>
           <p:blipFill>
-            <a:blip r:embed="rId24" cstate="print">
+            <a:blip r:embed="rId20" cstate="print">
               <a:clrChange>
                 <a:clrFrom>
                   <a:srgbClr val="FFFFFF"/>
@@ -7787,7 +7722,7 @@
           </p:blipFill>
           <p:spPr bwMode="auto">
             <a:xfrm rot="8102877">
-              <a:off x="24419393" y="12359235"/>
+              <a:off x="24419393" y="12949694"/>
               <a:ext cx="739524" cy="569096"/>
             </a:xfrm>
             <a:prstGeom prst="rect">
@@ -7805,7 +7740,7 @@
             <p:nvPr/>
           </p:nvPicPr>
           <p:blipFill>
-            <a:blip r:embed="rId24" cstate="print">
+            <a:blip r:embed="rId20" cstate="print">
               <a:clrChange>
                 <a:clrFrom>
                   <a:srgbClr val="FFFFFF"/>
@@ -7824,7 +7759,7 @@
           </p:blipFill>
           <p:spPr bwMode="auto">
             <a:xfrm rot="18731356">
-              <a:off x="25588917" y="11229516"/>
+              <a:off x="25588917" y="11819975"/>
               <a:ext cx="739524" cy="569096"/>
             </a:xfrm>
             <a:prstGeom prst="rect">
@@ -7842,7 +7777,7 @@
             <p:nvPr/>
           </p:nvPicPr>
           <p:blipFill>
-            <a:blip r:embed="rId24" cstate="print">
+            <a:blip r:embed="rId20" cstate="print">
               <a:clrChange>
                 <a:clrFrom>
                   <a:srgbClr val="FFFFFF"/>
@@ -7861,7 +7796,7 @@
           </p:blipFill>
           <p:spPr bwMode="auto">
             <a:xfrm rot="2871920">
-              <a:off x="25569922" y="12367933"/>
+              <a:off x="25569922" y="12958392"/>
               <a:ext cx="739524" cy="569096"/>
             </a:xfrm>
             <a:prstGeom prst="rect">
@@ -7881,7 +7816,7 @@
           </p:nvCxnSpPr>
           <p:spPr>
             <a:xfrm flipV="1">
-              <a:off x="24231600" y="10616162"/>
+              <a:off x="24231600" y="11206621"/>
               <a:ext cx="2133600" cy="104775"/>
             </a:xfrm>
             <a:prstGeom prst="straightConnector1">
@@ -7925,7 +7860,7 @@
           </p:nvCxnSpPr>
           <p:spPr>
             <a:xfrm rot="5400000" flipH="1" flipV="1">
-              <a:off x="25565100" y="11949662"/>
+              <a:off x="25565100" y="12540121"/>
               <a:ext cx="2133600" cy="179877"/>
             </a:xfrm>
             <a:prstGeom prst="straightConnector1">
@@ -7969,7 +7904,7 @@
           </p:nvCxnSpPr>
           <p:spPr>
             <a:xfrm rot="5400000" flipH="1" flipV="1">
-              <a:off x="22953441" y="11727679"/>
+              <a:off x="22953441" y="12318138"/>
               <a:ext cx="1571625" cy="271418"/>
             </a:xfrm>
             <a:prstGeom prst="straightConnector1">
@@ -8012,7 +7947,7 @@
           </p:nvCxnSpPr>
           <p:spPr>
             <a:xfrm>
-              <a:off x="23960182" y="13005839"/>
+              <a:off x="23960182" y="13596298"/>
               <a:ext cx="2328820" cy="481561"/>
             </a:xfrm>
             <a:prstGeom prst="straightConnector1">
@@ -8053,7 +7988,7 @@
           </p:nvCxnSpPr>
           <p:spPr>
             <a:xfrm>
-              <a:off x="22021800" y="13106400"/>
+              <a:off x="22021800" y="13696859"/>
               <a:ext cx="1066802" cy="1588"/>
             </a:xfrm>
             <a:prstGeom prst="straightConnector1">
@@ -8086,6 +8021,389 @@
             </a:fontRef>
           </p:style>
         </p:cxnSp>
+        <p:sp>
+          <p:nvSpPr>
+            <p:cNvPr id="139" name="TextBox 138"/>
+            <p:cNvSpPr txBox="1"/>
+            <p:nvPr/>
+          </p:nvSpPr>
+          <p:spPr>
+            <a:xfrm>
+              <a:off x="24536400" y="10241280"/>
+              <a:ext cx="1676400" cy="492443"/>
+            </a:xfrm>
+            <a:prstGeom prst="rect">
+              <a:avLst/>
+            </a:prstGeom>
+            <a:noFill/>
+          </p:spPr>
+          <p:txBody>
+            <a:bodyPr wrap="square" lIns="0" tIns="0" rIns="0" bIns="0" rtlCol="0">
+              <a:spAutoFit/>
+            </a:bodyPr>
+            <a:lstStyle/>
+            <a:p>
+              <a:r>
+                <a:rPr lang="en-US" sz="3200" b="1" dirty="0" smtClean="0">
+                  <a:solidFill>
+                    <a:schemeClr val="accent2"/>
+                  </a:solidFill>
+                  <a:ea typeface="Ebrima" pitchFamily="2" charset="0"/>
+                  <a:cs typeface="Ebrima" pitchFamily="2" charset="0"/>
+                </a:rPr>
+                <a:t>Front-end</a:t>
+              </a:r>
+              <a:endParaRPr lang="en-US" sz="3200" b="1" dirty="0">
+                <a:solidFill>
+                  <a:schemeClr val="accent2"/>
+                </a:solidFill>
+                <a:ea typeface="Ebrima" pitchFamily="2" charset="0"/>
+                <a:cs typeface="Ebrima" pitchFamily="2" charset="0"/>
+              </a:endParaRPr>
+            </a:p>
+          </p:txBody>
+        </p:sp>
+        <p:sp>
+          <p:nvSpPr>
+            <p:cNvPr id="158" name="TextBox 157"/>
+            <p:cNvSpPr txBox="1"/>
+            <p:nvPr/>
+          </p:nvSpPr>
+          <p:spPr>
+            <a:xfrm>
+              <a:off x="17221200" y="10241280"/>
+              <a:ext cx="1981200" cy="492443"/>
+            </a:xfrm>
+            <a:prstGeom prst="rect">
+              <a:avLst/>
+            </a:prstGeom>
+            <a:noFill/>
+          </p:spPr>
+          <p:txBody>
+            <a:bodyPr wrap="square" lIns="0" tIns="0" rIns="0" bIns="0" rtlCol="0">
+              <a:spAutoFit/>
+            </a:bodyPr>
+            <a:lstStyle/>
+            <a:p>
+              <a:r>
+                <a:rPr lang="en-US" sz="3200" b="1" dirty="0" smtClean="0">
+                  <a:solidFill>
+                    <a:schemeClr val="accent2"/>
+                  </a:solidFill>
+                  <a:ea typeface="Ebrima" pitchFamily="2" charset="0"/>
+                  <a:cs typeface="Ebrima" pitchFamily="2" charset="0"/>
+                </a:rPr>
+                <a:t>Back-end</a:t>
+              </a:r>
+              <a:endParaRPr lang="en-US" sz="3200" b="1" dirty="0">
+                <a:solidFill>
+                  <a:schemeClr val="accent2"/>
+                </a:solidFill>
+                <a:ea typeface="Ebrima" pitchFamily="2" charset="0"/>
+                <a:cs typeface="Ebrima" pitchFamily="2" charset="0"/>
+              </a:endParaRPr>
+            </a:p>
+          </p:txBody>
+        </p:sp>
+        <p:cxnSp>
+          <p:nvCxnSpPr>
+            <p:cNvPr id="160" name="Straight Connector 159"/>
+            <p:cNvCxnSpPr/>
+            <p:nvPr/>
+          </p:nvCxnSpPr>
+          <p:spPr>
+            <a:xfrm rot="5400000">
+              <a:off x="19316700" y="12763500"/>
+              <a:ext cx="3886200" cy="0"/>
+            </a:xfrm>
+            <a:prstGeom prst="line">
+              <a:avLst/>
+            </a:prstGeom>
+            <a:ln w="76200">
+              <a:solidFill>
+                <a:schemeClr val="accent2">
+                  <a:lumMod val="20000"/>
+                  <a:lumOff val="80000"/>
+                </a:schemeClr>
+              </a:solidFill>
+              <a:prstDash val="dash"/>
+            </a:ln>
+          </p:spPr>
+          <p:style>
+            <a:lnRef idx="1">
+              <a:schemeClr val="accent1"/>
+            </a:lnRef>
+            <a:fillRef idx="0">
+              <a:schemeClr val="accent1"/>
+            </a:fillRef>
+            <a:effectRef idx="0">
+              <a:schemeClr val="accent1"/>
+            </a:effectRef>
+            <a:fontRef idx="minor">
+              <a:schemeClr val="tx1"/>
+            </a:fontRef>
+          </p:style>
+        </p:cxnSp>
+        <p:grpSp>
+          <p:nvGrpSpPr>
+            <p:cNvPr id="116" name="Group 203"/>
+            <p:cNvGrpSpPr/>
+            <p:nvPr/>
+          </p:nvGrpSpPr>
+          <p:grpSpPr>
+            <a:xfrm>
+              <a:off x="20775118" y="12808775"/>
+              <a:ext cx="1600198" cy="1497684"/>
+              <a:chOff x="15982752" y="17595109"/>
+              <a:chExt cx="2458552" cy="2354181"/>
+            </a:xfrm>
+            <a:solidFill>
+              <a:schemeClr val="bg1"/>
+            </a:solidFill>
+          </p:grpSpPr>
+          <p:pic>
+            <p:nvPicPr>
+              <p:cNvPr id="154" name="Picture 153" descr="wifi_router.png"/>
+              <p:cNvPicPr>
+                <a:picLocks noChangeAspect="1"/>
+              </p:cNvPicPr>
+              <p:nvPr/>
+            </p:nvPicPr>
+            <p:blipFill>
+              <a:blip r:embed="rId21" cstate="print"/>
+              <a:stretch>
+                <a:fillRect/>
+              </a:stretch>
+            </p:blipFill>
+            <p:spPr>
+              <a:xfrm>
+                <a:off x="15982752" y="17595109"/>
+                <a:ext cx="1951441" cy="1996502"/>
+              </a:xfrm>
+              <a:prstGeom prst="rect">
+                <a:avLst/>
+              </a:prstGeom>
+              <a:grpFill/>
+            </p:spPr>
+          </p:pic>
+          <p:sp>
+            <p:nvSpPr>
+              <p:cNvPr id="155" name="TextBox 154"/>
+              <p:cNvSpPr txBox="1"/>
+              <p:nvPr/>
+            </p:nvSpPr>
+            <p:spPr>
+              <a:xfrm>
+                <a:off x="16429423" y="19368744"/>
+                <a:ext cx="2011881" cy="580546"/>
+              </a:xfrm>
+              <a:prstGeom prst="rect">
+                <a:avLst/>
+              </a:prstGeom>
+              <a:grpFill/>
+            </p:spPr>
+            <p:txBody>
+              <a:bodyPr wrap="square" lIns="0" tIns="0" rIns="0" bIns="0" rtlCol="0">
+                <a:spAutoFit/>
+              </a:bodyPr>
+              <a:lstStyle/>
+              <a:p>
+                <a:r>
+                  <a:rPr lang="en-US" sz="2400" dirty="0" smtClean="0">
+                    <a:solidFill>
+                      <a:schemeClr val="tx2">
+                        <a:lumMod val="60000"/>
+                        <a:lumOff val="40000"/>
+                      </a:schemeClr>
+                    </a:solidFill>
+                    <a:ea typeface="Ebrima" pitchFamily="2" charset="0"/>
+                    <a:cs typeface="Ebrima" pitchFamily="2" charset="0"/>
+                  </a:rPr>
+                  <a:t>Proxy</a:t>
+                </a:r>
+              </a:p>
+            </p:txBody>
+          </p:sp>
+        </p:grpSp>
+        <p:grpSp>
+          <p:nvGrpSpPr>
+            <p:cNvPr id="163" name="Group 162"/>
+            <p:cNvGrpSpPr/>
+            <p:nvPr/>
+          </p:nvGrpSpPr>
+          <p:grpSpPr>
+            <a:xfrm>
+              <a:off x="19735800" y="11506200"/>
+              <a:ext cx="1239724" cy="1359932"/>
+              <a:chOff x="19735800" y="11506200"/>
+              <a:chExt cx="1239724" cy="1359932"/>
+            </a:xfrm>
+          </p:grpSpPr>
+          <p:grpSp>
+            <p:nvGrpSpPr>
+              <p:cNvPr id="125" name="Group 114"/>
+              <p:cNvGrpSpPr/>
+              <p:nvPr/>
+            </p:nvGrpSpPr>
+            <p:grpSpPr>
+              <a:xfrm>
+                <a:off x="19735800" y="11506200"/>
+                <a:ext cx="939800" cy="990600"/>
+                <a:chOff x="19964400" y="10668000"/>
+                <a:chExt cx="939800" cy="990600"/>
+              </a:xfrm>
+            </p:grpSpPr>
+            <p:pic>
+              <p:nvPicPr>
+                <p:cNvPr id="140" name="Picture 2" descr="D:\PSU\ECE 412\Winter 2011\Poster\PNG Icon\Server.png"/>
+                <p:cNvPicPr>
+                  <a:picLocks noChangeAspect="1" noChangeArrowheads="1"/>
+                </p:cNvPicPr>
+                <p:nvPr/>
+              </p:nvPicPr>
+              <p:blipFill>
+                <a:blip r:embed="rId22" cstate="print"/>
+                <a:srcRect/>
+                <a:stretch>
+                  <a:fillRect/>
+                </a:stretch>
+              </p:blipFill>
+              <p:spPr bwMode="auto">
+                <a:xfrm>
+                  <a:off x="19964400" y="10668000"/>
+                  <a:ext cx="939800" cy="939800"/>
+                </a:xfrm>
+                <a:prstGeom prst="rect">
+                  <a:avLst/>
+                </a:prstGeom>
+                <a:noFill/>
+              </p:spPr>
+            </p:pic>
+            <p:pic>
+              <p:nvPicPr>
+                <p:cNvPr id="141" name="Picture 4" descr="C:\Users\WOODY\Desktop\Image\Free-Database-Add-icon.png"/>
+                <p:cNvPicPr>
+                  <a:picLocks noChangeAspect="1" noChangeArrowheads="1"/>
+                </p:cNvPicPr>
+                <p:nvPr/>
+              </p:nvPicPr>
+              <p:blipFill>
+                <a:blip r:embed="rId23" cstate="print"/>
+                <a:srcRect/>
+                <a:stretch>
+                  <a:fillRect/>
+                </a:stretch>
+              </p:blipFill>
+              <p:spPr bwMode="auto">
+                <a:xfrm>
+                  <a:off x="20307300" y="11125200"/>
+                  <a:ext cx="533400" cy="533400"/>
+                </a:xfrm>
+                <a:prstGeom prst="rect">
+                  <a:avLst/>
+                </a:prstGeom>
+                <a:noFill/>
+              </p:spPr>
+            </p:pic>
+          </p:grpSp>
+          <p:sp>
+            <p:nvSpPr>
+              <p:cNvPr id="131" name="TextBox 130"/>
+              <p:cNvSpPr txBox="1"/>
+              <p:nvPr/>
+            </p:nvSpPr>
+            <p:spPr>
+              <a:xfrm>
+                <a:off x="19812000" y="12496800"/>
+                <a:ext cx="1163524" cy="369332"/>
+              </a:xfrm>
+              <a:prstGeom prst="rect">
+                <a:avLst/>
+              </a:prstGeom>
+              <a:noFill/>
+            </p:spPr>
+            <p:txBody>
+              <a:bodyPr wrap="none" lIns="0" tIns="0" rIns="0" bIns="0" rtlCol="0">
+                <a:spAutoFit/>
+              </a:bodyPr>
+              <a:lstStyle/>
+              <a:p>
+                <a:r>
+                  <a:rPr lang="en-US" sz="2400" dirty="0" smtClean="0">
+                    <a:solidFill>
+                      <a:schemeClr val="tx2">
+                        <a:lumMod val="60000"/>
+                        <a:lumOff val="40000"/>
+                      </a:schemeClr>
+                    </a:solidFill>
+                    <a:ea typeface="Ebrima" pitchFamily="2" charset="0"/>
+                    <a:cs typeface="Ebrima" pitchFamily="2" charset="0"/>
+                  </a:rPr>
+                  <a:t>Database</a:t>
+                </a:r>
+                <a:endParaRPr lang="en-US" sz="2400" dirty="0">
+                  <a:solidFill>
+                    <a:schemeClr val="tx2">
+                      <a:lumMod val="60000"/>
+                      <a:lumOff val="40000"/>
+                    </a:schemeClr>
+                  </a:solidFill>
+                  <a:ea typeface="Ebrima" pitchFamily="2" charset="0"/>
+                  <a:cs typeface="Ebrima" pitchFamily="2" charset="0"/>
+                </a:endParaRPr>
+              </a:p>
+            </p:txBody>
+          </p:sp>
+        </p:grpSp>
+        <p:sp>
+          <p:nvSpPr>
+            <p:cNvPr id="162" name="TextBox 161"/>
+            <p:cNvSpPr txBox="1"/>
+            <p:nvPr/>
+          </p:nvSpPr>
+          <p:spPr>
+            <a:xfrm>
+              <a:off x="19050000" y="13868400"/>
+              <a:ext cx="1312328" cy="369332"/>
+            </a:xfrm>
+            <a:prstGeom prst="rect">
+              <a:avLst/>
+            </a:prstGeom>
+            <a:noFill/>
+          </p:spPr>
+          <p:txBody>
+            <a:bodyPr wrap="square" lIns="0" tIns="0" rIns="0" bIns="0" rtlCol="0">
+              <a:spAutoFit/>
+            </a:bodyPr>
+            <a:lstStyle/>
+            <a:p>
+              <a:pPr algn="ctr"/>
+              <a:r>
+                <a:rPr lang="en-US" sz="2400" dirty="0" smtClean="0">
+                  <a:solidFill>
+                    <a:schemeClr val="tx2">
+                      <a:lumMod val="60000"/>
+                      <a:lumOff val="40000"/>
+                    </a:schemeClr>
+                  </a:solidFill>
+                  <a:ea typeface="Ebrima" pitchFamily="2" charset="0"/>
+                  <a:cs typeface="Ebrima" pitchFamily="2" charset="0"/>
+                </a:rPr>
+                <a:t>Wi-Fi</a:t>
+              </a:r>
+              <a:endParaRPr lang="en-US" sz="2400" dirty="0">
+                <a:solidFill>
+                  <a:schemeClr val="tx2">
+                    <a:lumMod val="60000"/>
+                    <a:lumOff val="40000"/>
+                  </a:schemeClr>
+                </a:solidFill>
+                <a:ea typeface="Ebrima" pitchFamily="2" charset="0"/>
+                <a:cs typeface="Ebrima" pitchFamily="2" charset="0"/>
+              </a:endParaRPr>
+            </a:p>
+          </p:txBody>
+        </p:sp>
       </p:grpSp>
     </p:spTree>
   </p:cSld>

--- a/trunk/Docs/TIU_Tracking_Poster_v5.pptx
+++ b/trunk/Docs/TIU_Tracking_Poster_v5.pptx
@@ -263,19 +263,19 @@
                   <c:v>5.7647366349139375</c:v>
                 </c:pt>
                 <c:pt idx="2">
-                  <c:v>5.6505872015054806</c:v>
+                  <c:v>5.6505872015054788</c:v>
                 </c:pt>
                 <c:pt idx="3">
                   <c:v>5.5386980783198174</c:v>
                 </c:pt>
                 <c:pt idx="4">
-                  <c:v>5.4290245082157531</c:v>
+                  <c:v>5.4290245082157513</c:v>
                 </c:pt>
                 <c:pt idx="5">
                   <c:v>5.3215226203029449</c:v>
                 </c:pt>
                 <c:pt idx="6">
-                  <c:v>5.2161494123928431</c:v>
+                  <c:v>5.216149412392844</c:v>
                 </c:pt>
                 <c:pt idx="7">
                   <c:v>5.1128627337972681</c:v>
@@ -284,13 +284,13 @@
                   <c:v>5.011621268467632</c:v>
                 </c:pt>
                 <c:pt idx="9">
-                  <c:v>4.9123845184678849</c:v>
+                  <c:v>4.912384518467884</c:v>
                 </c:pt>
                 <c:pt idx="10">
                   <c:v>4.8151127877748712</c:v>
                 </c:pt>
                 <c:pt idx="11">
-                  <c:v>4.7197671663993264</c:v>
+                  <c:v>4.7197671663993273</c:v>
                 </c:pt>
                 <c:pt idx="12">
                   <c:v>4.6263095148213971</c:v>
@@ -308,10 +308,10 @@
                   <c:v>4.2706219365756581</c:v>
                 </c:pt>
                 <c:pt idx="17">
-                  <c:v>4.1860579564261817</c:v>
+                  <c:v>4.1860579564261808</c:v>
                 </c:pt>
                 <c:pt idx="18">
-                  <c:v>4.1031684552741421</c:v>
+                  <c:v>4.103168455274143</c:v>
                 </c:pt>
                 <c:pt idx="19">
                   <c:v>4.0219202762138355</c:v>
@@ -320,10 +320,10 @@
                   <c:v>3.9422809188903405</c:v>
                 </c:pt>
                 <c:pt idx="21">
-                  <c:v>3.8642185264988456</c:v>
+                  <c:v>3.8642185264988447</c:v>
                 </c:pt>
                 <c:pt idx="22">
-                  <c:v>3.7877018730415601</c:v>
+                  <c:v>3.7877018730415606</c:v>
                 </c:pt>
                 <c:pt idx="23">
                   <c:v>3.7127003508368448</c:v>
@@ -332,7 +332,7 @@
                   <c:v>3.6391839582758005</c:v>
                 </c:pt>
                 <c:pt idx="25">
-                  <c:v>3.5671232878211701</c:v>
+                  <c:v>3.5671232878211709</c:v>
                 </c:pt>
                 <c:pt idx="26">
                   <c:v>3.4964895142439367</c:v>
@@ -351,11 +351,11 @@
           </c:yVal>
           <c:smooth val="1"/>
         </c:ser>
-        <c:axId val="54696960"/>
-        <c:axId val="54981760"/>
+        <c:axId val="46775296"/>
+        <c:axId val="72492160"/>
       </c:scatterChart>
       <c:valAx>
-        <c:axId val="54696960"/>
+        <c:axId val="46775296"/>
         <c:scaling>
           <c:orientation val="minMax"/>
         </c:scaling>
@@ -385,12 +385,12 @@
         </c:title>
         <c:numFmt formatCode="General" sourceLinked="1"/>
         <c:tickLblPos val="nextTo"/>
-        <c:crossAx val="54981760"/>
+        <c:crossAx val="72492160"/>
         <c:crosses val="autoZero"/>
         <c:crossBetween val="midCat"/>
       </c:valAx>
       <c:valAx>
-        <c:axId val="54981760"/>
+        <c:axId val="72492160"/>
         <c:scaling>
           <c:orientation val="minMax"/>
         </c:scaling>
@@ -417,7 +417,7 @@
         </c:title>
         <c:numFmt formatCode="General" sourceLinked="1"/>
         <c:tickLblPos val="nextTo"/>
-        <c:crossAx val="54696960"/>
+        <c:crossAx val="46775296"/>
         <c:crosses val="autoZero"/>
         <c:crossBetween val="midCat"/>
       </c:valAx>
@@ -4344,26 +4344,15 @@
           <p:nvPr/>
         </p:nvPicPr>
         <p:blipFill>
-          <a:blip r:embed="rId6" cstate="print">
-            <a:clrChange>
-              <a:clrFrom>
-                <a:srgbClr val="F0F9FF"/>
-              </a:clrFrom>
-              <a:clrTo>
-                <a:srgbClr val="F0F9FF">
-                  <a:alpha val="0"/>
-                </a:srgbClr>
-              </a:clrTo>
-            </a:clrChange>
-          </a:blip>
+          <a:blip r:embed="rId6" cstate="print"/>
           <a:stretch>
             <a:fillRect/>
           </a:stretch>
         </p:blipFill>
         <p:spPr bwMode="auto">
           <a:xfrm>
-            <a:off x="37017648" y="6553200"/>
-            <a:ext cx="4505702" cy="1454010"/>
+            <a:off x="37017648" y="6565109"/>
+            <a:ext cx="4505702" cy="1430192"/>
           </a:xfrm>
           <a:prstGeom prst="rect">
             <a:avLst/>
@@ -4990,21 +4979,7 @@
                   <a:ea typeface="Ebrima" pitchFamily="2" charset="0"/>
                   <a:cs typeface="Ebrima" pitchFamily="2" charset="0"/>
                 </a:rPr>
-                <a:t>Relay messages to </a:t>
-              </a:r>
-              <a:r>
-                <a:rPr lang="en-US" sz="3200" dirty="0" smtClean="0">
-                  <a:ea typeface="Ebrima" pitchFamily="2" charset="0"/>
-                  <a:cs typeface="Ebrima" pitchFamily="2" charset="0"/>
-                </a:rPr>
-                <a:t>the proxy </a:t>
-              </a:r>
-              <a:r>
-                <a:rPr lang="en-US" sz="3200" dirty="0" smtClean="0">
-                  <a:ea typeface="Ebrima" pitchFamily="2" charset="0"/>
-                  <a:cs typeface="Ebrima" pitchFamily="2" charset="0"/>
-                </a:rPr>
-                <a:t>via a controlled flooding mechanism</a:t>
+                <a:t>Relay messages to the proxy via a controlled flooding mechanism</a:t>
               </a:r>
             </a:p>
             <a:p>
@@ -5043,35 +5018,7 @@
                   <a:ea typeface="Ebrima" pitchFamily="2" charset="0"/>
                   <a:cs typeface="Ebrima" pitchFamily="2" charset="0"/>
                 </a:rPr>
-                <a:t>Detectors pick up </a:t>
-              </a:r>
-              <a:r>
-                <a:rPr lang="en-US" sz="3200" dirty="0" smtClean="0">
-                  <a:ea typeface="Ebrima" pitchFamily="2" charset="0"/>
-                  <a:cs typeface="Ebrima" pitchFamily="2" charset="0"/>
-                </a:rPr>
-                <a:t>broadcasts, </a:t>
-              </a:r>
-              <a:r>
-                <a:rPr lang="en-US" sz="3200" dirty="0" smtClean="0">
-                  <a:ea typeface="Ebrima" pitchFamily="2" charset="0"/>
-                  <a:cs typeface="Ebrima" pitchFamily="2" charset="0"/>
-                </a:rPr>
-                <a:t>determine </a:t>
-              </a:r>
-              <a:r>
-                <a:rPr lang="en-US" sz="3200" dirty="0" smtClean="0">
-                  <a:ea typeface="Ebrima" pitchFamily="2" charset="0"/>
-                  <a:cs typeface="Ebrima" pitchFamily="2" charset="0"/>
-                </a:rPr>
-                <a:t>signal strengths, </a:t>
-              </a:r>
-              <a:r>
-                <a:rPr lang="en-US" sz="3200" dirty="0" smtClean="0">
-                  <a:ea typeface="Ebrima" pitchFamily="2" charset="0"/>
-                  <a:cs typeface="Ebrima" pitchFamily="2" charset="0"/>
-                </a:rPr>
-                <a:t>and send results</a:t>
+                <a:t>Detectors pick up broadcasts, determine signal strengths, and send results</a:t>
               </a:r>
             </a:p>
             <a:p>
@@ -5247,119 +5194,7 @@
                   <a:ea typeface="Ebrima" pitchFamily="2"/>
                   <a:cs typeface="Ebrima" pitchFamily="2"/>
                 </a:rPr>
-                <a:t>Tags are placed onto Test Interface Units (TIUs). The tags broadcast a signal periodically, which is picked up by detectors that are placed in various fixed locations within the tracking area. The detectors determine the </a:t>
-              </a:r>
-              <a:r>
-                <a:rPr lang="en-US" sz="3200" dirty="0" smtClean="0">
-                  <a:ea typeface="Ebrima" pitchFamily="2"/>
-                  <a:cs typeface="Ebrima" pitchFamily="2"/>
-                </a:rPr>
-                <a:t>strengths of the signals from the </a:t>
-              </a:r>
-              <a:r>
-                <a:rPr lang="en-US" sz="3200" dirty="0" smtClean="0">
-                  <a:ea typeface="Ebrima" pitchFamily="2"/>
-                  <a:cs typeface="Ebrima" pitchFamily="2"/>
-                </a:rPr>
-                <a:t>tags, form a message and relay it, via </a:t>
-              </a:r>
-              <a:r>
-                <a:rPr lang="en-US" sz="3200" dirty="0" smtClean="0">
-                  <a:ea typeface="Ebrima" pitchFamily="2"/>
-                  <a:cs typeface="Ebrima" pitchFamily="2"/>
-                </a:rPr>
-                <a:t>the</a:t>
-              </a:r>
-              <a:r>
-                <a:rPr lang="en-US" sz="3200" dirty="0" smtClean="0">
-                  <a:ea typeface="Ebrima" pitchFamily="2"/>
-                  <a:cs typeface="Ebrima" pitchFamily="2"/>
-                </a:rPr>
-                <a:t> </a:t>
-              </a:r>
-              <a:r>
-                <a:rPr lang="en-US" sz="3200" dirty="0" smtClean="0">
-                  <a:ea typeface="Ebrima" pitchFamily="2"/>
-                  <a:cs typeface="Ebrima" pitchFamily="2"/>
-                </a:rPr>
-                <a:t>mesh network of other detectors until the message reaches the proxy. The proxy then retransmits the message via Wi-Fi to the </a:t>
-              </a:r>
-              <a:r>
-                <a:rPr lang="en-US" sz="3200" dirty="0" smtClean="0">
-                  <a:ea typeface="Ebrima" pitchFamily="2"/>
-                  <a:cs typeface="Ebrima" pitchFamily="2"/>
-                </a:rPr>
-                <a:t>Controller</a:t>
-              </a:r>
-              <a:r>
-                <a:rPr lang="en-US" sz="3200" dirty="0" smtClean="0">
-                  <a:ea typeface="Ebrima" pitchFamily="2"/>
-                  <a:cs typeface="Ebrima" pitchFamily="2"/>
-                </a:rPr>
-                <a:t>. The </a:t>
-              </a:r>
-              <a:r>
-                <a:rPr lang="en-US" sz="3200" dirty="0" smtClean="0">
-                  <a:ea typeface="Ebrima" pitchFamily="2"/>
-                  <a:cs typeface="Ebrima" pitchFamily="2"/>
-                </a:rPr>
-                <a:t>Controller </a:t>
-              </a:r>
-              <a:r>
-                <a:rPr lang="en-US" sz="3200" dirty="0" smtClean="0">
-                  <a:ea typeface="Ebrima" pitchFamily="2"/>
-                  <a:cs typeface="Ebrima" pitchFamily="2"/>
-                </a:rPr>
-                <a:t>gives the signal strength data to a locating algorithm which calculates </a:t>
-              </a:r>
-              <a:r>
-                <a:rPr lang="en-US" sz="3200" dirty="0" smtClean="0">
-                  <a:ea typeface="Ebrima" pitchFamily="2"/>
-                  <a:cs typeface="Ebrima" pitchFamily="2"/>
-                </a:rPr>
-                <a:t>the tags’ approximate locations </a:t>
-              </a:r>
-              <a:r>
-                <a:rPr lang="en-US" sz="3200" dirty="0" smtClean="0">
-                  <a:ea typeface="Ebrima" pitchFamily="2"/>
-                  <a:cs typeface="Ebrima" pitchFamily="2"/>
-                </a:rPr>
-                <a:t>via statistical analysis. The results are placed into a database where the </a:t>
-              </a:r>
-              <a:r>
-                <a:rPr lang="en-US" sz="3200" dirty="0" smtClean="0">
-                  <a:ea typeface="Ebrima" pitchFamily="2"/>
-                  <a:cs typeface="Ebrima" pitchFamily="2"/>
-                </a:rPr>
-                <a:t>W</a:t>
-              </a:r>
-              <a:r>
-                <a:rPr lang="en-US" sz="3200" dirty="0" smtClean="0">
-                  <a:ea typeface="Ebrima" pitchFamily="2"/>
-                  <a:cs typeface="Ebrima" pitchFamily="2"/>
-                </a:rPr>
-                <a:t>eb </a:t>
-              </a:r>
-              <a:r>
-                <a:rPr lang="en-US" sz="3200" dirty="0" smtClean="0">
-                  <a:ea typeface="Ebrima" pitchFamily="2"/>
-                  <a:cs typeface="Ebrima" pitchFamily="2"/>
-                </a:rPr>
-                <a:t>A</a:t>
-              </a:r>
-              <a:r>
-                <a:rPr lang="en-US" sz="3200" dirty="0" smtClean="0">
-                  <a:ea typeface="Ebrima" pitchFamily="2"/>
-                  <a:cs typeface="Ebrima" pitchFamily="2"/>
-                </a:rPr>
-                <a:t>pp </a:t>
-              </a:r>
-              <a:r>
-                <a:rPr lang="en-US" sz="3200" dirty="0" smtClean="0">
-                  <a:ea typeface="Ebrima" pitchFamily="2"/>
-                  <a:cs typeface="Ebrima" pitchFamily="2"/>
-                </a:rPr>
-                <a:t>periodically retrieves the results and displays them on an interactive 2D map.</a:t>
+                <a:t>Tags are placed onto Test Interface Units (TIUs). The tags broadcast a signal periodically, which is picked up by detectors that are placed in various fixed locations within the tracking area. The detectors determine the strengths of the signals from the tags, form a message and relay it, via the mesh network of other detectors until the message reaches the proxy. The proxy then retransmits the message via Wi-Fi to the Controller. The Controller gives the signal strength data to a locating algorithm which calculates the tags’ approximate locations via statistical analysis. The results are placed into a database where the Web App periodically retrieves the results and displays them on an interactive 2D map.</a:t>
               </a:r>
               <a:endParaRPr lang="en-US" sz="3200" dirty="0">
                 <a:ea typeface="Ebrima" pitchFamily="2"/>
@@ -6455,21 +6290,7 @@
                 <a:ea typeface="Ebrima" pitchFamily="2" charset="0"/>
                 <a:cs typeface="Ebrima" pitchFamily="2" charset="0"/>
               </a:rPr>
-              <a:t>By collecting RF signatures and storing them in a </a:t>
-            </a:r>
-            <a:r>
-              <a:rPr lang="en-US" sz="3200" dirty="0" smtClean="0">
-                <a:ea typeface="Ebrima" pitchFamily="2" charset="0"/>
-                <a:cs typeface="Ebrima" pitchFamily="2" charset="0"/>
-              </a:rPr>
-              <a:t>database, the </a:t>
-            </a:r>
-            <a:r>
-              <a:rPr lang="en-US" sz="3200" dirty="0" smtClean="0">
-                <a:ea typeface="Ebrima" pitchFamily="2" charset="0"/>
-                <a:cs typeface="Ebrima" pitchFamily="2" charset="0"/>
-              </a:rPr>
-              <a:t>RF signature created by a tag's broadcast can be compared to those stored in the database and the closest match roughly identifies the location of the tag.</a:t>
+              <a:t>By collecting RF signatures and storing them in a database, the RF signature created by a tag's broadcast can be compared to those stored in the database and the closest match roughly identifies the location of the tag.</a:t>
             </a:r>
           </a:p>
           <a:p>
@@ -6483,77 +6304,7 @@
                 <a:ea typeface="Ebrima" pitchFamily="2" charset="0"/>
                 <a:cs typeface="Ebrima" pitchFamily="2" charset="0"/>
               </a:rPr>
-              <a:t>The processing is done in a </a:t>
-            </a:r>
-            <a:r>
-              <a:rPr lang="en-US" sz="3200" dirty="0" smtClean="0">
-                <a:ea typeface="Ebrima" pitchFamily="2" charset="0"/>
-                <a:cs typeface="Ebrima" pitchFamily="2" charset="0"/>
-              </a:rPr>
-              <a:t>Java </a:t>
-            </a:r>
-            <a:r>
-              <a:rPr lang="en-US" sz="3200" dirty="0" smtClean="0">
-                <a:ea typeface="Ebrima" pitchFamily="2" charset="0"/>
-                <a:cs typeface="Ebrima" pitchFamily="2" charset="0"/>
-              </a:rPr>
-              <a:t>application that has a direct TCP/IP connection to the proxy. Likewise, the proxy is connected to the </a:t>
-            </a:r>
-            <a:r>
-              <a:rPr lang="en-US" sz="3200" dirty="0" smtClean="0">
-                <a:ea typeface="Ebrima" pitchFamily="2" charset="0"/>
-                <a:cs typeface="Ebrima" pitchFamily="2" charset="0"/>
-              </a:rPr>
-              <a:t>Controller via </a:t>
-            </a:r>
-            <a:r>
-              <a:rPr lang="en-US" sz="3200" dirty="0" smtClean="0">
-                <a:ea typeface="Ebrima" pitchFamily="2" charset="0"/>
-                <a:cs typeface="Ebrima" pitchFamily="2" charset="0"/>
-              </a:rPr>
-              <a:t>an onboard Wi-Fi module and </a:t>
-            </a:r>
-            <a:r>
-              <a:rPr lang="en-US" sz="3200" dirty="0" smtClean="0">
-                <a:ea typeface="Ebrima" pitchFamily="2" charset="0"/>
-                <a:cs typeface="Ebrima" pitchFamily="2" charset="0"/>
-              </a:rPr>
-              <a:t>to </a:t>
-            </a:r>
-            <a:r>
-              <a:rPr lang="en-US" sz="3200" dirty="0" smtClean="0">
-                <a:ea typeface="Ebrima" pitchFamily="2" charset="0"/>
-                <a:cs typeface="Ebrima" pitchFamily="2" charset="0"/>
-              </a:rPr>
-              <a:t>the </a:t>
-            </a:r>
-            <a:r>
-              <a:rPr lang="en-US" sz="3200" dirty="0" smtClean="0">
-                <a:ea typeface="Ebrima" pitchFamily="2" charset="0"/>
-                <a:cs typeface="Ebrima" pitchFamily="2" charset="0"/>
-              </a:rPr>
-              <a:t>mesh network via </a:t>
-            </a:r>
-            <a:r>
-              <a:rPr lang="en-US" sz="3200" dirty="0" smtClean="0">
-                <a:ea typeface="Ebrima" pitchFamily="2" charset="0"/>
-                <a:cs typeface="Ebrima" pitchFamily="2" charset="0"/>
-              </a:rPr>
-              <a:t>an </a:t>
-            </a:r>
-            <a:r>
-              <a:rPr lang="en-US" sz="3200" dirty="0" smtClean="0">
-                <a:ea typeface="Ebrima" pitchFamily="2" charset="0"/>
-                <a:cs typeface="Ebrima" pitchFamily="2" charset="0"/>
-              </a:rPr>
-              <a:t>RF12 </a:t>
-            </a:r>
-            <a:r>
-              <a:rPr lang="en-US" sz="3200" dirty="0" smtClean="0">
-                <a:ea typeface="Ebrima" pitchFamily="2" charset="0"/>
-                <a:cs typeface="Ebrima" pitchFamily="2" charset="0"/>
-              </a:rPr>
-              <a:t>module.</a:t>
+              <a:t>The processing is done in a Java application that has a direct TCP/IP connection to the proxy. Likewise, the proxy is connected to the Controller via an onboard Wi-Fi module and to the mesh network via an RF12 module.</a:t>
             </a:r>
           </a:p>
         </p:txBody>
